--- a/기능 정리/project03 - 기능 정리 - 형준.pptx
+++ b/기능 정리/project03 - 기능 정리 - 형준.pptx
@@ -2,22 +2,22 @@
 <file path=ppt/presentation.xml><?xml version="1.0" encoding="utf-8"?>
 <p:presentation xmlns:a="http://schemas.openxmlformats.org/drawingml/2006/main" xmlns:r="http://schemas.openxmlformats.org/officeDocument/2006/relationships" xmlns:p="http://schemas.openxmlformats.org/presentationml/2006/main" saveSubsetFonts="1">
   <p:sldMasterIdLst>
-    <p:sldMasterId id="2147483648" r:id="rId1"/>
+    <p:sldMasterId id="2147483659" r:id="rId5"/>
   </p:sldMasterIdLst>
   <p:sldIdLst>
-    <p:sldId id="260" r:id="rId2"/>
-    <p:sldId id="258" r:id="rId3"/>
-    <p:sldId id="257" r:id="rId4"/>
-    <p:sldId id="259" r:id="rId5"/>
+    <p:sldId id="256" r:id="rId6"/>
+    <p:sldId id="257" r:id="rId7"/>
+    <p:sldId id="258" r:id="rId8"/>
+    <p:sldId id="259" r:id="rId9"/>
   </p:sldIdLst>
   <p:sldSz cx="12192000" cy="6858000"/>
   <p:notesSz cx="6858000" cy="9144000"/>
   <p:defaultTextStyle>
     <a:defPPr>
-      <a:defRPr lang="ko-KR"/>
+      <a:defRPr altLang="ko-KR" lang="ko-KR"/>
     </a:defPPr>
-    <a:lvl1pPr marL="0" algn="l" defTabSz="914400" rtl="0" eaLnBrk="1" latinLnBrk="1" hangingPunct="1">
-      <a:defRPr sz="1800" kern="1200">
+    <a:lvl1pPr algn="l" defTabSz="914400" eaLnBrk="1" hangingPunct="1" latinLnBrk="1" marL="0" rtl="0">
+      <a:defRPr kern="1200" sz="1800">
         <a:solidFill>
           <a:schemeClr val="tx1"/>
         </a:solidFill>
@@ -26,8 +26,8 @@
         <a:cs typeface="+mn-cs"/>
       </a:defRPr>
     </a:lvl1pPr>
-    <a:lvl2pPr marL="457200" algn="l" defTabSz="914400" rtl="0" eaLnBrk="1" latinLnBrk="1" hangingPunct="1">
-      <a:defRPr sz="1800" kern="1200">
+    <a:lvl2pPr algn="l" defTabSz="914400" eaLnBrk="1" hangingPunct="1" latinLnBrk="1" marL="457200" rtl="0">
+      <a:defRPr kern="1200" sz="1800">
         <a:solidFill>
           <a:schemeClr val="tx1"/>
         </a:solidFill>
@@ -36,8 +36,8 @@
         <a:cs typeface="+mn-cs"/>
       </a:defRPr>
     </a:lvl2pPr>
-    <a:lvl3pPr marL="914400" algn="l" defTabSz="914400" rtl="0" eaLnBrk="1" latinLnBrk="1" hangingPunct="1">
-      <a:defRPr sz="1800" kern="1200">
+    <a:lvl3pPr algn="l" defTabSz="914400" eaLnBrk="1" hangingPunct="1" latinLnBrk="1" marL="914400" rtl="0">
+      <a:defRPr kern="1200" sz="1800">
         <a:solidFill>
           <a:schemeClr val="tx1"/>
         </a:solidFill>
@@ -46,8 +46,8 @@
         <a:cs typeface="+mn-cs"/>
       </a:defRPr>
     </a:lvl3pPr>
-    <a:lvl4pPr marL="1371600" algn="l" defTabSz="914400" rtl="0" eaLnBrk="1" latinLnBrk="1" hangingPunct="1">
-      <a:defRPr sz="1800" kern="1200">
+    <a:lvl4pPr algn="l" defTabSz="914400" eaLnBrk="1" hangingPunct="1" latinLnBrk="1" marL="1371600" rtl="0">
+      <a:defRPr kern="1200" sz="1800">
         <a:solidFill>
           <a:schemeClr val="tx1"/>
         </a:solidFill>
@@ -56,8 +56,8 @@
         <a:cs typeface="+mn-cs"/>
       </a:defRPr>
     </a:lvl4pPr>
-    <a:lvl5pPr marL="1828800" algn="l" defTabSz="914400" rtl="0" eaLnBrk="1" latinLnBrk="1" hangingPunct="1">
-      <a:defRPr sz="1800" kern="1200">
+    <a:lvl5pPr algn="l" defTabSz="914400" eaLnBrk="1" hangingPunct="1" latinLnBrk="1" marL="1828800" rtl="0">
+      <a:defRPr kern="1200" sz="1800">
         <a:solidFill>
           <a:schemeClr val="tx1"/>
         </a:solidFill>
@@ -66,8 +66,8 @@
         <a:cs typeface="+mn-cs"/>
       </a:defRPr>
     </a:lvl5pPr>
-    <a:lvl6pPr marL="2286000" algn="l" defTabSz="914400" rtl="0" eaLnBrk="1" latinLnBrk="1" hangingPunct="1">
-      <a:defRPr sz="1800" kern="1200">
+    <a:lvl6pPr algn="l" defTabSz="914400" eaLnBrk="1" hangingPunct="1" latinLnBrk="1" marL="2286000" rtl="0">
+      <a:defRPr kern="1200" sz="1800">
         <a:solidFill>
           <a:schemeClr val="tx1"/>
         </a:solidFill>
@@ -76,8 +76,8 @@
         <a:cs typeface="+mn-cs"/>
       </a:defRPr>
     </a:lvl6pPr>
-    <a:lvl7pPr marL="2743200" algn="l" defTabSz="914400" rtl="0" eaLnBrk="1" latinLnBrk="1" hangingPunct="1">
-      <a:defRPr sz="1800" kern="1200">
+    <a:lvl7pPr algn="l" defTabSz="914400" eaLnBrk="1" hangingPunct="1" latinLnBrk="1" marL="2743200" rtl="0">
+      <a:defRPr kern="1200" sz="1800">
         <a:solidFill>
           <a:schemeClr val="tx1"/>
         </a:solidFill>
@@ -86,8 +86,8 @@
         <a:cs typeface="+mn-cs"/>
       </a:defRPr>
     </a:lvl7pPr>
-    <a:lvl8pPr marL="3200400" algn="l" defTabSz="914400" rtl="0" eaLnBrk="1" latinLnBrk="1" hangingPunct="1">
-      <a:defRPr sz="1800" kern="1200">
+    <a:lvl8pPr algn="l" defTabSz="914400" eaLnBrk="1" hangingPunct="1" latinLnBrk="1" marL="3200400" rtl="0">
+      <a:defRPr kern="1200" sz="1800">
         <a:solidFill>
           <a:schemeClr val="tx1"/>
         </a:solidFill>
@@ -96,8 +96,8 @@
         <a:cs typeface="+mn-cs"/>
       </a:defRPr>
     </a:lvl8pPr>
-    <a:lvl9pPr marL="3657600" algn="l" defTabSz="914400" rtl="0" eaLnBrk="1" latinLnBrk="1" hangingPunct="1">
-      <a:defRPr sz="1800" kern="1200">
+    <a:lvl9pPr algn="l" defTabSz="914400" eaLnBrk="1" hangingPunct="1" latinLnBrk="1" marL="3657600" rtl="0">
+      <a:defRPr kern="1200" sz="1800">
         <a:solidFill>
           <a:schemeClr val="tx1"/>
         </a:solidFill>
@@ -111,7 +111,7 @@
 </file>
 
 <file path=ppt/slideLayouts/slideLayout1.xml><?xml version="1.0" encoding="utf-8"?>
-<p:sldLayout xmlns:a="http://schemas.openxmlformats.org/drawingml/2006/main" xmlns:r="http://schemas.openxmlformats.org/officeDocument/2006/relationships" xmlns:p="http://schemas.openxmlformats.org/presentationml/2006/main" type="title" preserve="1">
+<p:sldLayout xmlns:a="http://schemas.openxmlformats.org/drawingml/2006/main" xmlns:r="http://schemas.openxmlformats.org/officeDocument/2006/relationships" xmlns:p="http://schemas.openxmlformats.org/presentationml/2006/main" preserve="1" type="title">
   <p:cSld name="제목 슬라이드">
     <p:spTree>
       <p:nvGrpSpPr>
@@ -144,7 +144,7 @@
           </a:xfrm>
         </p:spPr>
         <p:txBody>
-          <a:bodyPr anchor="b"/>
+          <a:bodyPr anchor="b" numCol="1"/>
           <a:lstStyle>
             <a:lvl1pPr algn="ctr">
               <a:defRPr sz="6000"/>
@@ -152,10 +152,10 @@
           </a:lstStyle>
           <a:p>
             <a:r>
-              <a:rPr lang="ko-KR" altLang="en-US" smtClean="0"/>
+              <a:rPr lang="ko-KR" smtClean="0"/>
               <a:t>마스터 제목 스타일 편집</a:t>
             </a:r>
-            <a:endParaRPr lang="ko-KR" altLang="en-US"/>
+            <a:endParaRPr lang="ko-KR"/>
           </a:p>
         </p:txBody>
       </p:sp>
@@ -166,7 +166,7 @@
             <a:spLocks noGrp="1"/>
           </p:cNvSpPr>
           <p:nvPr>
-            <p:ph type="subTitle" idx="1"/>
+            <p:ph idx="1" type="subTitle"/>
           </p:nvPr>
         </p:nvSpPr>
         <p:spPr>
@@ -176,51 +176,51 @@
           </a:xfrm>
         </p:spPr>
         <p:txBody>
-          <a:bodyPr/>
+          <a:bodyPr numCol="1"/>
           <a:lstStyle>
-            <a:lvl1pPr marL="0" indent="0" algn="ctr">
+            <a:lvl1pPr algn="ctr" indent="0" marL="0">
               <a:buNone/>
               <a:defRPr sz="2400"/>
             </a:lvl1pPr>
-            <a:lvl2pPr marL="457200" indent="0" algn="ctr">
+            <a:lvl2pPr algn="ctr" indent="0" marL="457200">
               <a:buNone/>
               <a:defRPr sz="2000"/>
             </a:lvl2pPr>
-            <a:lvl3pPr marL="914400" indent="0" algn="ctr">
+            <a:lvl3pPr algn="ctr" indent="0" marL="914400">
               <a:buNone/>
               <a:defRPr sz="1800"/>
             </a:lvl3pPr>
-            <a:lvl4pPr marL="1371600" indent="0" algn="ctr">
+            <a:lvl4pPr algn="ctr" indent="0" marL="1371600">
               <a:buNone/>
               <a:defRPr sz="1600"/>
             </a:lvl4pPr>
-            <a:lvl5pPr marL="1828800" indent="0" algn="ctr">
+            <a:lvl5pPr algn="ctr" indent="0" marL="1828800">
               <a:buNone/>
               <a:defRPr sz="1600"/>
             </a:lvl5pPr>
-            <a:lvl6pPr marL="2286000" indent="0" algn="ctr">
+            <a:lvl6pPr algn="ctr" indent="0" marL="2286000">
               <a:buNone/>
               <a:defRPr sz="1600"/>
             </a:lvl6pPr>
-            <a:lvl7pPr marL="2743200" indent="0" algn="ctr">
+            <a:lvl7pPr algn="ctr" indent="0" marL="2743200">
               <a:buNone/>
               <a:defRPr sz="1600"/>
             </a:lvl7pPr>
-            <a:lvl8pPr marL="3200400" indent="0" algn="ctr">
+            <a:lvl8pPr algn="ctr" indent="0" marL="3200400">
               <a:buNone/>
               <a:defRPr sz="1600"/>
             </a:lvl8pPr>
-            <a:lvl9pPr marL="3657600" indent="0" algn="ctr">
+            <a:lvl9pPr algn="ctr" indent="0" marL="3657600">
               <a:buNone/>
               <a:defRPr sz="1600"/>
             </a:lvl9pPr>
           </a:lstStyle>
           <a:p>
             <a:r>
-              <a:rPr lang="ko-KR" altLang="en-US" smtClean="0"/>
+              <a:rPr lang="ko-KR" smtClean="0"/>
               <a:t>마스터 부제목 스타일 편집</a:t>
             </a:r>
-            <a:endParaRPr lang="ko-KR" altLang="en-US"/>
+            <a:endParaRPr lang="ko-KR"/>
           </a:p>
         </p:txBody>
       </p:sp>
@@ -231,19 +231,19 @@
             <a:spLocks noGrp="1"/>
           </p:cNvSpPr>
           <p:nvPr>
-            <p:ph type="dt" sz="half" idx="10"/>
-          </p:nvPr>
-        </p:nvSpPr>
-        <p:spPr/>
-        <p:txBody>
-          <a:bodyPr/>
+            <p:ph idx="10" sz="half" type="dt"/>
+          </p:nvPr>
+        </p:nvSpPr>
+        <p:spPr/>
+        <p:txBody>
+          <a:bodyPr numCol="1"/>
           <a:lstStyle/>
           <a:p>
             <a:fld id="{E0C64F5E-737F-4F6B-9F15-DAA8DB3BF429}" type="datetimeFigureOut">
-              <a:rPr lang="ko-KR" altLang="en-US" smtClean="0"/>
+              <a:rPr lang="ko-KR" smtClean="0"/>
               <a:t>2020-01-31</a:t>
             </a:fld>
-            <a:endParaRPr lang="ko-KR" altLang="en-US"/>
+            <a:endParaRPr lang="ko-KR"/>
           </a:p>
         </p:txBody>
       </p:sp>
@@ -254,15 +254,15 @@
             <a:spLocks noGrp="1"/>
           </p:cNvSpPr>
           <p:nvPr>
-            <p:ph type="ftr" sz="quarter" idx="11"/>
-          </p:nvPr>
-        </p:nvSpPr>
-        <p:spPr/>
-        <p:txBody>
-          <a:bodyPr/>
-          <a:lstStyle/>
-          <a:p>
-            <a:endParaRPr lang="ko-KR" altLang="en-US"/>
+            <p:ph idx="11" sz="quarter" type="ftr"/>
+          </p:nvPr>
+        </p:nvSpPr>
+        <p:spPr/>
+        <p:txBody>
+          <a:bodyPr numCol="1"/>
+          <a:lstStyle/>
+          <a:p>
+            <a:endParaRPr lang="ko-KR"/>
           </a:p>
         </p:txBody>
       </p:sp>
@@ -273,19 +273,19 @@
             <a:spLocks noGrp="1"/>
           </p:cNvSpPr>
           <p:nvPr>
-            <p:ph type="sldNum" sz="quarter" idx="12"/>
-          </p:nvPr>
-        </p:nvSpPr>
-        <p:spPr/>
-        <p:txBody>
-          <a:bodyPr/>
+            <p:ph idx="12" sz="quarter" type="sldNum"/>
+          </p:nvPr>
+        </p:nvSpPr>
+        <p:spPr/>
+        <p:txBody>
+          <a:bodyPr numCol="1"/>
           <a:lstStyle/>
           <a:p>
             <a:fld id="{065A4F53-6DA0-4604-B445-FF63587F1A89}" type="slidenum">
-              <a:rPr lang="ko-KR" altLang="en-US" smtClean="0"/>
+              <a:rPr lang="ko-KR" smtClean="0"/>
               <a:t>‹#›</a:t>
             </a:fld>
-            <a:endParaRPr lang="ko-KR" altLang="en-US"/>
+            <a:endParaRPr lang="ko-KR"/>
           </a:p>
         </p:txBody>
       </p:sp>
@@ -303,7 +303,7 @@
 </file>
 
 <file path=ppt/slideLayouts/slideLayout10.xml><?xml version="1.0" encoding="utf-8"?>
-<p:sldLayout xmlns:a="http://schemas.openxmlformats.org/drawingml/2006/main" xmlns:r="http://schemas.openxmlformats.org/officeDocument/2006/relationships" xmlns:p="http://schemas.openxmlformats.org/presentationml/2006/main" type="vertTx" preserve="1">
+<p:sldLayout xmlns:a="http://schemas.openxmlformats.org/drawingml/2006/main" xmlns:r="http://schemas.openxmlformats.org/officeDocument/2006/relationships" xmlns:p="http://schemas.openxmlformats.org/presentationml/2006/main" preserve="1" type="vertTx">
   <p:cSld name="제목 및 세로 텍스트">
     <p:spTree>
       <p:nvGrpSpPr>
@@ -331,14 +331,14 @@
         </p:nvSpPr>
         <p:spPr/>
         <p:txBody>
-          <a:bodyPr/>
-          <a:lstStyle/>
-          <a:p>
-            <a:r>
-              <a:rPr lang="ko-KR" altLang="en-US" smtClean="0"/>
+          <a:bodyPr numCol="1"/>
+          <a:lstStyle/>
+          <a:p>
+            <a:r>
+              <a:rPr lang="ko-KR" smtClean="0"/>
               <a:t>마스터 제목 스타일 편집</a:t>
             </a:r>
-            <a:endParaRPr lang="ko-KR" altLang="en-US"/>
+            <a:endParaRPr lang="ko-KR"/>
           </a:p>
         </p:txBody>
       </p:sp>
@@ -349,48 +349,48 @@
             <a:spLocks noGrp="1"/>
           </p:cNvSpPr>
           <p:nvPr>
-            <p:ph type="body" orient="vert" idx="1"/>
-          </p:nvPr>
-        </p:nvSpPr>
-        <p:spPr/>
-        <p:txBody>
-          <a:bodyPr vert="eaVert"/>
+            <p:ph idx="1" orient="vert" type="body"/>
+          </p:nvPr>
+        </p:nvSpPr>
+        <p:spPr/>
+        <p:txBody>
+          <a:bodyPr numCol="1" vert="eaVert"/>
           <a:lstStyle/>
           <a:p>
             <a:pPr lvl="0"/>
             <a:r>
-              <a:rPr lang="ko-KR" altLang="en-US" smtClean="0"/>
+              <a:rPr lang="ko-KR" smtClean="0"/>
               <a:t>마스터 텍스트 스타일을 편집합니다</a:t>
             </a:r>
           </a:p>
           <a:p>
             <a:pPr lvl="1"/>
             <a:r>
-              <a:rPr lang="ko-KR" altLang="en-US" smtClean="0"/>
+              <a:rPr lang="ko-KR" smtClean="0"/>
               <a:t>둘째 수준</a:t>
             </a:r>
           </a:p>
           <a:p>
             <a:pPr lvl="2"/>
             <a:r>
-              <a:rPr lang="ko-KR" altLang="en-US" smtClean="0"/>
+              <a:rPr lang="ko-KR" smtClean="0"/>
               <a:t>셋째 수준</a:t>
             </a:r>
           </a:p>
           <a:p>
             <a:pPr lvl="3"/>
             <a:r>
-              <a:rPr lang="ko-KR" altLang="en-US" smtClean="0"/>
+              <a:rPr lang="ko-KR" smtClean="0"/>
               <a:t>넷째 수준</a:t>
             </a:r>
           </a:p>
           <a:p>
             <a:pPr lvl="4"/>
             <a:r>
-              <a:rPr lang="ko-KR" altLang="en-US" smtClean="0"/>
+              <a:rPr lang="ko-KR" smtClean="0"/>
               <a:t>다섯째 수준</a:t>
             </a:r>
-            <a:endParaRPr lang="ko-KR" altLang="en-US"/>
+            <a:endParaRPr lang="ko-KR"/>
           </a:p>
         </p:txBody>
       </p:sp>
@@ -401,19 +401,19 @@
             <a:spLocks noGrp="1"/>
           </p:cNvSpPr>
           <p:nvPr>
-            <p:ph type="dt" sz="half" idx="10"/>
-          </p:nvPr>
-        </p:nvSpPr>
-        <p:spPr/>
-        <p:txBody>
-          <a:bodyPr/>
+            <p:ph idx="10" sz="half" type="dt"/>
+          </p:nvPr>
+        </p:nvSpPr>
+        <p:spPr/>
+        <p:txBody>
+          <a:bodyPr numCol="1"/>
           <a:lstStyle/>
           <a:p>
             <a:fld id="{E0C64F5E-737F-4F6B-9F15-DAA8DB3BF429}" type="datetimeFigureOut">
-              <a:rPr lang="ko-KR" altLang="en-US" smtClean="0"/>
+              <a:rPr lang="ko-KR" smtClean="0"/>
               <a:t>2020-01-31</a:t>
             </a:fld>
-            <a:endParaRPr lang="ko-KR" altLang="en-US"/>
+            <a:endParaRPr lang="ko-KR"/>
           </a:p>
         </p:txBody>
       </p:sp>
@@ -424,15 +424,15 @@
             <a:spLocks noGrp="1"/>
           </p:cNvSpPr>
           <p:nvPr>
-            <p:ph type="ftr" sz="quarter" idx="11"/>
-          </p:nvPr>
-        </p:nvSpPr>
-        <p:spPr/>
-        <p:txBody>
-          <a:bodyPr/>
-          <a:lstStyle/>
-          <a:p>
-            <a:endParaRPr lang="ko-KR" altLang="en-US"/>
+            <p:ph idx="11" sz="quarter" type="ftr"/>
+          </p:nvPr>
+        </p:nvSpPr>
+        <p:spPr/>
+        <p:txBody>
+          <a:bodyPr numCol="1"/>
+          <a:lstStyle/>
+          <a:p>
+            <a:endParaRPr lang="ko-KR"/>
           </a:p>
         </p:txBody>
       </p:sp>
@@ -443,19 +443,19 @@
             <a:spLocks noGrp="1"/>
           </p:cNvSpPr>
           <p:nvPr>
-            <p:ph type="sldNum" sz="quarter" idx="12"/>
-          </p:nvPr>
-        </p:nvSpPr>
-        <p:spPr/>
-        <p:txBody>
-          <a:bodyPr/>
+            <p:ph idx="12" sz="quarter" type="sldNum"/>
+          </p:nvPr>
+        </p:nvSpPr>
+        <p:spPr/>
+        <p:txBody>
+          <a:bodyPr numCol="1"/>
           <a:lstStyle/>
           <a:p>
             <a:fld id="{065A4F53-6DA0-4604-B445-FF63587F1A89}" type="slidenum">
-              <a:rPr lang="ko-KR" altLang="en-US" smtClean="0"/>
+              <a:rPr lang="ko-KR" smtClean="0"/>
               <a:t>‹#›</a:t>
             </a:fld>
-            <a:endParaRPr lang="ko-KR" altLang="en-US"/>
+            <a:endParaRPr lang="ko-KR"/>
           </a:p>
         </p:txBody>
       </p:sp>
@@ -473,7 +473,7 @@
 </file>
 
 <file path=ppt/slideLayouts/slideLayout11.xml><?xml version="1.0" encoding="utf-8"?>
-<p:sldLayout xmlns:a="http://schemas.openxmlformats.org/drawingml/2006/main" xmlns:r="http://schemas.openxmlformats.org/officeDocument/2006/relationships" xmlns:p="http://schemas.openxmlformats.org/presentationml/2006/main" type="vertTitleAndTx" preserve="1">
+<p:sldLayout xmlns:a="http://schemas.openxmlformats.org/drawingml/2006/main" xmlns:r="http://schemas.openxmlformats.org/officeDocument/2006/relationships" xmlns:p="http://schemas.openxmlformats.org/presentationml/2006/main" preserve="1" type="vertTitleAndTx">
   <p:cSld name="세로 제목 및 텍스트">
     <p:spTree>
       <p:nvGrpSpPr>
@@ -496,7 +496,7 @@
             <a:spLocks noGrp="1"/>
           </p:cNvSpPr>
           <p:nvPr>
-            <p:ph type="title" orient="vert"/>
+            <p:ph orient="vert" type="title"/>
           </p:nvPr>
         </p:nvSpPr>
         <p:spPr>
@@ -506,14 +506,14 @@
           </a:xfrm>
         </p:spPr>
         <p:txBody>
-          <a:bodyPr vert="eaVert"/>
-          <a:lstStyle/>
-          <a:p>
-            <a:r>
-              <a:rPr lang="ko-KR" altLang="en-US" smtClean="0"/>
+          <a:bodyPr numCol="1" vert="eaVert"/>
+          <a:lstStyle/>
+          <a:p>
+            <a:r>
+              <a:rPr lang="ko-KR" smtClean="0"/>
               <a:t>마스터 제목 스타일 편집</a:t>
             </a:r>
-            <a:endParaRPr lang="ko-KR" altLang="en-US"/>
+            <a:endParaRPr lang="ko-KR"/>
           </a:p>
         </p:txBody>
       </p:sp>
@@ -524,7 +524,7 @@
             <a:spLocks noGrp="1"/>
           </p:cNvSpPr>
           <p:nvPr>
-            <p:ph type="body" orient="vert" idx="1"/>
+            <p:ph idx="1" orient="vert" type="body"/>
           </p:nvPr>
         </p:nvSpPr>
         <p:spPr>
@@ -534,43 +534,43 @@
           </a:xfrm>
         </p:spPr>
         <p:txBody>
-          <a:bodyPr vert="eaVert"/>
+          <a:bodyPr numCol="1" vert="eaVert"/>
           <a:lstStyle/>
           <a:p>
             <a:pPr lvl="0"/>
             <a:r>
-              <a:rPr lang="ko-KR" altLang="en-US" smtClean="0"/>
+              <a:rPr lang="ko-KR" smtClean="0"/>
               <a:t>마스터 텍스트 스타일을 편집합니다</a:t>
             </a:r>
           </a:p>
           <a:p>
             <a:pPr lvl="1"/>
             <a:r>
-              <a:rPr lang="ko-KR" altLang="en-US" smtClean="0"/>
+              <a:rPr lang="ko-KR" smtClean="0"/>
               <a:t>둘째 수준</a:t>
             </a:r>
           </a:p>
           <a:p>
             <a:pPr lvl="2"/>
             <a:r>
-              <a:rPr lang="ko-KR" altLang="en-US" smtClean="0"/>
+              <a:rPr lang="ko-KR" smtClean="0"/>
               <a:t>셋째 수준</a:t>
             </a:r>
           </a:p>
           <a:p>
             <a:pPr lvl="3"/>
             <a:r>
-              <a:rPr lang="ko-KR" altLang="en-US" smtClean="0"/>
+              <a:rPr lang="ko-KR" smtClean="0"/>
               <a:t>넷째 수준</a:t>
             </a:r>
           </a:p>
           <a:p>
             <a:pPr lvl="4"/>
             <a:r>
-              <a:rPr lang="ko-KR" altLang="en-US" smtClean="0"/>
+              <a:rPr lang="ko-KR" smtClean="0"/>
               <a:t>다섯째 수준</a:t>
             </a:r>
-            <a:endParaRPr lang="ko-KR" altLang="en-US"/>
+            <a:endParaRPr lang="ko-KR"/>
           </a:p>
         </p:txBody>
       </p:sp>
@@ -581,19 +581,19 @@
             <a:spLocks noGrp="1"/>
           </p:cNvSpPr>
           <p:nvPr>
-            <p:ph type="dt" sz="half" idx="10"/>
-          </p:nvPr>
-        </p:nvSpPr>
-        <p:spPr/>
-        <p:txBody>
-          <a:bodyPr/>
+            <p:ph idx="10" sz="half" type="dt"/>
+          </p:nvPr>
+        </p:nvSpPr>
+        <p:spPr/>
+        <p:txBody>
+          <a:bodyPr numCol="1"/>
           <a:lstStyle/>
           <a:p>
             <a:fld id="{E0C64F5E-737F-4F6B-9F15-DAA8DB3BF429}" type="datetimeFigureOut">
-              <a:rPr lang="ko-KR" altLang="en-US" smtClean="0"/>
+              <a:rPr lang="ko-KR" smtClean="0"/>
               <a:t>2020-01-31</a:t>
             </a:fld>
-            <a:endParaRPr lang="ko-KR" altLang="en-US"/>
+            <a:endParaRPr lang="ko-KR"/>
           </a:p>
         </p:txBody>
       </p:sp>
@@ -604,15 +604,15 @@
             <a:spLocks noGrp="1"/>
           </p:cNvSpPr>
           <p:nvPr>
-            <p:ph type="ftr" sz="quarter" idx="11"/>
-          </p:nvPr>
-        </p:nvSpPr>
-        <p:spPr/>
-        <p:txBody>
-          <a:bodyPr/>
-          <a:lstStyle/>
-          <a:p>
-            <a:endParaRPr lang="ko-KR" altLang="en-US"/>
+            <p:ph idx="11" sz="quarter" type="ftr"/>
+          </p:nvPr>
+        </p:nvSpPr>
+        <p:spPr/>
+        <p:txBody>
+          <a:bodyPr numCol="1"/>
+          <a:lstStyle/>
+          <a:p>
+            <a:endParaRPr lang="ko-KR"/>
           </a:p>
         </p:txBody>
       </p:sp>
@@ -623,19 +623,19 @@
             <a:spLocks noGrp="1"/>
           </p:cNvSpPr>
           <p:nvPr>
-            <p:ph type="sldNum" sz="quarter" idx="12"/>
-          </p:nvPr>
-        </p:nvSpPr>
-        <p:spPr/>
-        <p:txBody>
-          <a:bodyPr/>
+            <p:ph idx="12" sz="quarter" type="sldNum"/>
+          </p:nvPr>
+        </p:nvSpPr>
+        <p:spPr/>
+        <p:txBody>
+          <a:bodyPr numCol="1"/>
           <a:lstStyle/>
           <a:p>
             <a:fld id="{065A4F53-6DA0-4604-B445-FF63587F1A89}" type="slidenum">
-              <a:rPr lang="ko-KR" altLang="en-US" smtClean="0"/>
+              <a:rPr lang="ko-KR" smtClean="0"/>
               <a:t>‹#›</a:t>
             </a:fld>
-            <a:endParaRPr lang="ko-KR" altLang="en-US"/>
+            <a:endParaRPr lang="ko-KR"/>
           </a:p>
         </p:txBody>
       </p:sp>
@@ -653,7 +653,7 @@
 </file>
 
 <file path=ppt/slideLayouts/slideLayout2.xml><?xml version="1.0" encoding="utf-8"?>
-<p:sldLayout xmlns:a="http://schemas.openxmlformats.org/drawingml/2006/main" xmlns:r="http://schemas.openxmlformats.org/officeDocument/2006/relationships" xmlns:p="http://schemas.openxmlformats.org/presentationml/2006/main" type="obj" preserve="1">
+<p:sldLayout xmlns:a="http://schemas.openxmlformats.org/drawingml/2006/main" xmlns:r="http://schemas.openxmlformats.org/officeDocument/2006/relationships" xmlns:p="http://schemas.openxmlformats.org/presentationml/2006/main" preserve="1" type="obj">
   <p:cSld name="제목 및 내용">
     <p:spTree>
       <p:nvGrpSpPr>
@@ -681,14 +681,14 @@
         </p:nvSpPr>
         <p:spPr/>
         <p:txBody>
-          <a:bodyPr/>
-          <a:lstStyle/>
-          <a:p>
-            <a:r>
-              <a:rPr lang="ko-KR" altLang="en-US" smtClean="0"/>
+          <a:bodyPr numCol="1"/>
+          <a:lstStyle/>
+          <a:p>
+            <a:r>
+              <a:rPr lang="ko-KR" smtClean="0"/>
               <a:t>마스터 제목 스타일 편집</a:t>
             </a:r>
-            <a:endParaRPr lang="ko-KR" altLang="en-US"/>
+            <a:endParaRPr lang="ko-KR"/>
           </a:p>
         </p:txBody>
       </p:sp>
@@ -704,43 +704,43 @@
         </p:nvSpPr>
         <p:spPr/>
         <p:txBody>
-          <a:bodyPr/>
+          <a:bodyPr numCol="1"/>
           <a:lstStyle/>
           <a:p>
             <a:pPr lvl="0"/>
             <a:r>
-              <a:rPr lang="ko-KR" altLang="en-US" smtClean="0"/>
+              <a:rPr lang="ko-KR" smtClean="0"/>
               <a:t>마스터 텍스트 스타일을 편집합니다</a:t>
             </a:r>
           </a:p>
           <a:p>
             <a:pPr lvl="1"/>
             <a:r>
-              <a:rPr lang="ko-KR" altLang="en-US" smtClean="0"/>
+              <a:rPr lang="ko-KR" smtClean="0"/>
               <a:t>둘째 수준</a:t>
             </a:r>
           </a:p>
           <a:p>
             <a:pPr lvl="2"/>
             <a:r>
-              <a:rPr lang="ko-KR" altLang="en-US" smtClean="0"/>
+              <a:rPr lang="ko-KR" smtClean="0"/>
               <a:t>셋째 수준</a:t>
             </a:r>
           </a:p>
           <a:p>
             <a:pPr lvl="3"/>
             <a:r>
-              <a:rPr lang="ko-KR" altLang="en-US" smtClean="0"/>
+              <a:rPr lang="ko-KR" smtClean="0"/>
               <a:t>넷째 수준</a:t>
             </a:r>
           </a:p>
           <a:p>
             <a:pPr lvl="4"/>
             <a:r>
-              <a:rPr lang="ko-KR" altLang="en-US" smtClean="0"/>
+              <a:rPr lang="ko-KR" smtClean="0"/>
               <a:t>다섯째 수준</a:t>
             </a:r>
-            <a:endParaRPr lang="ko-KR" altLang="en-US"/>
+            <a:endParaRPr lang="ko-KR"/>
           </a:p>
         </p:txBody>
       </p:sp>
@@ -751,19 +751,19 @@
             <a:spLocks noGrp="1"/>
           </p:cNvSpPr>
           <p:nvPr>
-            <p:ph type="dt" sz="half" idx="10"/>
-          </p:nvPr>
-        </p:nvSpPr>
-        <p:spPr/>
-        <p:txBody>
-          <a:bodyPr/>
+            <p:ph idx="10" sz="half" type="dt"/>
+          </p:nvPr>
+        </p:nvSpPr>
+        <p:spPr/>
+        <p:txBody>
+          <a:bodyPr numCol="1"/>
           <a:lstStyle/>
           <a:p>
             <a:fld id="{E0C64F5E-737F-4F6B-9F15-DAA8DB3BF429}" type="datetimeFigureOut">
-              <a:rPr lang="ko-KR" altLang="en-US" smtClean="0"/>
+              <a:rPr lang="ko-KR" smtClean="0"/>
               <a:t>2020-01-31</a:t>
             </a:fld>
-            <a:endParaRPr lang="ko-KR" altLang="en-US"/>
+            <a:endParaRPr lang="ko-KR"/>
           </a:p>
         </p:txBody>
       </p:sp>
@@ -774,15 +774,15 @@
             <a:spLocks noGrp="1"/>
           </p:cNvSpPr>
           <p:nvPr>
-            <p:ph type="ftr" sz="quarter" idx="11"/>
-          </p:nvPr>
-        </p:nvSpPr>
-        <p:spPr/>
-        <p:txBody>
-          <a:bodyPr/>
-          <a:lstStyle/>
-          <a:p>
-            <a:endParaRPr lang="ko-KR" altLang="en-US"/>
+            <p:ph idx="11" sz="quarter" type="ftr"/>
+          </p:nvPr>
+        </p:nvSpPr>
+        <p:spPr/>
+        <p:txBody>
+          <a:bodyPr numCol="1"/>
+          <a:lstStyle/>
+          <a:p>
+            <a:endParaRPr lang="ko-KR"/>
           </a:p>
         </p:txBody>
       </p:sp>
@@ -793,19 +793,19 @@
             <a:spLocks noGrp="1"/>
           </p:cNvSpPr>
           <p:nvPr>
-            <p:ph type="sldNum" sz="quarter" idx="12"/>
-          </p:nvPr>
-        </p:nvSpPr>
-        <p:spPr/>
-        <p:txBody>
-          <a:bodyPr/>
+            <p:ph idx="12" sz="quarter" type="sldNum"/>
+          </p:nvPr>
+        </p:nvSpPr>
+        <p:spPr/>
+        <p:txBody>
+          <a:bodyPr numCol="1"/>
           <a:lstStyle/>
           <a:p>
             <a:fld id="{065A4F53-6DA0-4604-B445-FF63587F1A89}" type="slidenum">
-              <a:rPr lang="ko-KR" altLang="en-US" smtClean="0"/>
+              <a:rPr lang="ko-KR" smtClean="0"/>
               <a:t>‹#›</a:t>
             </a:fld>
-            <a:endParaRPr lang="ko-KR" altLang="en-US"/>
+            <a:endParaRPr lang="ko-KR"/>
           </a:p>
         </p:txBody>
       </p:sp>
@@ -823,7 +823,7 @@
 </file>
 
 <file path=ppt/slideLayouts/slideLayout3.xml><?xml version="1.0" encoding="utf-8"?>
-<p:sldLayout xmlns:a="http://schemas.openxmlformats.org/drawingml/2006/main" xmlns:r="http://schemas.openxmlformats.org/officeDocument/2006/relationships" xmlns:p="http://schemas.openxmlformats.org/presentationml/2006/main" type="secHead" preserve="1">
+<p:sldLayout xmlns:a="http://schemas.openxmlformats.org/drawingml/2006/main" xmlns:r="http://schemas.openxmlformats.org/officeDocument/2006/relationships" xmlns:p="http://schemas.openxmlformats.org/presentationml/2006/main" preserve="1" type="secHead">
   <p:cSld name="구역 머리글">
     <p:spTree>
       <p:nvGrpSpPr>
@@ -856,7 +856,7 @@
           </a:xfrm>
         </p:spPr>
         <p:txBody>
-          <a:bodyPr anchor="b"/>
+          <a:bodyPr anchor="b" numCol="1"/>
           <a:lstStyle>
             <a:lvl1pPr>
               <a:defRPr sz="6000"/>
@@ -864,10 +864,10 @@
           </a:lstStyle>
           <a:p>
             <a:r>
-              <a:rPr lang="ko-KR" altLang="en-US" smtClean="0"/>
+              <a:rPr lang="ko-KR" smtClean="0"/>
               <a:t>마스터 제목 스타일 편집</a:t>
             </a:r>
-            <a:endParaRPr lang="ko-KR" altLang="en-US"/>
+            <a:endParaRPr lang="ko-KR"/>
           </a:p>
         </p:txBody>
       </p:sp>
@@ -878,7 +878,7 @@
             <a:spLocks noGrp="1"/>
           </p:cNvSpPr>
           <p:nvPr>
-            <p:ph type="body" idx="1"/>
+            <p:ph idx="1" type="body"/>
           </p:nvPr>
         </p:nvSpPr>
         <p:spPr>
@@ -888,9 +888,9 @@
           </a:xfrm>
         </p:spPr>
         <p:txBody>
-          <a:bodyPr/>
+          <a:bodyPr numCol="1"/>
           <a:lstStyle>
-            <a:lvl1pPr marL="0" indent="0">
+            <a:lvl1pPr indent="0" marL="0">
               <a:buNone/>
               <a:defRPr sz="2400">
                 <a:solidFill>
@@ -900,7 +900,7 @@
                 </a:solidFill>
               </a:defRPr>
             </a:lvl1pPr>
-            <a:lvl2pPr marL="457200" indent="0">
+            <a:lvl2pPr indent="0" marL="457200">
               <a:buNone/>
               <a:defRPr sz="2000">
                 <a:solidFill>
@@ -910,7 +910,7 @@
                 </a:solidFill>
               </a:defRPr>
             </a:lvl2pPr>
-            <a:lvl3pPr marL="914400" indent="0">
+            <a:lvl3pPr indent="0" marL="914400">
               <a:buNone/>
               <a:defRPr sz="1800">
                 <a:solidFill>
@@ -920,7 +920,7 @@
                 </a:solidFill>
               </a:defRPr>
             </a:lvl3pPr>
-            <a:lvl4pPr marL="1371600" indent="0">
+            <a:lvl4pPr indent="0" marL="1371600">
               <a:buNone/>
               <a:defRPr sz="1600">
                 <a:solidFill>
@@ -930,7 +930,7 @@
                 </a:solidFill>
               </a:defRPr>
             </a:lvl4pPr>
-            <a:lvl5pPr marL="1828800" indent="0">
+            <a:lvl5pPr indent="0" marL="1828800">
               <a:buNone/>
               <a:defRPr sz="1600">
                 <a:solidFill>
@@ -940,7 +940,7 @@
                 </a:solidFill>
               </a:defRPr>
             </a:lvl5pPr>
-            <a:lvl6pPr marL="2286000" indent="0">
+            <a:lvl6pPr indent="0" marL="2286000">
               <a:buNone/>
               <a:defRPr sz="1600">
                 <a:solidFill>
@@ -950,7 +950,7 @@
                 </a:solidFill>
               </a:defRPr>
             </a:lvl6pPr>
-            <a:lvl7pPr marL="2743200" indent="0">
+            <a:lvl7pPr indent="0" marL="2743200">
               <a:buNone/>
               <a:defRPr sz="1600">
                 <a:solidFill>
@@ -960,7 +960,7 @@
                 </a:solidFill>
               </a:defRPr>
             </a:lvl7pPr>
-            <a:lvl8pPr marL="3200400" indent="0">
+            <a:lvl8pPr indent="0" marL="3200400">
               <a:buNone/>
               <a:defRPr sz="1600">
                 <a:solidFill>
@@ -970,7 +970,7 @@
                 </a:solidFill>
               </a:defRPr>
             </a:lvl8pPr>
-            <a:lvl9pPr marL="3657600" indent="0">
+            <a:lvl9pPr indent="0" marL="3657600">
               <a:buNone/>
               <a:defRPr sz="1600">
                 <a:solidFill>
@@ -984,7 +984,7 @@
           <a:p>
             <a:pPr lvl="0"/>
             <a:r>
-              <a:rPr lang="ko-KR" altLang="en-US" smtClean="0"/>
+              <a:rPr lang="ko-KR" smtClean="0"/>
               <a:t>마스터 텍스트 스타일을 편집합니다</a:t>
             </a:r>
           </a:p>
@@ -997,19 +997,19 @@
             <a:spLocks noGrp="1"/>
           </p:cNvSpPr>
           <p:nvPr>
-            <p:ph type="dt" sz="half" idx="10"/>
-          </p:nvPr>
-        </p:nvSpPr>
-        <p:spPr/>
-        <p:txBody>
-          <a:bodyPr/>
+            <p:ph idx="10" sz="half" type="dt"/>
+          </p:nvPr>
+        </p:nvSpPr>
+        <p:spPr/>
+        <p:txBody>
+          <a:bodyPr numCol="1"/>
           <a:lstStyle/>
           <a:p>
             <a:fld id="{E0C64F5E-737F-4F6B-9F15-DAA8DB3BF429}" type="datetimeFigureOut">
-              <a:rPr lang="ko-KR" altLang="en-US" smtClean="0"/>
+              <a:rPr lang="ko-KR" smtClean="0"/>
               <a:t>2020-01-31</a:t>
             </a:fld>
-            <a:endParaRPr lang="ko-KR" altLang="en-US"/>
+            <a:endParaRPr lang="ko-KR"/>
           </a:p>
         </p:txBody>
       </p:sp>
@@ -1020,15 +1020,15 @@
             <a:spLocks noGrp="1"/>
           </p:cNvSpPr>
           <p:nvPr>
-            <p:ph type="ftr" sz="quarter" idx="11"/>
-          </p:nvPr>
-        </p:nvSpPr>
-        <p:spPr/>
-        <p:txBody>
-          <a:bodyPr/>
-          <a:lstStyle/>
-          <a:p>
-            <a:endParaRPr lang="ko-KR" altLang="en-US"/>
+            <p:ph idx="11" sz="quarter" type="ftr"/>
+          </p:nvPr>
+        </p:nvSpPr>
+        <p:spPr/>
+        <p:txBody>
+          <a:bodyPr numCol="1"/>
+          <a:lstStyle/>
+          <a:p>
+            <a:endParaRPr lang="ko-KR"/>
           </a:p>
         </p:txBody>
       </p:sp>
@@ -1039,19 +1039,19 @@
             <a:spLocks noGrp="1"/>
           </p:cNvSpPr>
           <p:nvPr>
-            <p:ph type="sldNum" sz="quarter" idx="12"/>
-          </p:nvPr>
-        </p:nvSpPr>
-        <p:spPr/>
-        <p:txBody>
-          <a:bodyPr/>
+            <p:ph idx="12" sz="quarter" type="sldNum"/>
+          </p:nvPr>
+        </p:nvSpPr>
+        <p:spPr/>
+        <p:txBody>
+          <a:bodyPr numCol="1"/>
           <a:lstStyle/>
           <a:p>
             <a:fld id="{065A4F53-6DA0-4604-B445-FF63587F1A89}" type="slidenum">
-              <a:rPr lang="ko-KR" altLang="en-US" smtClean="0"/>
+              <a:rPr lang="ko-KR" smtClean="0"/>
               <a:t>‹#›</a:t>
             </a:fld>
-            <a:endParaRPr lang="ko-KR" altLang="en-US"/>
+            <a:endParaRPr lang="ko-KR"/>
           </a:p>
         </p:txBody>
       </p:sp>
@@ -1069,7 +1069,7 @@
 </file>
 
 <file path=ppt/slideLayouts/slideLayout4.xml><?xml version="1.0" encoding="utf-8"?>
-<p:sldLayout xmlns:a="http://schemas.openxmlformats.org/drawingml/2006/main" xmlns:r="http://schemas.openxmlformats.org/officeDocument/2006/relationships" xmlns:p="http://schemas.openxmlformats.org/presentationml/2006/main" type="twoObj" preserve="1">
+<p:sldLayout xmlns:a="http://schemas.openxmlformats.org/drawingml/2006/main" xmlns:r="http://schemas.openxmlformats.org/officeDocument/2006/relationships" xmlns:p="http://schemas.openxmlformats.org/presentationml/2006/main" preserve="1" type="twoObj">
   <p:cSld name="콘텐츠 2개">
     <p:spTree>
       <p:nvGrpSpPr>
@@ -1097,14 +1097,14 @@
         </p:nvSpPr>
         <p:spPr/>
         <p:txBody>
-          <a:bodyPr/>
-          <a:lstStyle/>
-          <a:p>
-            <a:r>
-              <a:rPr lang="ko-KR" altLang="en-US" smtClean="0"/>
+          <a:bodyPr numCol="1"/>
+          <a:lstStyle/>
+          <a:p>
+            <a:r>
+              <a:rPr lang="ko-KR" smtClean="0"/>
               <a:t>마스터 제목 스타일 편집</a:t>
             </a:r>
-            <a:endParaRPr lang="ko-KR" altLang="en-US"/>
+            <a:endParaRPr lang="ko-KR"/>
           </a:p>
         </p:txBody>
       </p:sp>
@@ -1115,7 +1115,7 @@
             <a:spLocks noGrp="1"/>
           </p:cNvSpPr>
           <p:nvPr>
-            <p:ph sz="half" idx="1"/>
+            <p:ph idx="1" sz="half"/>
           </p:nvPr>
         </p:nvSpPr>
         <p:spPr>
@@ -1125,43 +1125,43 @@
           </a:xfrm>
         </p:spPr>
         <p:txBody>
-          <a:bodyPr/>
+          <a:bodyPr numCol="1"/>
           <a:lstStyle/>
           <a:p>
             <a:pPr lvl="0"/>
             <a:r>
-              <a:rPr lang="ko-KR" altLang="en-US" smtClean="0"/>
+              <a:rPr lang="ko-KR" smtClean="0"/>
               <a:t>마스터 텍스트 스타일을 편집합니다</a:t>
             </a:r>
           </a:p>
           <a:p>
             <a:pPr lvl="1"/>
             <a:r>
-              <a:rPr lang="ko-KR" altLang="en-US" smtClean="0"/>
+              <a:rPr lang="ko-KR" smtClean="0"/>
               <a:t>둘째 수준</a:t>
             </a:r>
           </a:p>
           <a:p>
             <a:pPr lvl="2"/>
             <a:r>
-              <a:rPr lang="ko-KR" altLang="en-US" smtClean="0"/>
+              <a:rPr lang="ko-KR" smtClean="0"/>
               <a:t>셋째 수준</a:t>
             </a:r>
           </a:p>
           <a:p>
             <a:pPr lvl="3"/>
             <a:r>
-              <a:rPr lang="ko-KR" altLang="en-US" smtClean="0"/>
+              <a:rPr lang="ko-KR" smtClean="0"/>
               <a:t>넷째 수준</a:t>
             </a:r>
           </a:p>
           <a:p>
             <a:pPr lvl="4"/>
             <a:r>
-              <a:rPr lang="ko-KR" altLang="en-US" smtClean="0"/>
+              <a:rPr lang="ko-KR" smtClean="0"/>
               <a:t>다섯째 수준</a:t>
             </a:r>
-            <a:endParaRPr lang="ko-KR" altLang="en-US"/>
+            <a:endParaRPr lang="ko-KR"/>
           </a:p>
         </p:txBody>
       </p:sp>
@@ -1172,7 +1172,7 @@
             <a:spLocks noGrp="1"/>
           </p:cNvSpPr>
           <p:nvPr>
-            <p:ph sz="half" idx="2"/>
+            <p:ph idx="2" sz="half"/>
           </p:nvPr>
         </p:nvSpPr>
         <p:spPr>
@@ -1182,43 +1182,43 @@
           </a:xfrm>
         </p:spPr>
         <p:txBody>
-          <a:bodyPr/>
+          <a:bodyPr numCol="1"/>
           <a:lstStyle/>
           <a:p>
             <a:pPr lvl="0"/>
             <a:r>
-              <a:rPr lang="ko-KR" altLang="en-US" smtClean="0"/>
+              <a:rPr lang="ko-KR" smtClean="0"/>
               <a:t>마스터 텍스트 스타일을 편집합니다</a:t>
             </a:r>
           </a:p>
           <a:p>
             <a:pPr lvl="1"/>
             <a:r>
-              <a:rPr lang="ko-KR" altLang="en-US" smtClean="0"/>
+              <a:rPr lang="ko-KR" smtClean="0"/>
               <a:t>둘째 수준</a:t>
             </a:r>
           </a:p>
           <a:p>
             <a:pPr lvl="2"/>
             <a:r>
-              <a:rPr lang="ko-KR" altLang="en-US" smtClean="0"/>
+              <a:rPr lang="ko-KR" smtClean="0"/>
               <a:t>셋째 수준</a:t>
             </a:r>
           </a:p>
           <a:p>
             <a:pPr lvl="3"/>
             <a:r>
-              <a:rPr lang="ko-KR" altLang="en-US" smtClean="0"/>
+              <a:rPr lang="ko-KR" smtClean="0"/>
               <a:t>넷째 수준</a:t>
             </a:r>
           </a:p>
           <a:p>
             <a:pPr lvl="4"/>
             <a:r>
-              <a:rPr lang="ko-KR" altLang="en-US" smtClean="0"/>
+              <a:rPr lang="ko-KR" smtClean="0"/>
               <a:t>다섯째 수준</a:t>
             </a:r>
-            <a:endParaRPr lang="ko-KR" altLang="en-US"/>
+            <a:endParaRPr lang="ko-KR"/>
           </a:p>
         </p:txBody>
       </p:sp>
@@ -1229,19 +1229,19 @@
             <a:spLocks noGrp="1"/>
           </p:cNvSpPr>
           <p:nvPr>
-            <p:ph type="dt" sz="half" idx="10"/>
-          </p:nvPr>
-        </p:nvSpPr>
-        <p:spPr/>
-        <p:txBody>
-          <a:bodyPr/>
+            <p:ph idx="10" sz="half" type="dt"/>
+          </p:nvPr>
+        </p:nvSpPr>
+        <p:spPr/>
+        <p:txBody>
+          <a:bodyPr numCol="1"/>
           <a:lstStyle/>
           <a:p>
             <a:fld id="{E0C64F5E-737F-4F6B-9F15-DAA8DB3BF429}" type="datetimeFigureOut">
-              <a:rPr lang="ko-KR" altLang="en-US" smtClean="0"/>
+              <a:rPr lang="ko-KR" smtClean="0"/>
               <a:t>2020-01-31</a:t>
             </a:fld>
-            <a:endParaRPr lang="ko-KR" altLang="en-US"/>
+            <a:endParaRPr lang="ko-KR"/>
           </a:p>
         </p:txBody>
       </p:sp>
@@ -1252,15 +1252,15 @@
             <a:spLocks noGrp="1"/>
           </p:cNvSpPr>
           <p:nvPr>
-            <p:ph type="ftr" sz="quarter" idx="11"/>
-          </p:nvPr>
-        </p:nvSpPr>
-        <p:spPr/>
-        <p:txBody>
-          <a:bodyPr/>
-          <a:lstStyle/>
-          <a:p>
-            <a:endParaRPr lang="ko-KR" altLang="en-US"/>
+            <p:ph idx="11" sz="quarter" type="ftr"/>
+          </p:nvPr>
+        </p:nvSpPr>
+        <p:spPr/>
+        <p:txBody>
+          <a:bodyPr numCol="1"/>
+          <a:lstStyle/>
+          <a:p>
+            <a:endParaRPr lang="ko-KR"/>
           </a:p>
         </p:txBody>
       </p:sp>
@@ -1271,19 +1271,19 @@
             <a:spLocks noGrp="1"/>
           </p:cNvSpPr>
           <p:nvPr>
-            <p:ph type="sldNum" sz="quarter" idx="12"/>
-          </p:nvPr>
-        </p:nvSpPr>
-        <p:spPr/>
-        <p:txBody>
-          <a:bodyPr/>
+            <p:ph idx="12" sz="quarter" type="sldNum"/>
+          </p:nvPr>
+        </p:nvSpPr>
+        <p:spPr/>
+        <p:txBody>
+          <a:bodyPr numCol="1"/>
           <a:lstStyle/>
           <a:p>
             <a:fld id="{065A4F53-6DA0-4604-B445-FF63587F1A89}" type="slidenum">
-              <a:rPr lang="ko-KR" altLang="en-US" smtClean="0"/>
+              <a:rPr lang="ko-KR" smtClean="0"/>
               <a:t>‹#›</a:t>
             </a:fld>
-            <a:endParaRPr lang="ko-KR" altLang="en-US"/>
+            <a:endParaRPr lang="ko-KR"/>
           </a:p>
         </p:txBody>
       </p:sp>
@@ -1301,7 +1301,7 @@
 </file>
 
 <file path=ppt/slideLayouts/slideLayout5.xml><?xml version="1.0" encoding="utf-8"?>
-<p:sldLayout xmlns:a="http://schemas.openxmlformats.org/drawingml/2006/main" xmlns:r="http://schemas.openxmlformats.org/officeDocument/2006/relationships" xmlns:p="http://schemas.openxmlformats.org/presentationml/2006/main" type="twoTxTwoObj" preserve="1">
+<p:sldLayout xmlns:a="http://schemas.openxmlformats.org/drawingml/2006/main" xmlns:r="http://schemas.openxmlformats.org/officeDocument/2006/relationships" xmlns:p="http://schemas.openxmlformats.org/presentationml/2006/main" preserve="1" type="twoTxTwoObj">
   <p:cSld name="비교">
     <p:spTree>
       <p:nvGrpSpPr>
@@ -1334,14 +1334,14 @@
           </a:xfrm>
         </p:spPr>
         <p:txBody>
-          <a:bodyPr/>
-          <a:lstStyle/>
-          <a:p>
-            <a:r>
-              <a:rPr lang="ko-KR" altLang="en-US" smtClean="0"/>
+          <a:bodyPr numCol="1"/>
+          <a:lstStyle/>
+          <a:p>
+            <a:r>
+              <a:rPr lang="ko-KR" smtClean="0"/>
               <a:t>마스터 제목 스타일 편집</a:t>
             </a:r>
-            <a:endParaRPr lang="ko-KR" altLang="en-US"/>
+            <a:endParaRPr lang="ko-KR"/>
           </a:p>
         </p:txBody>
       </p:sp>
@@ -1352,7 +1352,7 @@
             <a:spLocks noGrp="1"/>
           </p:cNvSpPr>
           <p:nvPr>
-            <p:ph type="body" idx="1"/>
+            <p:ph idx="1" type="body"/>
           </p:nvPr>
         </p:nvSpPr>
         <p:spPr>
@@ -1362,49 +1362,49 @@
           </a:xfrm>
         </p:spPr>
         <p:txBody>
-          <a:bodyPr anchor="b"/>
+          <a:bodyPr anchor="b" numCol="1"/>
           <a:lstStyle>
-            <a:lvl1pPr marL="0" indent="0">
-              <a:buNone/>
-              <a:defRPr sz="2400" b="1"/>
+            <a:lvl1pPr indent="0" marL="0">
+              <a:buNone/>
+              <a:defRPr b="1" sz="2400"/>
             </a:lvl1pPr>
-            <a:lvl2pPr marL="457200" indent="0">
-              <a:buNone/>
-              <a:defRPr sz="2000" b="1"/>
+            <a:lvl2pPr indent="0" marL="457200">
+              <a:buNone/>
+              <a:defRPr b="1" sz="2000"/>
             </a:lvl2pPr>
-            <a:lvl3pPr marL="914400" indent="0">
-              <a:buNone/>
-              <a:defRPr sz="1800" b="1"/>
+            <a:lvl3pPr indent="0" marL="914400">
+              <a:buNone/>
+              <a:defRPr b="1" sz="1800"/>
             </a:lvl3pPr>
-            <a:lvl4pPr marL="1371600" indent="0">
-              <a:buNone/>
-              <a:defRPr sz="1600" b="1"/>
+            <a:lvl4pPr indent="0" marL="1371600">
+              <a:buNone/>
+              <a:defRPr b="1" sz="1600"/>
             </a:lvl4pPr>
-            <a:lvl5pPr marL="1828800" indent="0">
-              <a:buNone/>
-              <a:defRPr sz="1600" b="1"/>
+            <a:lvl5pPr indent="0" marL="1828800">
+              <a:buNone/>
+              <a:defRPr b="1" sz="1600"/>
             </a:lvl5pPr>
-            <a:lvl6pPr marL="2286000" indent="0">
-              <a:buNone/>
-              <a:defRPr sz="1600" b="1"/>
+            <a:lvl6pPr indent="0" marL="2286000">
+              <a:buNone/>
+              <a:defRPr b="1" sz="1600"/>
             </a:lvl6pPr>
-            <a:lvl7pPr marL="2743200" indent="0">
-              <a:buNone/>
-              <a:defRPr sz="1600" b="1"/>
+            <a:lvl7pPr indent="0" marL="2743200">
+              <a:buNone/>
+              <a:defRPr b="1" sz="1600"/>
             </a:lvl7pPr>
-            <a:lvl8pPr marL="3200400" indent="0">
-              <a:buNone/>
-              <a:defRPr sz="1600" b="1"/>
+            <a:lvl8pPr indent="0" marL="3200400">
+              <a:buNone/>
+              <a:defRPr b="1" sz="1600"/>
             </a:lvl8pPr>
-            <a:lvl9pPr marL="3657600" indent="0">
-              <a:buNone/>
-              <a:defRPr sz="1600" b="1"/>
+            <a:lvl9pPr indent="0" marL="3657600">
+              <a:buNone/>
+              <a:defRPr b="1" sz="1600"/>
             </a:lvl9pPr>
           </a:lstStyle>
           <a:p>
             <a:pPr lvl="0"/>
             <a:r>
-              <a:rPr lang="ko-KR" altLang="en-US" smtClean="0"/>
+              <a:rPr lang="ko-KR" smtClean="0"/>
               <a:t>마스터 텍스트 스타일을 편집합니다</a:t>
             </a:r>
           </a:p>
@@ -1417,7 +1417,7 @@
             <a:spLocks noGrp="1"/>
           </p:cNvSpPr>
           <p:nvPr>
-            <p:ph sz="half" idx="2"/>
+            <p:ph idx="2" sz="half"/>
           </p:nvPr>
         </p:nvSpPr>
         <p:spPr>
@@ -1427,43 +1427,43 @@
           </a:xfrm>
         </p:spPr>
         <p:txBody>
-          <a:bodyPr/>
+          <a:bodyPr numCol="1"/>
           <a:lstStyle/>
           <a:p>
             <a:pPr lvl="0"/>
             <a:r>
-              <a:rPr lang="ko-KR" altLang="en-US" smtClean="0"/>
+              <a:rPr lang="ko-KR" smtClean="0"/>
               <a:t>마스터 텍스트 스타일을 편집합니다</a:t>
             </a:r>
           </a:p>
           <a:p>
             <a:pPr lvl="1"/>
             <a:r>
-              <a:rPr lang="ko-KR" altLang="en-US" smtClean="0"/>
+              <a:rPr lang="ko-KR" smtClean="0"/>
               <a:t>둘째 수준</a:t>
             </a:r>
           </a:p>
           <a:p>
             <a:pPr lvl="2"/>
             <a:r>
-              <a:rPr lang="ko-KR" altLang="en-US" smtClean="0"/>
+              <a:rPr lang="ko-KR" smtClean="0"/>
               <a:t>셋째 수준</a:t>
             </a:r>
           </a:p>
           <a:p>
             <a:pPr lvl="3"/>
             <a:r>
-              <a:rPr lang="ko-KR" altLang="en-US" smtClean="0"/>
+              <a:rPr lang="ko-KR" smtClean="0"/>
               <a:t>넷째 수준</a:t>
             </a:r>
           </a:p>
           <a:p>
             <a:pPr lvl="4"/>
             <a:r>
-              <a:rPr lang="ko-KR" altLang="en-US" smtClean="0"/>
+              <a:rPr lang="ko-KR" smtClean="0"/>
               <a:t>다섯째 수준</a:t>
             </a:r>
-            <a:endParaRPr lang="ko-KR" altLang="en-US"/>
+            <a:endParaRPr lang="ko-KR"/>
           </a:p>
         </p:txBody>
       </p:sp>
@@ -1474,7 +1474,7 @@
             <a:spLocks noGrp="1"/>
           </p:cNvSpPr>
           <p:nvPr>
-            <p:ph type="body" sz="quarter" idx="3"/>
+            <p:ph idx="3" sz="quarter" type="body"/>
           </p:nvPr>
         </p:nvSpPr>
         <p:spPr>
@@ -1484,49 +1484,49 @@
           </a:xfrm>
         </p:spPr>
         <p:txBody>
-          <a:bodyPr anchor="b"/>
+          <a:bodyPr anchor="b" numCol="1"/>
           <a:lstStyle>
-            <a:lvl1pPr marL="0" indent="0">
-              <a:buNone/>
-              <a:defRPr sz="2400" b="1"/>
+            <a:lvl1pPr indent="0" marL="0">
+              <a:buNone/>
+              <a:defRPr b="1" sz="2400"/>
             </a:lvl1pPr>
-            <a:lvl2pPr marL="457200" indent="0">
-              <a:buNone/>
-              <a:defRPr sz="2000" b="1"/>
+            <a:lvl2pPr indent="0" marL="457200">
+              <a:buNone/>
+              <a:defRPr b="1" sz="2000"/>
             </a:lvl2pPr>
-            <a:lvl3pPr marL="914400" indent="0">
-              <a:buNone/>
-              <a:defRPr sz="1800" b="1"/>
+            <a:lvl3pPr indent="0" marL="914400">
+              <a:buNone/>
+              <a:defRPr b="1" sz="1800"/>
             </a:lvl3pPr>
-            <a:lvl4pPr marL="1371600" indent="0">
-              <a:buNone/>
-              <a:defRPr sz="1600" b="1"/>
+            <a:lvl4pPr indent="0" marL="1371600">
+              <a:buNone/>
+              <a:defRPr b="1" sz="1600"/>
             </a:lvl4pPr>
-            <a:lvl5pPr marL="1828800" indent="0">
-              <a:buNone/>
-              <a:defRPr sz="1600" b="1"/>
+            <a:lvl5pPr indent="0" marL="1828800">
+              <a:buNone/>
+              <a:defRPr b="1" sz="1600"/>
             </a:lvl5pPr>
-            <a:lvl6pPr marL="2286000" indent="0">
-              <a:buNone/>
-              <a:defRPr sz="1600" b="1"/>
+            <a:lvl6pPr indent="0" marL="2286000">
+              <a:buNone/>
+              <a:defRPr b="1" sz="1600"/>
             </a:lvl6pPr>
-            <a:lvl7pPr marL="2743200" indent="0">
-              <a:buNone/>
-              <a:defRPr sz="1600" b="1"/>
+            <a:lvl7pPr indent="0" marL="2743200">
+              <a:buNone/>
+              <a:defRPr b="1" sz="1600"/>
             </a:lvl7pPr>
-            <a:lvl8pPr marL="3200400" indent="0">
-              <a:buNone/>
-              <a:defRPr sz="1600" b="1"/>
+            <a:lvl8pPr indent="0" marL="3200400">
+              <a:buNone/>
+              <a:defRPr b="1" sz="1600"/>
             </a:lvl8pPr>
-            <a:lvl9pPr marL="3657600" indent="0">
-              <a:buNone/>
-              <a:defRPr sz="1600" b="1"/>
+            <a:lvl9pPr indent="0" marL="3657600">
+              <a:buNone/>
+              <a:defRPr b="1" sz="1600"/>
             </a:lvl9pPr>
           </a:lstStyle>
           <a:p>
             <a:pPr lvl="0"/>
             <a:r>
-              <a:rPr lang="ko-KR" altLang="en-US" smtClean="0"/>
+              <a:rPr lang="ko-KR" smtClean="0"/>
               <a:t>마스터 텍스트 스타일을 편집합니다</a:t>
             </a:r>
           </a:p>
@@ -1539,7 +1539,7 @@
             <a:spLocks noGrp="1"/>
           </p:cNvSpPr>
           <p:nvPr>
-            <p:ph sz="quarter" idx="4"/>
+            <p:ph idx="4" sz="quarter"/>
           </p:nvPr>
         </p:nvSpPr>
         <p:spPr>
@@ -1549,43 +1549,43 @@
           </a:xfrm>
         </p:spPr>
         <p:txBody>
-          <a:bodyPr/>
+          <a:bodyPr numCol="1"/>
           <a:lstStyle/>
           <a:p>
             <a:pPr lvl="0"/>
             <a:r>
-              <a:rPr lang="ko-KR" altLang="en-US" smtClean="0"/>
+              <a:rPr lang="ko-KR" smtClean="0"/>
               <a:t>마스터 텍스트 스타일을 편집합니다</a:t>
             </a:r>
           </a:p>
           <a:p>
             <a:pPr lvl="1"/>
             <a:r>
-              <a:rPr lang="ko-KR" altLang="en-US" smtClean="0"/>
+              <a:rPr lang="ko-KR" smtClean="0"/>
               <a:t>둘째 수준</a:t>
             </a:r>
           </a:p>
           <a:p>
             <a:pPr lvl="2"/>
             <a:r>
-              <a:rPr lang="ko-KR" altLang="en-US" smtClean="0"/>
+              <a:rPr lang="ko-KR" smtClean="0"/>
               <a:t>셋째 수준</a:t>
             </a:r>
           </a:p>
           <a:p>
             <a:pPr lvl="3"/>
             <a:r>
-              <a:rPr lang="ko-KR" altLang="en-US" smtClean="0"/>
+              <a:rPr lang="ko-KR" smtClean="0"/>
               <a:t>넷째 수준</a:t>
             </a:r>
           </a:p>
           <a:p>
             <a:pPr lvl="4"/>
             <a:r>
-              <a:rPr lang="ko-KR" altLang="en-US" smtClean="0"/>
+              <a:rPr lang="ko-KR" smtClean="0"/>
               <a:t>다섯째 수준</a:t>
             </a:r>
-            <a:endParaRPr lang="ko-KR" altLang="en-US"/>
+            <a:endParaRPr lang="ko-KR"/>
           </a:p>
         </p:txBody>
       </p:sp>
@@ -1596,19 +1596,19 @@
             <a:spLocks noGrp="1"/>
           </p:cNvSpPr>
           <p:nvPr>
-            <p:ph type="dt" sz="half" idx="10"/>
-          </p:nvPr>
-        </p:nvSpPr>
-        <p:spPr/>
-        <p:txBody>
-          <a:bodyPr/>
+            <p:ph idx="10" sz="half" type="dt"/>
+          </p:nvPr>
+        </p:nvSpPr>
+        <p:spPr/>
+        <p:txBody>
+          <a:bodyPr numCol="1"/>
           <a:lstStyle/>
           <a:p>
             <a:fld id="{E0C64F5E-737F-4F6B-9F15-DAA8DB3BF429}" type="datetimeFigureOut">
-              <a:rPr lang="ko-KR" altLang="en-US" smtClean="0"/>
+              <a:rPr lang="ko-KR" smtClean="0"/>
               <a:t>2020-01-31</a:t>
             </a:fld>
-            <a:endParaRPr lang="ko-KR" altLang="en-US"/>
+            <a:endParaRPr lang="ko-KR"/>
           </a:p>
         </p:txBody>
       </p:sp>
@@ -1619,15 +1619,15 @@
             <a:spLocks noGrp="1"/>
           </p:cNvSpPr>
           <p:nvPr>
-            <p:ph type="ftr" sz="quarter" idx="11"/>
-          </p:nvPr>
-        </p:nvSpPr>
-        <p:spPr/>
-        <p:txBody>
-          <a:bodyPr/>
-          <a:lstStyle/>
-          <a:p>
-            <a:endParaRPr lang="ko-KR" altLang="en-US"/>
+            <p:ph idx="11" sz="quarter" type="ftr"/>
+          </p:nvPr>
+        </p:nvSpPr>
+        <p:spPr/>
+        <p:txBody>
+          <a:bodyPr numCol="1"/>
+          <a:lstStyle/>
+          <a:p>
+            <a:endParaRPr lang="ko-KR"/>
           </a:p>
         </p:txBody>
       </p:sp>
@@ -1638,19 +1638,19 @@
             <a:spLocks noGrp="1"/>
           </p:cNvSpPr>
           <p:nvPr>
-            <p:ph type="sldNum" sz="quarter" idx="12"/>
-          </p:nvPr>
-        </p:nvSpPr>
-        <p:spPr/>
-        <p:txBody>
-          <a:bodyPr/>
+            <p:ph idx="12" sz="quarter" type="sldNum"/>
+          </p:nvPr>
+        </p:nvSpPr>
+        <p:spPr/>
+        <p:txBody>
+          <a:bodyPr numCol="1"/>
           <a:lstStyle/>
           <a:p>
             <a:fld id="{065A4F53-6DA0-4604-B445-FF63587F1A89}" type="slidenum">
-              <a:rPr lang="ko-KR" altLang="en-US" smtClean="0"/>
+              <a:rPr lang="ko-KR" smtClean="0"/>
               <a:t>‹#›</a:t>
             </a:fld>
-            <a:endParaRPr lang="ko-KR" altLang="en-US"/>
+            <a:endParaRPr lang="ko-KR"/>
           </a:p>
         </p:txBody>
       </p:sp>
@@ -1668,7 +1668,7 @@
 </file>
 
 <file path=ppt/slideLayouts/slideLayout6.xml><?xml version="1.0" encoding="utf-8"?>
-<p:sldLayout xmlns:a="http://schemas.openxmlformats.org/drawingml/2006/main" xmlns:r="http://schemas.openxmlformats.org/officeDocument/2006/relationships" xmlns:p="http://schemas.openxmlformats.org/presentationml/2006/main" type="titleOnly" preserve="1">
+<p:sldLayout xmlns:a="http://schemas.openxmlformats.org/drawingml/2006/main" xmlns:r="http://schemas.openxmlformats.org/officeDocument/2006/relationships" xmlns:p="http://schemas.openxmlformats.org/presentationml/2006/main" preserve="1" type="titleOnly">
   <p:cSld name="제목만">
     <p:spTree>
       <p:nvGrpSpPr>
@@ -1696,14 +1696,14 @@
         </p:nvSpPr>
         <p:spPr/>
         <p:txBody>
-          <a:bodyPr/>
-          <a:lstStyle/>
-          <a:p>
-            <a:r>
-              <a:rPr lang="ko-KR" altLang="en-US" smtClean="0"/>
+          <a:bodyPr numCol="1"/>
+          <a:lstStyle/>
+          <a:p>
+            <a:r>
+              <a:rPr lang="ko-KR" smtClean="0"/>
               <a:t>마스터 제목 스타일 편집</a:t>
             </a:r>
-            <a:endParaRPr lang="ko-KR" altLang="en-US"/>
+            <a:endParaRPr lang="ko-KR"/>
           </a:p>
         </p:txBody>
       </p:sp>
@@ -1714,19 +1714,19 @@
             <a:spLocks noGrp="1"/>
           </p:cNvSpPr>
           <p:nvPr>
-            <p:ph type="dt" sz="half" idx="10"/>
-          </p:nvPr>
-        </p:nvSpPr>
-        <p:spPr/>
-        <p:txBody>
-          <a:bodyPr/>
+            <p:ph idx="10" sz="half" type="dt"/>
+          </p:nvPr>
+        </p:nvSpPr>
+        <p:spPr/>
+        <p:txBody>
+          <a:bodyPr numCol="1"/>
           <a:lstStyle/>
           <a:p>
             <a:fld id="{E0C64F5E-737F-4F6B-9F15-DAA8DB3BF429}" type="datetimeFigureOut">
-              <a:rPr lang="ko-KR" altLang="en-US" smtClean="0"/>
+              <a:rPr lang="ko-KR" smtClean="0"/>
               <a:t>2020-01-31</a:t>
             </a:fld>
-            <a:endParaRPr lang="ko-KR" altLang="en-US"/>
+            <a:endParaRPr lang="ko-KR"/>
           </a:p>
         </p:txBody>
       </p:sp>
@@ -1737,15 +1737,15 @@
             <a:spLocks noGrp="1"/>
           </p:cNvSpPr>
           <p:nvPr>
-            <p:ph type="ftr" sz="quarter" idx="11"/>
-          </p:nvPr>
-        </p:nvSpPr>
-        <p:spPr/>
-        <p:txBody>
-          <a:bodyPr/>
-          <a:lstStyle/>
-          <a:p>
-            <a:endParaRPr lang="ko-KR" altLang="en-US"/>
+            <p:ph idx="11" sz="quarter" type="ftr"/>
+          </p:nvPr>
+        </p:nvSpPr>
+        <p:spPr/>
+        <p:txBody>
+          <a:bodyPr numCol="1"/>
+          <a:lstStyle/>
+          <a:p>
+            <a:endParaRPr lang="ko-KR"/>
           </a:p>
         </p:txBody>
       </p:sp>
@@ -1756,19 +1756,19 @@
             <a:spLocks noGrp="1"/>
           </p:cNvSpPr>
           <p:nvPr>
-            <p:ph type="sldNum" sz="quarter" idx="12"/>
-          </p:nvPr>
-        </p:nvSpPr>
-        <p:spPr/>
-        <p:txBody>
-          <a:bodyPr/>
+            <p:ph idx="12" sz="quarter" type="sldNum"/>
+          </p:nvPr>
+        </p:nvSpPr>
+        <p:spPr/>
+        <p:txBody>
+          <a:bodyPr numCol="1"/>
           <a:lstStyle/>
           <a:p>
             <a:fld id="{065A4F53-6DA0-4604-B445-FF63587F1A89}" type="slidenum">
-              <a:rPr lang="ko-KR" altLang="en-US" smtClean="0"/>
+              <a:rPr lang="ko-KR" smtClean="0"/>
               <a:t>‹#›</a:t>
             </a:fld>
-            <a:endParaRPr lang="ko-KR" altLang="en-US"/>
+            <a:endParaRPr lang="ko-KR"/>
           </a:p>
         </p:txBody>
       </p:sp>
@@ -1786,7 +1786,7 @@
 </file>
 
 <file path=ppt/slideLayouts/slideLayout7.xml><?xml version="1.0" encoding="utf-8"?>
-<p:sldLayout xmlns:a="http://schemas.openxmlformats.org/drawingml/2006/main" xmlns:r="http://schemas.openxmlformats.org/officeDocument/2006/relationships" xmlns:p="http://schemas.openxmlformats.org/presentationml/2006/main" type="blank" preserve="1">
+<p:sldLayout xmlns:a="http://schemas.openxmlformats.org/drawingml/2006/main" xmlns:r="http://schemas.openxmlformats.org/officeDocument/2006/relationships" xmlns:p="http://schemas.openxmlformats.org/presentationml/2006/main" preserve="1" type="blank">
   <p:cSld name="빈 화면">
     <p:spTree>
       <p:nvGrpSpPr>
@@ -1809,19 +1809,19 @@
             <a:spLocks noGrp="1"/>
           </p:cNvSpPr>
           <p:nvPr>
-            <p:ph type="dt" sz="half" idx="10"/>
-          </p:nvPr>
-        </p:nvSpPr>
-        <p:spPr/>
-        <p:txBody>
-          <a:bodyPr/>
+            <p:ph idx="10" sz="half" type="dt"/>
+          </p:nvPr>
+        </p:nvSpPr>
+        <p:spPr/>
+        <p:txBody>
+          <a:bodyPr numCol="1"/>
           <a:lstStyle/>
           <a:p>
             <a:fld id="{E0C64F5E-737F-4F6B-9F15-DAA8DB3BF429}" type="datetimeFigureOut">
-              <a:rPr lang="ko-KR" altLang="en-US" smtClean="0"/>
+              <a:rPr lang="ko-KR" smtClean="0"/>
               <a:t>2020-01-31</a:t>
             </a:fld>
-            <a:endParaRPr lang="ko-KR" altLang="en-US"/>
+            <a:endParaRPr lang="ko-KR"/>
           </a:p>
         </p:txBody>
       </p:sp>
@@ -1832,15 +1832,15 @@
             <a:spLocks noGrp="1"/>
           </p:cNvSpPr>
           <p:nvPr>
-            <p:ph type="ftr" sz="quarter" idx="11"/>
-          </p:nvPr>
-        </p:nvSpPr>
-        <p:spPr/>
-        <p:txBody>
-          <a:bodyPr/>
-          <a:lstStyle/>
-          <a:p>
-            <a:endParaRPr lang="ko-KR" altLang="en-US"/>
+            <p:ph idx="11" sz="quarter" type="ftr"/>
+          </p:nvPr>
+        </p:nvSpPr>
+        <p:spPr/>
+        <p:txBody>
+          <a:bodyPr numCol="1"/>
+          <a:lstStyle/>
+          <a:p>
+            <a:endParaRPr lang="ko-KR"/>
           </a:p>
         </p:txBody>
       </p:sp>
@@ -1851,19 +1851,19 @@
             <a:spLocks noGrp="1"/>
           </p:cNvSpPr>
           <p:nvPr>
-            <p:ph type="sldNum" sz="quarter" idx="12"/>
-          </p:nvPr>
-        </p:nvSpPr>
-        <p:spPr/>
-        <p:txBody>
-          <a:bodyPr/>
+            <p:ph idx="12" sz="quarter" type="sldNum"/>
+          </p:nvPr>
+        </p:nvSpPr>
+        <p:spPr/>
+        <p:txBody>
+          <a:bodyPr numCol="1"/>
           <a:lstStyle/>
           <a:p>
             <a:fld id="{065A4F53-6DA0-4604-B445-FF63587F1A89}" type="slidenum">
-              <a:rPr lang="ko-KR" altLang="en-US" smtClean="0"/>
+              <a:rPr lang="ko-KR" smtClean="0"/>
               <a:t>‹#›</a:t>
             </a:fld>
-            <a:endParaRPr lang="ko-KR" altLang="en-US"/>
+            <a:endParaRPr lang="ko-KR"/>
           </a:p>
         </p:txBody>
       </p:sp>
@@ -1881,7 +1881,7 @@
 </file>
 
 <file path=ppt/slideLayouts/slideLayout8.xml><?xml version="1.0" encoding="utf-8"?>
-<p:sldLayout xmlns:a="http://schemas.openxmlformats.org/drawingml/2006/main" xmlns:r="http://schemas.openxmlformats.org/officeDocument/2006/relationships" xmlns:p="http://schemas.openxmlformats.org/presentationml/2006/main" type="objTx" preserve="1">
+<p:sldLayout xmlns:a="http://schemas.openxmlformats.org/drawingml/2006/main" xmlns:r="http://schemas.openxmlformats.org/officeDocument/2006/relationships" xmlns:p="http://schemas.openxmlformats.org/presentationml/2006/main" preserve="1" type="objTx">
   <p:cSld name="캡션 있는 콘텐츠">
     <p:spTree>
       <p:nvGrpSpPr>
@@ -1914,7 +1914,7 @@
           </a:xfrm>
         </p:spPr>
         <p:txBody>
-          <a:bodyPr anchor="b"/>
+          <a:bodyPr anchor="b" numCol="1"/>
           <a:lstStyle>
             <a:lvl1pPr>
               <a:defRPr sz="3200"/>
@@ -1922,10 +1922,10 @@
           </a:lstStyle>
           <a:p>
             <a:r>
-              <a:rPr lang="ko-KR" altLang="en-US" smtClean="0"/>
+              <a:rPr lang="ko-KR" smtClean="0"/>
               <a:t>마스터 제목 스타일 편집</a:t>
             </a:r>
-            <a:endParaRPr lang="ko-KR" altLang="en-US"/>
+            <a:endParaRPr lang="ko-KR"/>
           </a:p>
         </p:txBody>
       </p:sp>
@@ -1946,7 +1946,7 @@
           </a:xfrm>
         </p:spPr>
         <p:txBody>
-          <a:bodyPr/>
+          <a:bodyPr numCol="1"/>
           <a:lstStyle>
             <a:lvl1pPr>
               <a:defRPr sz="3200"/>
@@ -1979,38 +1979,38 @@
           <a:p>
             <a:pPr lvl="0"/>
             <a:r>
-              <a:rPr lang="ko-KR" altLang="en-US" smtClean="0"/>
+              <a:rPr lang="ko-KR" smtClean="0"/>
               <a:t>마스터 텍스트 스타일을 편집합니다</a:t>
             </a:r>
           </a:p>
           <a:p>
             <a:pPr lvl="1"/>
             <a:r>
-              <a:rPr lang="ko-KR" altLang="en-US" smtClean="0"/>
+              <a:rPr lang="ko-KR" smtClean="0"/>
               <a:t>둘째 수준</a:t>
             </a:r>
           </a:p>
           <a:p>
             <a:pPr lvl="2"/>
             <a:r>
-              <a:rPr lang="ko-KR" altLang="en-US" smtClean="0"/>
+              <a:rPr lang="ko-KR" smtClean="0"/>
               <a:t>셋째 수준</a:t>
             </a:r>
           </a:p>
           <a:p>
             <a:pPr lvl="3"/>
             <a:r>
-              <a:rPr lang="ko-KR" altLang="en-US" smtClean="0"/>
+              <a:rPr lang="ko-KR" smtClean="0"/>
               <a:t>넷째 수준</a:t>
             </a:r>
           </a:p>
           <a:p>
             <a:pPr lvl="4"/>
             <a:r>
-              <a:rPr lang="ko-KR" altLang="en-US" smtClean="0"/>
+              <a:rPr lang="ko-KR" smtClean="0"/>
               <a:t>다섯째 수준</a:t>
             </a:r>
-            <a:endParaRPr lang="ko-KR" altLang="en-US"/>
+            <a:endParaRPr lang="ko-KR"/>
           </a:p>
         </p:txBody>
       </p:sp>
@@ -2021,7 +2021,7 @@
             <a:spLocks noGrp="1"/>
           </p:cNvSpPr>
           <p:nvPr>
-            <p:ph type="body" sz="half" idx="2"/>
+            <p:ph idx="2" sz="half" type="body"/>
           </p:nvPr>
         </p:nvSpPr>
         <p:spPr>
@@ -2031,41 +2031,41 @@
           </a:xfrm>
         </p:spPr>
         <p:txBody>
-          <a:bodyPr/>
+          <a:bodyPr numCol="1"/>
           <a:lstStyle>
-            <a:lvl1pPr marL="0" indent="0">
+            <a:lvl1pPr indent="0" marL="0">
               <a:buNone/>
               <a:defRPr sz="1600"/>
             </a:lvl1pPr>
-            <a:lvl2pPr marL="457200" indent="0">
+            <a:lvl2pPr indent="0" marL="457200">
               <a:buNone/>
               <a:defRPr sz="1400"/>
             </a:lvl2pPr>
-            <a:lvl3pPr marL="914400" indent="0">
+            <a:lvl3pPr indent="0" marL="914400">
               <a:buNone/>
               <a:defRPr sz="1200"/>
             </a:lvl3pPr>
-            <a:lvl4pPr marL="1371600" indent="0">
+            <a:lvl4pPr indent="0" marL="1371600">
               <a:buNone/>
               <a:defRPr sz="1000"/>
             </a:lvl4pPr>
-            <a:lvl5pPr marL="1828800" indent="0">
+            <a:lvl5pPr indent="0" marL="1828800">
               <a:buNone/>
               <a:defRPr sz="1000"/>
             </a:lvl5pPr>
-            <a:lvl6pPr marL="2286000" indent="0">
+            <a:lvl6pPr indent="0" marL="2286000">
               <a:buNone/>
               <a:defRPr sz="1000"/>
             </a:lvl6pPr>
-            <a:lvl7pPr marL="2743200" indent="0">
+            <a:lvl7pPr indent="0" marL="2743200">
               <a:buNone/>
               <a:defRPr sz="1000"/>
             </a:lvl7pPr>
-            <a:lvl8pPr marL="3200400" indent="0">
+            <a:lvl8pPr indent="0" marL="3200400">
               <a:buNone/>
               <a:defRPr sz="1000"/>
             </a:lvl8pPr>
-            <a:lvl9pPr marL="3657600" indent="0">
+            <a:lvl9pPr indent="0" marL="3657600">
               <a:buNone/>
               <a:defRPr sz="1000"/>
             </a:lvl9pPr>
@@ -2073,7 +2073,7 @@
           <a:p>
             <a:pPr lvl="0"/>
             <a:r>
-              <a:rPr lang="ko-KR" altLang="en-US" smtClean="0"/>
+              <a:rPr lang="ko-KR" smtClean="0"/>
               <a:t>마스터 텍스트 스타일을 편집합니다</a:t>
             </a:r>
           </a:p>
@@ -2086,19 +2086,19 @@
             <a:spLocks noGrp="1"/>
           </p:cNvSpPr>
           <p:nvPr>
-            <p:ph type="dt" sz="half" idx="10"/>
-          </p:nvPr>
-        </p:nvSpPr>
-        <p:spPr/>
-        <p:txBody>
-          <a:bodyPr/>
+            <p:ph idx="10" sz="half" type="dt"/>
+          </p:nvPr>
+        </p:nvSpPr>
+        <p:spPr/>
+        <p:txBody>
+          <a:bodyPr numCol="1"/>
           <a:lstStyle/>
           <a:p>
             <a:fld id="{E0C64F5E-737F-4F6B-9F15-DAA8DB3BF429}" type="datetimeFigureOut">
-              <a:rPr lang="ko-KR" altLang="en-US" smtClean="0"/>
+              <a:rPr lang="ko-KR" smtClean="0"/>
               <a:t>2020-01-31</a:t>
             </a:fld>
-            <a:endParaRPr lang="ko-KR" altLang="en-US"/>
+            <a:endParaRPr lang="ko-KR"/>
           </a:p>
         </p:txBody>
       </p:sp>
@@ -2109,15 +2109,15 @@
             <a:spLocks noGrp="1"/>
           </p:cNvSpPr>
           <p:nvPr>
-            <p:ph type="ftr" sz="quarter" idx="11"/>
-          </p:nvPr>
-        </p:nvSpPr>
-        <p:spPr/>
-        <p:txBody>
-          <a:bodyPr/>
-          <a:lstStyle/>
-          <a:p>
-            <a:endParaRPr lang="ko-KR" altLang="en-US"/>
+            <p:ph idx="11" sz="quarter" type="ftr"/>
+          </p:nvPr>
+        </p:nvSpPr>
+        <p:spPr/>
+        <p:txBody>
+          <a:bodyPr numCol="1"/>
+          <a:lstStyle/>
+          <a:p>
+            <a:endParaRPr lang="ko-KR"/>
           </a:p>
         </p:txBody>
       </p:sp>
@@ -2128,19 +2128,19 @@
             <a:spLocks noGrp="1"/>
           </p:cNvSpPr>
           <p:nvPr>
-            <p:ph type="sldNum" sz="quarter" idx="12"/>
-          </p:nvPr>
-        </p:nvSpPr>
-        <p:spPr/>
-        <p:txBody>
-          <a:bodyPr/>
+            <p:ph idx="12" sz="quarter" type="sldNum"/>
+          </p:nvPr>
+        </p:nvSpPr>
+        <p:spPr/>
+        <p:txBody>
+          <a:bodyPr numCol="1"/>
           <a:lstStyle/>
           <a:p>
             <a:fld id="{065A4F53-6DA0-4604-B445-FF63587F1A89}" type="slidenum">
-              <a:rPr lang="ko-KR" altLang="en-US" smtClean="0"/>
+              <a:rPr lang="ko-KR" smtClean="0"/>
               <a:t>‹#›</a:t>
             </a:fld>
-            <a:endParaRPr lang="ko-KR" altLang="en-US"/>
+            <a:endParaRPr lang="ko-KR"/>
           </a:p>
         </p:txBody>
       </p:sp>
@@ -2158,7 +2158,7 @@
 </file>
 
 <file path=ppt/slideLayouts/slideLayout9.xml><?xml version="1.0" encoding="utf-8"?>
-<p:sldLayout xmlns:a="http://schemas.openxmlformats.org/drawingml/2006/main" xmlns:r="http://schemas.openxmlformats.org/officeDocument/2006/relationships" xmlns:p="http://schemas.openxmlformats.org/presentationml/2006/main" type="picTx" preserve="1">
+<p:sldLayout xmlns:a="http://schemas.openxmlformats.org/drawingml/2006/main" xmlns:r="http://schemas.openxmlformats.org/officeDocument/2006/relationships" xmlns:p="http://schemas.openxmlformats.org/presentationml/2006/main" preserve="1" type="picTx">
   <p:cSld name="캡션 있는 그림">
     <p:spTree>
       <p:nvGrpSpPr>
@@ -2191,7 +2191,7 @@
           </a:xfrm>
         </p:spPr>
         <p:txBody>
-          <a:bodyPr anchor="b"/>
+          <a:bodyPr anchor="b" numCol="1"/>
           <a:lstStyle>
             <a:lvl1pPr>
               <a:defRPr sz="3200"/>
@@ -2199,10 +2199,10 @@
           </a:lstStyle>
           <a:p>
             <a:r>
-              <a:rPr lang="ko-KR" altLang="en-US" smtClean="0"/>
+              <a:rPr lang="ko-KR" smtClean="0"/>
               <a:t>마스터 제목 스타일 편집</a:t>
             </a:r>
-            <a:endParaRPr lang="ko-KR" altLang="en-US"/>
+            <a:endParaRPr lang="ko-KR"/>
           </a:p>
         </p:txBody>
       </p:sp>
@@ -2213,7 +2213,7 @@
             <a:spLocks noGrp="1"/>
           </p:cNvSpPr>
           <p:nvPr>
-            <p:ph type="pic" idx="1"/>
+            <p:ph idx="1" type="pic"/>
           </p:nvPr>
         </p:nvSpPr>
         <p:spPr>
@@ -2223,47 +2223,47 @@
           </a:xfrm>
         </p:spPr>
         <p:txBody>
-          <a:bodyPr/>
+          <a:bodyPr numCol="1"/>
           <a:lstStyle>
-            <a:lvl1pPr marL="0" indent="0">
+            <a:lvl1pPr indent="0" marL="0">
               <a:buNone/>
               <a:defRPr sz="3200"/>
             </a:lvl1pPr>
-            <a:lvl2pPr marL="457200" indent="0">
+            <a:lvl2pPr indent="0" marL="457200">
               <a:buNone/>
               <a:defRPr sz="2800"/>
             </a:lvl2pPr>
-            <a:lvl3pPr marL="914400" indent="0">
+            <a:lvl3pPr indent="0" marL="914400">
               <a:buNone/>
               <a:defRPr sz="2400"/>
             </a:lvl3pPr>
-            <a:lvl4pPr marL="1371600" indent="0">
+            <a:lvl4pPr indent="0" marL="1371600">
               <a:buNone/>
               <a:defRPr sz="2000"/>
             </a:lvl4pPr>
-            <a:lvl5pPr marL="1828800" indent="0">
+            <a:lvl5pPr indent="0" marL="1828800">
               <a:buNone/>
               <a:defRPr sz="2000"/>
             </a:lvl5pPr>
-            <a:lvl6pPr marL="2286000" indent="0">
+            <a:lvl6pPr indent="0" marL="2286000">
               <a:buNone/>
               <a:defRPr sz="2000"/>
             </a:lvl6pPr>
-            <a:lvl7pPr marL="2743200" indent="0">
+            <a:lvl7pPr indent="0" marL="2743200">
               <a:buNone/>
               <a:defRPr sz="2000"/>
             </a:lvl7pPr>
-            <a:lvl8pPr marL="3200400" indent="0">
+            <a:lvl8pPr indent="0" marL="3200400">
               <a:buNone/>
               <a:defRPr sz="2000"/>
             </a:lvl8pPr>
-            <a:lvl9pPr marL="3657600" indent="0">
+            <a:lvl9pPr indent="0" marL="3657600">
               <a:buNone/>
               <a:defRPr sz="2000"/>
             </a:lvl9pPr>
           </a:lstStyle>
           <a:p>
-            <a:endParaRPr lang="ko-KR" altLang="en-US"/>
+            <a:endParaRPr lang="ko-KR"/>
           </a:p>
         </p:txBody>
       </p:sp>
@@ -2274,7 +2274,7 @@
             <a:spLocks noGrp="1"/>
           </p:cNvSpPr>
           <p:nvPr>
-            <p:ph type="body" sz="half" idx="2"/>
+            <p:ph idx="2" sz="half" type="body"/>
           </p:nvPr>
         </p:nvSpPr>
         <p:spPr>
@@ -2284,41 +2284,41 @@
           </a:xfrm>
         </p:spPr>
         <p:txBody>
-          <a:bodyPr/>
+          <a:bodyPr numCol="1"/>
           <a:lstStyle>
-            <a:lvl1pPr marL="0" indent="0">
+            <a:lvl1pPr indent="0" marL="0">
               <a:buNone/>
               <a:defRPr sz="1600"/>
             </a:lvl1pPr>
-            <a:lvl2pPr marL="457200" indent="0">
+            <a:lvl2pPr indent="0" marL="457200">
               <a:buNone/>
               <a:defRPr sz="1400"/>
             </a:lvl2pPr>
-            <a:lvl3pPr marL="914400" indent="0">
+            <a:lvl3pPr indent="0" marL="914400">
               <a:buNone/>
               <a:defRPr sz="1200"/>
             </a:lvl3pPr>
-            <a:lvl4pPr marL="1371600" indent="0">
+            <a:lvl4pPr indent="0" marL="1371600">
               <a:buNone/>
               <a:defRPr sz="1000"/>
             </a:lvl4pPr>
-            <a:lvl5pPr marL="1828800" indent="0">
+            <a:lvl5pPr indent="0" marL="1828800">
               <a:buNone/>
               <a:defRPr sz="1000"/>
             </a:lvl5pPr>
-            <a:lvl6pPr marL="2286000" indent="0">
+            <a:lvl6pPr indent="0" marL="2286000">
               <a:buNone/>
               <a:defRPr sz="1000"/>
             </a:lvl6pPr>
-            <a:lvl7pPr marL="2743200" indent="0">
+            <a:lvl7pPr indent="0" marL="2743200">
               <a:buNone/>
               <a:defRPr sz="1000"/>
             </a:lvl7pPr>
-            <a:lvl8pPr marL="3200400" indent="0">
+            <a:lvl8pPr indent="0" marL="3200400">
               <a:buNone/>
               <a:defRPr sz="1000"/>
             </a:lvl8pPr>
-            <a:lvl9pPr marL="3657600" indent="0">
+            <a:lvl9pPr indent="0" marL="3657600">
               <a:buNone/>
               <a:defRPr sz="1000"/>
             </a:lvl9pPr>
@@ -2326,7 +2326,7 @@
           <a:p>
             <a:pPr lvl="0"/>
             <a:r>
-              <a:rPr lang="ko-KR" altLang="en-US" smtClean="0"/>
+              <a:rPr lang="ko-KR" smtClean="0"/>
               <a:t>마스터 텍스트 스타일을 편집합니다</a:t>
             </a:r>
           </a:p>
@@ -2339,19 +2339,19 @@
             <a:spLocks noGrp="1"/>
           </p:cNvSpPr>
           <p:nvPr>
-            <p:ph type="dt" sz="half" idx="10"/>
-          </p:nvPr>
-        </p:nvSpPr>
-        <p:spPr/>
-        <p:txBody>
-          <a:bodyPr/>
+            <p:ph idx="10" sz="half" type="dt"/>
+          </p:nvPr>
+        </p:nvSpPr>
+        <p:spPr/>
+        <p:txBody>
+          <a:bodyPr numCol="1"/>
           <a:lstStyle/>
           <a:p>
             <a:fld id="{E0C64F5E-737F-4F6B-9F15-DAA8DB3BF429}" type="datetimeFigureOut">
-              <a:rPr lang="ko-KR" altLang="en-US" smtClean="0"/>
+              <a:rPr lang="ko-KR" smtClean="0"/>
               <a:t>2020-01-31</a:t>
             </a:fld>
-            <a:endParaRPr lang="ko-KR" altLang="en-US"/>
+            <a:endParaRPr lang="ko-KR"/>
           </a:p>
         </p:txBody>
       </p:sp>
@@ -2362,15 +2362,15 @@
             <a:spLocks noGrp="1"/>
           </p:cNvSpPr>
           <p:nvPr>
-            <p:ph type="ftr" sz="quarter" idx="11"/>
-          </p:nvPr>
-        </p:nvSpPr>
-        <p:spPr/>
-        <p:txBody>
-          <a:bodyPr/>
-          <a:lstStyle/>
-          <a:p>
-            <a:endParaRPr lang="ko-KR" altLang="en-US"/>
+            <p:ph idx="11" sz="quarter" type="ftr"/>
+          </p:nvPr>
+        </p:nvSpPr>
+        <p:spPr/>
+        <p:txBody>
+          <a:bodyPr numCol="1"/>
+          <a:lstStyle/>
+          <a:p>
+            <a:endParaRPr lang="ko-KR"/>
           </a:p>
         </p:txBody>
       </p:sp>
@@ -2381,19 +2381,19 @@
             <a:spLocks noGrp="1"/>
           </p:cNvSpPr>
           <p:nvPr>
-            <p:ph type="sldNum" sz="quarter" idx="12"/>
-          </p:nvPr>
-        </p:nvSpPr>
-        <p:spPr/>
-        <p:txBody>
-          <a:bodyPr/>
+            <p:ph idx="12" sz="quarter" type="sldNum"/>
+          </p:nvPr>
+        </p:nvSpPr>
+        <p:spPr/>
+        <p:txBody>
+          <a:bodyPr numCol="1"/>
           <a:lstStyle/>
           <a:p>
             <a:fld id="{065A4F53-6DA0-4604-B445-FF63587F1A89}" type="slidenum">
-              <a:rPr lang="ko-KR" altLang="en-US" smtClean="0"/>
+              <a:rPr lang="ko-KR" smtClean="0"/>
               <a:t>‹#›</a:t>
             </a:fld>
-            <a:endParaRPr lang="ko-KR" altLang="en-US"/>
+            <a:endParaRPr lang="ko-KR"/>
           </a:p>
         </p:txBody>
       </p:sp>
@@ -2452,16 +2452,16 @@
           </a:prstGeom>
         </p:spPr>
         <p:txBody>
-          <a:bodyPr vert="horz" lIns="91440" tIns="45720" rIns="91440" bIns="45720" rtlCol="0" anchor="ctr">
+          <a:bodyPr anchor="ctr" bIns="45720" lIns="91440" numCol="1" rIns="91440" rtlCol="0" tIns="45720" vert="horz">
             <a:normAutofit/>
           </a:bodyPr>
           <a:lstStyle/>
           <a:p>
             <a:r>
-              <a:rPr lang="ko-KR" altLang="en-US" smtClean="0"/>
+              <a:rPr lang="ko-KR" smtClean="0"/>
               <a:t>마스터 제목 스타일 편집</a:t>
             </a:r>
-            <a:endParaRPr lang="ko-KR" altLang="en-US"/>
+            <a:endParaRPr lang="ko-KR"/>
           </a:p>
         </p:txBody>
       </p:sp>
@@ -2472,7 +2472,7 @@
             <a:spLocks noGrp="1"/>
           </p:cNvSpPr>
           <p:nvPr>
-            <p:ph type="body" idx="1"/>
+            <p:ph idx="1" type="body"/>
           </p:nvPr>
         </p:nvSpPr>
         <p:spPr>
@@ -2485,45 +2485,45 @@
           </a:prstGeom>
         </p:spPr>
         <p:txBody>
-          <a:bodyPr vert="horz" lIns="91440" tIns="45720" rIns="91440" bIns="45720" rtlCol="0">
+          <a:bodyPr bIns="45720" lIns="91440" numCol="1" rIns="91440" rtlCol="0" tIns="45720" vert="horz">
             <a:normAutofit/>
           </a:bodyPr>
           <a:lstStyle/>
           <a:p>
             <a:pPr lvl="0"/>
             <a:r>
-              <a:rPr lang="ko-KR" altLang="en-US" smtClean="0"/>
+              <a:rPr lang="ko-KR" smtClean="0"/>
               <a:t>마스터 텍스트 스타일을 편집합니다</a:t>
             </a:r>
           </a:p>
           <a:p>
             <a:pPr lvl="1"/>
             <a:r>
-              <a:rPr lang="ko-KR" altLang="en-US" smtClean="0"/>
+              <a:rPr lang="ko-KR" smtClean="0"/>
               <a:t>둘째 수준</a:t>
             </a:r>
           </a:p>
           <a:p>
             <a:pPr lvl="2"/>
             <a:r>
-              <a:rPr lang="ko-KR" altLang="en-US" smtClean="0"/>
+              <a:rPr lang="ko-KR" smtClean="0"/>
               <a:t>셋째 수준</a:t>
             </a:r>
           </a:p>
           <a:p>
             <a:pPr lvl="3"/>
             <a:r>
-              <a:rPr lang="ko-KR" altLang="en-US" smtClean="0"/>
+              <a:rPr lang="ko-KR" smtClean="0"/>
               <a:t>넷째 수준</a:t>
             </a:r>
           </a:p>
           <a:p>
             <a:pPr lvl="4"/>
             <a:r>
-              <a:rPr lang="ko-KR" altLang="en-US" smtClean="0"/>
+              <a:rPr lang="ko-KR" smtClean="0"/>
               <a:t>다섯째 수준</a:t>
             </a:r>
-            <a:endParaRPr lang="ko-KR" altLang="en-US"/>
+            <a:endParaRPr lang="ko-KR"/>
           </a:p>
         </p:txBody>
       </p:sp>
@@ -2534,7 +2534,7 @@
             <a:spLocks noGrp="1"/>
           </p:cNvSpPr>
           <p:nvPr>
-            <p:ph type="dt" sz="half" idx="2"/>
+            <p:ph idx="2" sz="half" type="dt"/>
           </p:nvPr>
         </p:nvSpPr>
         <p:spPr>
@@ -2547,7 +2547,7 @@
           </a:prstGeom>
         </p:spPr>
         <p:txBody>
-          <a:bodyPr vert="horz" lIns="91440" tIns="45720" rIns="91440" bIns="45720" rtlCol="0" anchor="ctr"/>
+          <a:bodyPr anchor="ctr" bIns="45720" lIns="91440" numCol="1" rIns="91440" rtlCol="0" tIns="45720" vert="horz"/>
           <a:lstStyle>
             <a:lvl1pPr algn="l">
               <a:defRPr sz="1200">
@@ -2561,10 +2561,10 @@
           </a:lstStyle>
           <a:p>
             <a:fld id="{E0C64F5E-737F-4F6B-9F15-DAA8DB3BF429}" type="datetimeFigureOut">
-              <a:rPr lang="ko-KR" altLang="en-US" smtClean="0"/>
+              <a:rPr lang="ko-KR" smtClean="0"/>
               <a:t>2020-01-31</a:t>
             </a:fld>
-            <a:endParaRPr lang="ko-KR" altLang="en-US"/>
+            <a:endParaRPr lang="ko-KR"/>
           </a:p>
         </p:txBody>
       </p:sp>
@@ -2575,7 +2575,7 @@
             <a:spLocks noGrp="1"/>
           </p:cNvSpPr>
           <p:nvPr>
-            <p:ph type="ftr" sz="quarter" idx="3"/>
+            <p:ph idx="3" sz="quarter" type="ftr"/>
           </p:nvPr>
         </p:nvSpPr>
         <p:spPr>
@@ -2588,7 +2588,7 @@
           </a:prstGeom>
         </p:spPr>
         <p:txBody>
-          <a:bodyPr vert="horz" lIns="91440" tIns="45720" rIns="91440" bIns="45720" rtlCol="0" anchor="ctr"/>
+          <a:bodyPr anchor="ctr" bIns="45720" lIns="91440" numCol="1" rIns="91440" rtlCol="0" tIns="45720" vert="horz"/>
           <a:lstStyle>
             <a:lvl1pPr algn="ctr">
               <a:defRPr sz="1200">
@@ -2601,7 +2601,7 @@
             </a:lvl1pPr>
           </a:lstStyle>
           <a:p>
-            <a:endParaRPr lang="ko-KR" altLang="en-US"/>
+            <a:endParaRPr lang="ko-KR"/>
           </a:p>
         </p:txBody>
       </p:sp>
@@ -2612,7 +2612,7 @@
             <a:spLocks noGrp="1"/>
           </p:cNvSpPr>
           <p:nvPr>
-            <p:ph type="sldNum" sz="quarter" idx="4"/>
+            <p:ph idx="4" sz="quarter" type="sldNum"/>
           </p:nvPr>
         </p:nvSpPr>
         <p:spPr>
@@ -2625,7 +2625,7 @@
           </a:prstGeom>
         </p:spPr>
         <p:txBody>
-          <a:bodyPr vert="horz" lIns="91440" tIns="45720" rIns="91440" bIns="45720" rtlCol="0" anchor="ctr"/>
+          <a:bodyPr anchor="ctr" bIns="45720" lIns="91440" numCol="1" rIns="91440" rtlCol="0" tIns="45720" vert="horz"/>
           <a:lstStyle>
             <a:lvl1pPr algn="r">
               <a:defRPr sz="1200">
@@ -2639,10 +2639,10 @@
           </a:lstStyle>
           <a:p>
             <a:fld id="{065A4F53-6DA0-4604-B445-FF63587F1A89}" type="slidenum">
-              <a:rPr lang="ko-KR" altLang="en-US" smtClean="0"/>
+              <a:rPr lang="ko-KR" smtClean="0"/>
               <a:t>‹#›</a:t>
             </a:fld>
-            <a:endParaRPr lang="ko-KR" altLang="en-US"/>
+            <a:endParaRPr lang="ko-KR"/>
           </a:p>
         </p:txBody>
       </p:sp>
@@ -2653,23 +2653,23 @@
       </p:ext>
     </p:extLst>
   </p:cSld>
-  <p:clrMap bg1="lt1" tx1="dk1" bg2="lt2" tx2="dk2" accent1="accent1" accent2="accent2" accent3="accent3" accent4="accent4" accent5="accent5" accent6="accent6" hlink="hlink" folHlink="folHlink"/>
+  <p:clrMap accent1="accent1" accent2="accent2" accent3="accent3" accent4="accent4" accent5="accent5" accent6="accent6" bg1="lt1" bg2="lt2" folHlink="folHlink" hlink="hlink" tx1="dk1" tx2="dk2"/>
   <p:sldLayoutIdLst>
-    <p:sldLayoutId id="2147483649" r:id="rId1"/>
-    <p:sldLayoutId id="2147483650" r:id="rId2"/>
-    <p:sldLayoutId id="2147483651" r:id="rId3"/>
-    <p:sldLayoutId id="2147483652" r:id="rId4"/>
-    <p:sldLayoutId id="2147483653" r:id="rId5"/>
-    <p:sldLayoutId id="2147483654" r:id="rId6"/>
-    <p:sldLayoutId id="2147483655" r:id="rId7"/>
-    <p:sldLayoutId id="2147483656" r:id="rId8"/>
-    <p:sldLayoutId id="2147483657" r:id="rId9"/>
-    <p:sldLayoutId id="2147483658" r:id="rId10"/>
-    <p:sldLayoutId id="2147483659" r:id="rId11"/>
+    <p:sldLayoutId id="2147483648" r:id="rId2"/>
+    <p:sldLayoutId id="2147483649" r:id="rId3"/>
+    <p:sldLayoutId id="2147483650" r:id="rId4"/>
+    <p:sldLayoutId id="2147483651" r:id="rId5"/>
+    <p:sldLayoutId id="2147483652" r:id="rId6"/>
+    <p:sldLayoutId id="2147483653" r:id="rId7"/>
+    <p:sldLayoutId id="2147483654" r:id="rId8"/>
+    <p:sldLayoutId id="2147483655" r:id="rId9"/>
+    <p:sldLayoutId id="2147483656" r:id="rId10"/>
+    <p:sldLayoutId id="2147483657" r:id="rId11"/>
+    <p:sldLayoutId id="2147483658" r:id="rId12"/>
   </p:sldLayoutIdLst>
   <p:txStyles>
     <p:titleStyle>
-      <a:lvl1pPr algn="l" defTabSz="914400" rtl="0" eaLnBrk="1" latinLnBrk="1" hangingPunct="1">
+      <a:lvl1pPr algn="l" defTabSz="914400" eaLnBrk="1" hangingPunct="1" latinLnBrk="1" rtl="0">
         <a:lnSpc>
           <a:spcPct val="90000"/>
         </a:lnSpc>
@@ -2677,7 +2677,7 @@
           <a:spcPct val="0"/>
         </a:spcBef>
         <a:buNone/>
-        <a:defRPr sz="4400" kern="1200">
+        <a:defRPr kern="1200" sz="4400">
           <a:solidFill>
             <a:schemeClr val="tx1"/>
           </a:solidFill>
@@ -2688,16 +2688,16 @@
       </a:lvl1pPr>
     </p:titleStyle>
     <p:bodyStyle>
-      <a:lvl1pPr marL="228600" indent="-228600" algn="l" defTabSz="914400" rtl="0" eaLnBrk="1" latinLnBrk="1" hangingPunct="1">
+      <a:lvl1pPr algn="l" defTabSz="914400" eaLnBrk="1" hangingPunct="1" indent="-228600" latinLnBrk="1" marL="228600" rtl="0">
         <a:lnSpc>
           <a:spcPct val="90000"/>
         </a:lnSpc>
         <a:spcBef>
           <a:spcPts val="1000"/>
         </a:spcBef>
-        <a:buFont typeface="Arial" panose="020B0604020202020204" pitchFamily="34" charset="0"/>
+        <a:buFont charset="0" panose="020B0604020202020204" pitchFamily="34" typeface="Arial"/>
         <a:buChar char="•"/>
-        <a:defRPr sz="2800" kern="1200">
+        <a:defRPr kern="1200" sz="2800">
           <a:solidFill>
             <a:schemeClr val="tx1"/>
           </a:solidFill>
@@ -2706,16 +2706,16 @@
           <a:cs typeface="+mn-cs"/>
         </a:defRPr>
       </a:lvl1pPr>
-      <a:lvl2pPr marL="685800" indent="-228600" algn="l" defTabSz="914400" rtl="0" eaLnBrk="1" latinLnBrk="1" hangingPunct="1">
+      <a:lvl2pPr algn="l" defTabSz="914400" eaLnBrk="1" hangingPunct="1" indent="-228600" latinLnBrk="1" marL="685800" rtl="0">
         <a:lnSpc>
           <a:spcPct val="90000"/>
         </a:lnSpc>
         <a:spcBef>
           <a:spcPts val="500"/>
         </a:spcBef>
-        <a:buFont typeface="Arial" panose="020B0604020202020204" pitchFamily="34" charset="0"/>
+        <a:buFont charset="0" panose="020B0604020202020204" pitchFamily="34" typeface="Arial"/>
         <a:buChar char="•"/>
-        <a:defRPr sz="2400" kern="1200">
+        <a:defRPr kern="1200" sz="2400">
           <a:solidFill>
             <a:schemeClr val="tx1"/>
           </a:solidFill>
@@ -2724,16 +2724,16 @@
           <a:cs typeface="+mn-cs"/>
         </a:defRPr>
       </a:lvl2pPr>
-      <a:lvl3pPr marL="1143000" indent="-228600" algn="l" defTabSz="914400" rtl="0" eaLnBrk="1" latinLnBrk="1" hangingPunct="1">
+      <a:lvl3pPr algn="l" defTabSz="914400" eaLnBrk="1" hangingPunct="1" indent="-228600" latinLnBrk="1" marL="1143000" rtl="0">
         <a:lnSpc>
           <a:spcPct val="90000"/>
         </a:lnSpc>
         <a:spcBef>
           <a:spcPts val="500"/>
         </a:spcBef>
-        <a:buFont typeface="Arial" panose="020B0604020202020204" pitchFamily="34" charset="0"/>
+        <a:buFont charset="0" panose="020B0604020202020204" pitchFamily="34" typeface="Arial"/>
         <a:buChar char="•"/>
-        <a:defRPr sz="2000" kern="1200">
+        <a:defRPr kern="1200" sz="2000">
           <a:solidFill>
             <a:schemeClr val="tx1"/>
           </a:solidFill>
@@ -2742,16 +2742,16 @@
           <a:cs typeface="+mn-cs"/>
         </a:defRPr>
       </a:lvl3pPr>
-      <a:lvl4pPr marL="1600200" indent="-228600" algn="l" defTabSz="914400" rtl="0" eaLnBrk="1" latinLnBrk="1" hangingPunct="1">
+      <a:lvl4pPr algn="l" defTabSz="914400" eaLnBrk="1" hangingPunct="1" indent="-228600" latinLnBrk="1" marL="1600200" rtl="0">
         <a:lnSpc>
           <a:spcPct val="90000"/>
         </a:lnSpc>
         <a:spcBef>
           <a:spcPts val="500"/>
         </a:spcBef>
-        <a:buFont typeface="Arial" panose="020B0604020202020204" pitchFamily="34" charset="0"/>
+        <a:buFont charset="0" panose="020B0604020202020204" pitchFamily="34" typeface="Arial"/>
         <a:buChar char="•"/>
-        <a:defRPr sz="1800" kern="1200">
+        <a:defRPr kern="1200" sz="1800">
           <a:solidFill>
             <a:schemeClr val="tx1"/>
           </a:solidFill>
@@ -2760,16 +2760,16 @@
           <a:cs typeface="+mn-cs"/>
         </a:defRPr>
       </a:lvl4pPr>
-      <a:lvl5pPr marL="2057400" indent="-228600" algn="l" defTabSz="914400" rtl="0" eaLnBrk="1" latinLnBrk="1" hangingPunct="1">
+      <a:lvl5pPr algn="l" defTabSz="914400" eaLnBrk="1" hangingPunct="1" indent="-228600" latinLnBrk="1" marL="2057400" rtl="0">
         <a:lnSpc>
           <a:spcPct val="90000"/>
         </a:lnSpc>
         <a:spcBef>
           <a:spcPts val="500"/>
         </a:spcBef>
-        <a:buFont typeface="Arial" panose="020B0604020202020204" pitchFamily="34" charset="0"/>
+        <a:buFont charset="0" panose="020B0604020202020204" pitchFamily="34" typeface="Arial"/>
         <a:buChar char="•"/>
-        <a:defRPr sz="1800" kern="1200">
+        <a:defRPr kern="1200" sz="1800">
           <a:solidFill>
             <a:schemeClr val="tx1"/>
           </a:solidFill>
@@ -2778,16 +2778,16 @@
           <a:cs typeface="+mn-cs"/>
         </a:defRPr>
       </a:lvl5pPr>
-      <a:lvl6pPr marL="2514600" indent="-228600" algn="l" defTabSz="914400" rtl="0" eaLnBrk="1" latinLnBrk="1" hangingPunct="1">
+      <a:lvl6pPr algn="l" defTabSz="914400" eaLnBrk="1" hangingPunct="1" indent="-228600" latinLnBrk="1" marL="2514600" rtl="0">
         <a:lnSpc>
           <a:spcPct val="90000"/>
         </a:lnSpc>
         <a:spcBef>
           <a:spcPts val="500"/>
         </a:spcBef>
-        <a:buFont typeface="Arial" panose="020B0604020202020204" pitchFamily="34" charset="0"/>
+        <a:buFont charset="0" panose="020B0604020202020204" pitchFamily="34" typeface="Arial"/>
         <a:buChar char="•"/>
-        <a:defRPr sz="1800" kern="1200">
+        <a:defRPr kern="1200" sz="1800">
           <a:solidFill>
             <a:schemeClr val="tx1"/>
           </a:solidFill>
@@ -2796,16 +2796,16 @@
           <a:cs typeface="+mn-cs"/>
         </a:defRPr>
       </a:lvl6pPr>
-      <a:lvl7pPr marL="2971800" indent="-228600" algn="l" defTabSz="914400" rtl="0" eaLnBrk="1" latinLnBrk="1" hangingPunct="1">
+      <a:lvl7pPr algn="l" defTabSz="914400" eaLnBrk="1" hangingPunct="1" indent="-228600" latinLnBrk="1" marL="2971800" rtl="0">
         <a:lnSpc>
           <a:spcPct val="90000"/>
         </a:lnSpc>
         <a:spcBef>
           <a:spcPts val="500"/>
         </a:spcBef>
-        <a:buFont typeface="Arial" panose="020B0604020202020204" pitchFamily="34" charset="0"/>
+        <a:buFont charset="0" panose="020B0604020202020204" pitchFamily="34" typeface="Arial"/>
         <a:buChar char="•"/>
-        <a:defRPr sz="1800" kern="1200">
+        <a:defRPr kern="1200" sz="1800">
           <a:solidFill>
             <a:schemeClr val="tx1"/>
           </a:solidFill>
@@ -2814,16 +2814,16 @@
           <a:cs typeface="+mn-cs"/>
         </a:defRPr>
       </a:lvl7pPr>
-      <a:lvl8pPr marL="3429000" indent="-228600" algn="l" defTabSz="914400" rtl="0" eaLnBrk="1" latinLnBrk="1" hangingPunct="1">
+      <a:lvl8pPr algn="l" defTabSz="914400" eaLnBrk="1" hangingPunct="1" indent="-228600" latinLnBrk="1" marL="3429000" rtl="0">
         <a:lnSpc>
           <a:spcPct val="90000"/>
         </a:lnSpc>
         <a:spcBef>
           <a:spcPts val="500"/>
         </a:spcBef>
-        <a:buFont typeface="Arial" panose="020B0604020202020204" pitchFamily="34" charset="0"/>
+        <a:buFont charset="0" panose="020B0604020202020204" pitchFamily="34" typeface="Arial"/>
         <a:buChar char="•"/>
-        <a:defRPr sz="1800" kern="1200">
+        <a:defRPr kern="1200" sz="1800">
           <a:solidFill>
             <a:schemeClr val="tx1"/>
           </a:solidFill>
@@ -2832,16 +2832,16 @@
           <a:cs typeface="+mn-cs"/>
         </a:defRPr>
       </a:lvl8pPr>
-      <a:lvl9pPr marL="3886200" indent="-228600" algn="l" defTabSz="914400" rtl="0" eaLnBrk="1" latinLnBrk="1" hangingPunct="1">
+      <a:lvl9pPr algn="l" defTabSz="914400" eaLnBrk="1" hangingPunct="1" indent="-228600" latinLnBrk="1" marL="3886200" rtl="0">
         <a:lnSpc>
           <a:spcPct val="90000"/>
         </a:lnSpc>
         <a:spcBef>
           <a:spcPts val="500"/>
         </a:spcBef>
-        <a:buFont typeface="Arial" panose="020B0604020202020204" pitchFamily="34" charset="0"/>
+        <a:buFont charset="0" panose="020B0604020202020204" pitchFamily="34" typeface="Arial"/>
         <a:buChar char="•"/>
-        <a:defRPr sz="1800" kern="1200">
+        <a:defRPr kern="1200" sz="1800">
           <a:solidFill>
             <a:schemeClr val="tx1"/>
           </a:solidFill>
@@ -2853,10 +2853,10 @@
     </p:bodyStyle>
     <p:otherStyle>
       <a:defPPr>
-        <a:defRPr lang="ko-KR"/>
+        <a:defRPr altLang="ko-KR" lang="ko-KR"/>
       </a:defPPr>
-      <a:lvl1pPr marL="0" algn="l" defTabSz="914400" rtl="0" eaLnBrk="1" latinLnBrk="1" hangingPunct="1">
-        <a:defRPr sz="1800" kern="1200">
+      <a:lvl1pPr algn="l" defTabSz="914400" eaLnBrk="1" hangingPunct="1" latinLnBrk="1" marL="0" rtl="0">
+        <a:defRPr kern="1200" sz="1800">
           <a:solidFill>
             <a:schemeClr val="tx1"/>
           </a:solidFill>
@@ -2865,8 +2865,8 @@
           <a:cs typeface="+mn-cs"/>
         </a:defRPr>
       </a:lvl1pPr>
-      <a:lvl2pPr marL="457200" algn="l" defTabSz="914400" rtl="0" eaLnBrk="1" latinLnBrk="1" hangingPunct="1">
-        <a:defRPr sz="1800" kern="1200">
+      <a:lvl2pPr algn="l" defTabSz="914400" eaLnBrk="1" hangingPunct="1" latinLnBrk="1" marL="457200" rtl="0">
+        <a:defRPr kern="1200" sz="1800">
           <a:solidFill>
             <a:schemeClr val="tx1"/>
           </a:solidFill>
@@ -2875,8 +2875,8 @@
           <a:cs typeface="+mn-cs"/>
         </a:defRPr>
       </a:lvl2pPr>
-      <a:lvl3pPr marL="914400" algn="l" defTabSz="914400" rtl="0" eaLnBrk="1" latinLnBrk="1" hangingPunct="1">
-        <a:defRPr sz="1800" kern="1200">
+      <a:lvl3pPr algn="l" defTabSz="914400" eaLnBrk="1" hangingPunct="1" latinLnBrk="1" marL="914400" rtl="0">
+        <a:defRPr kern="1200" sz="1800">
           <a:solidFill>
             <a:schemeClr val="tx1"/>
           </a:solidFill>
@@ -2885,8 +2885,8 @@
           <a:cs typeface="+mn-cs"/>
         </a:defRPr>
       </a:lvl3pPr>
-      <a:lvl4pPr marL="1371600" algn="l" defTabSz="914400" rtl="0" eaLnBrk="1" latinLnBrk="1" hangingPunct="1">
-        <a:defRPr sz="1800" kern="1200">
+      <a:lvl4pPr algn="l" defTabSz="914400" eaLnBrk="1" hangingPunct="1" latinLnBrk="1" marL="1371600" rtl="0">
+        <a:defRPr kern="1200" sz="1800">
           <a:solidFill>
             <a:schemeClr val="tx1"/>
           </a:solidFill>
@@ -2895,8 +2895,8 @@
           <a:cs typeface="+mn-cs"/>
         </a:defRPr>
       </a:lvl4pPr>
-      <a:lvl5pPr marL="1828800" algn="l" defTabSz="914400" rtl="0" eaLnBrk="1" latinLnBrk="1" hangingPunct="1">
-        <a:defRPr sz="1800" kern="1200">
+      <a:lvl5pPr algn="l" defTabSz="914400" eaLnBrk="1" hangingPunct="1" latinLnBrk="1" marL="1828800" rtl="0">
+        <a:defRPr kern="1200" sz="1800">
           <a:solidFill>
             <a:schemeClr val="tx1"/>
           </a:solidFill>
@@ -2905,8 +2905,8 @@
           <a:cs typeface="+mn-cs"/>
         </a:defRPr>
       </a:lvl5pPr>
-      <a:lvl6pPr marL="2286000" algn="l" defTabSz="914400" rtl="0" eaLnBrk="1" latinLnBrk="1" hangingPunct="1">
-        <a:defRPr sz="1800" kern="1200">
+      <a:lvl6pPr algn="l" defTabSz="914400" eaLnBrk="1" hangingPunct="1" latinLnBrk="1" marL="2286000" rtl="0">
+        <a:defRPr kern="1200" sz="1800">
           <a:solidFill>
             <a:schemeClr val="tx1"/>
           </a:solidFill>
@@ -2915,8 +2915,8 @@
           <a:cs typeface="+mn-cs"/>
         </a:defRPr>
       </a:lvl6pPr>
-      <a:lvl7pPr marL="2743200" algn="l" defTabSz="914400" rtl="0" eaLnBrk="1" latinLnBrk="1" hangingPunct="1">
-        <a:defRPr sz="1800" kern="1200">
+      <a:lvl7pPr algn="l" defTabSz="914400" eaLnBrk="1" hangingPunct="1" latinLnBrk="1" marL="2743200" rtl="0">
+        <a:defRPr kern="1200" sz="1800">
           <a:solidFill>
             <a:schemeClr val="tx1"/>
           </a:solidFill>
@@ -2925,8 +2925,8 @@
           <a:cs typeface="+mn-cs"/>
         </a:defRPr>
       </a:lvl7pPr>
-      <a:lvl8pPr marL="3200400" algn="l" defTabSz="914400" rtl="0" eaLnBrk="1" latinLnBrk="1" hangingPunct="1">
-        <a:defRPr sz="1800" kern="1200">
+      <a:lvl8pPr algn="l" defTabSz="914400" eaLnBrk="1" hangingPunct="1" latinLnBrk="1" marL="3200400" rtl="0">
+        <a:defRPr kern="1200" sz="1800">
           <a:solidFill>
             <a:schemeClr val="tx1"/>
           </a:solidFill>
@@ -2935,8 +2935,8 @@
           <a:cs typeface="+mn-cs"/>
         </a:defRPr>
       </a:lvl8pPr>
-      <a:lvl9pPr marL="3657600" algn="l" defTabSz="914400" rtl="0" eaLnBrk="1" latinLnBrk="1" hangingPunct="1">
-        <a:defRPr sz="1800" kern="1200">
+      <a:lvl9pPr algn="l" defTabSz="914400" eaLnBrk="1" hangingPunct="1" latinLnBrk="1" marL="3657600" rtl="0">
+        <a:defRPr kern="1200" sz="1800">
           <a:solidFill>
             <a:schemeClr val="tx1"/>
           </a:solidFill>
@@ -2979,14 +2979,14 @@
         </p:nvSpPr>
         <p:spPr/>
         <p:txBody>
-          <a:bodyPr/>
-          <a:lstStyle/>
-          <a:p>
-            <a:r>
-              <a:rPr lang="en-US" altLang="ko-KR" dirty="0" smtClean="0"/>
+          <a:bodyPr numCol="1"/>
+          <a:lstStyle/>
+          <a:p>
+            <a:r>
+              <a:rPr altLang="ko-KR" dirty="0" lang="en-US" smtClean="0"/>
               <a:t>EZEN CROWD FUNDING</a:t>
             </a:r>
-            <a:endParaRPr lang="ko-KR" altLang="en-US" dirty="0"/>
+            <a:endParaRPr dirty="0" lang="ko-KR"/>
           </a:p>
         </p:txBody>
       </p:sp>
@@ -2997,19 +2997,19 @@
             <a:spLocks noGrp="1"/>
           </p:cNvSpPr>
           <p:nvPr>
-            <p:ph type="subTitle" idx="1"/>
-          </p:nvPr>
-        </p:nvSpPr>
-        <p:spPr/>
-        <p:txBody>
-          <a:bodyPr/>
-          <a:lstStyle/>
-          <a:p>
-            <a:r>
-              <a:rPr lang="ko-KR" altLang="en-US" dirty="0" smtClean="0"/>
+            <p:ph idx="1" type="subTitle"/>
+          </p:nvPr>
+        </p:nvSpPr>
+        <p:spPr/>
+        <p:txBody>
+          <a:bodyPr numCol="1"/>
+          <a:lstStyle/>
+          <a:p>
+            <a:r>
+              <a:rPr dirty="0" lang="ko-KR" smtClean="0"/>
               <a:t>기능 정리</a:t>
             </a:r>
-            <a:endParaRPr lang="ko-KR" altLang="en-US" dirty="0"/>
+            <a:endParaRPr dirty="0" lang="ko-KR"/>
           </a:p>
         </p:txBody>
       </p:sp>
@@ -3055,14 +3055,14 @@
         </p:nvSpPr>
         <p:spPr/>
         <p:txBody>
-          <a:bodyPr/>
-          <a:lstStyle/>
-          <a:p>
-            <a:r>
-              <a:rPr lang="ko-KR" altLang="en-US" dirty="0" smtClean="0"/>
+          <a:bodyPr numCol="1"/>
+          <a:lstStyle/>
+          <a:p>
+            <a:r>
+              <a:rPr dirty="0" lang="ko-KR" smtClean="0"/>
               <a:t>사용자 기능</a:t>
             </a:r>
-            <a:endParaRPr lang="ko-KR" altLang="en-US" dirty="0"/>
+            <a:endParaRPr dirty="0" lang="ko-KR"/>
           </a:p>
         </p:txBody>
       </p:sp>
@@ -3078,11 +3078,60 @@
         </p:nvSpPr>
         <p:spPr/>
         <p:txBody>
-          <a:bodyPr/>
-          <a:lstStyle/>
-          <a:p>
-            <a:endParaRPr lang="ko-KR" altLang="en-US"/>
-          </a:p>
+          <a:bodyPr numCol="1"/>
+          <a:lstStyle/>
+          <a:p>
+            <a:r>
+              <a:rPr/>
+              <a:t>상품 등록(메이커)</a:t>
+            </a:r>
+            <a:endParaRPr lang="ko-KR"/>
+          </a:p>
+          <a:p>
+            <a:r>
+              <a:rPr/>
+              <a:t>상품 펀딩(서포터)</a:t>
+            </a:r>
+          </a:p>
+          <a:p>
+            <a:r>
+              <a:rPr/>
+              <a:t>펀딩 금액에 따른 다양한 옵션 제공(메이커) 옵션 선택(서포터)</a:t>
+            </a:r>
+          </a:p>
+          <a:p>
+            <a:r>
+              <a:rPr/>
+              <a:t>상품에 대한 문의(서포터), 답변(메이커)</a:t>
+            </a:r>
+          </a:p>
+          <a:p>
+            <a:r>
+              <a:rPr/>
+              <a:t>상품에 대한 신고기능(서포터)</a:t>
+            </a:r>
+          </a:p>
+          <a:p>
+            <a:r>
+              <a:rPr/>
+              <a:t>해당 상품에 대해 토론할 수 있는 커뮤니티</a:t>
+            </a:r>
+          </a:p>
+          <a:p>
+            <a:r>
+              <a:rPr/>
+              <a:t>아쉽게 금액 도달에 실패한 프로젝트들을 보여주는 페이지</a:t>
+            </a:r>
+          </a:p>
+          <a:p>
+            <a:r>
+              <a:rPr/>
+              <a:t>이달의 베스트 베스트프로젝트를 보여주는 페이지</a:t>
+            </a:r>
+          </a:p>
+          <a:p/>
+          <a:p/>
+          <a:p/>
         </p:txBody>
       </p:sp>
     </p:spTree>
@@ -3127,14 +3176,14 @@
         </p:nvSpPr>
         <p:spPr/>
         <p:txBody>
-          <a:bodyPr/>
-          <a:lstStyle/>
-          <a:p>
-            <a:r>
-              <a:rPr lang="ko-KR" altLang="en-US" dirty="0" smtClean="0"/>
+          <a:bodyPr numCol="1"/>
+          <a:lstStyle/>
+          <a:p>
+            <a:r>
+              <a:rPr dirty="0" lang="ko-KR" smtClean="0"/>
               <a:t>관리자 기능</a:t>
             </a:r>
-            <a:endParaRPr lang="ko-KR" altLang="en-US" dirty="0"/>
+            <a:endParaRPr dirty="0" lang="ko-KR"/>
           </a:p>
         </p:txBody>
       </p:sp>
@@ -3150,10 +3199,14 @@
         </p:nvSpPr>
         <p:spPr/>
         <p:txBody>
-          <a:bodyPr/>
-          <a:lstStyle/>
-          <a:p>
-            <a:endParaRPr lang="ko-KR" altLang="en-US"/>
+          <a:bodyPr numCol="1"/>
+          <a:lstStyle/>
+          <a:p>
+            <a:r>
+              <a:rPr/>
+              <a:t>회원관리 기능(서포터, 메이커)</a:t>
+            </a:r>
+            <a:endParaRPr lang="ko-KR"/>
           </a:p>
         </p:txBody>
       </p:sp>
@@ -3199,29 +3252,29 @@
         </p:nvSpPr>
         <p:spPr/>
         <p:txBody>
-          <a:bodyPr/>
-          <a:lstStyle/>
-          <a:p>
-            <a:r>
-              <a:rPr lang="ko-KR" altLang="en-US" dirty="0" smtClean="0"/>
+          <a:bodyPr numCol="1"/>
+          <a:lstStyle/>
+          <a:p>
+            <a:r>
+              <a:rPr dirty="0" lang="ko-KR" smtClean="0"/>
               <a:t>기타 아무거나 넣고 싶은 기능</a:t>
             </a:r>
             <a:r>
-              <a:rPr lang="en-US" altLang="ko-KR" dirty="0" smtClean="0"/>
+              <a:rPr altLang="ko-KR" dirty="0" lang="en-US" smtClean="0"/>
               <a:t>???</a:t>
             </a:r>
             <a:br>
-              <a:rPr lang="en-US" altLang="ko-KR" dirty="0" smtClean="0"/>
+              <a:rPr altLang="ko-KR" dirty="0" lang="en-US" smtClean="0"/>
             </a:br>
             <a:r>
-              <a:rPr lang="ko-KR" altLang="en-US" dirty="0" err="1" smtClean="0"/>
+              <a:rPr dirty="0" err="1" lang="ko-KR" smtClean="0"/>
               <a:t>기브미</a:t>
             </a:r>
             <a:r>
-              <a:rPr lang="ko-KR" altLang="en-US" dirty="0" smtClean="0"/>
+              <a:rPr dirty="0" lang="ko-KR" smtClean="0"/>
               <a:t> 아이디어</a:t>
             </a:r>
-            <a:endParaRPr lang="ko-KR" altLang="en-US" dirty="0"/>
+            <a:endParaRPr dirty="0" lang="ko-KR"/>
           </a:p>
         </p:txBody>
       </p:sp>
@@ -3237,10 +3290,10 @@
         </p:nvSpPr>
         <p:spPr/>
         <p:txBody>
-          <a:bodyPr/>
-          <a:lstStyle/>
-          <a:p>
-            <a:endParaRPr lang="ko-KR" altLang="en-US"/>
+          <a:bodyPr numCol="1"/>
+          <a:lstStyle/>
+          <a:p>
+            <a:endParaRPr lang="ko-KR"/>
           </a:p>
         </p:txBody>
       </p:sp>
@@ -3262,10 +3315,10 @@
   <a:themeElements>
     <a:clrScheme name="Office">
       <a:dk1>
-        <a:sysClr val="windowText" lastClr="000000"/>
+        <a:sysClr lastClr="000000" val="windowText"/>
       </a:dk1>
       <a:lt1>
-        <a:sysClr val="window" lastClr="FFFFFF"/>
+        <a:sysClr lastClr="FFFFFF" val="window"/>
       </a:lt1>
       <a:dk2>
         <a:srgbClr val="44546A"/>
@@ -3300,7 +3353,7 @@
     </a:clrScheme>
     <a:fontScheme name="Office">
       <a:majorFont>
-        <a:latin typeface="맑은 고딕" panose="020F0302020204030204"/>
+        <a:latin panose="020F0302020204030204" typeface="맑은 고딕"/>
         <a:ea typeface=""/>
         <a:cs typeface=""/>
         <a:font script="Jpan" typeface="ＭＳ Ｐゴシック"/>
@@ -3335,7 +3388,7 @@
         <a:font script="Geor" typeface="Sylfaen"/>
       </a:majorFont>
       <a:minorFont>
-        <a:latin typeface="맑은 고딕" panose="020F0502020204030204"/>
+        <a:latin panose="020F0502020204030204" typeface="맑은 고딕"/>
         <a:ea typeface=""/>
         <a:cs typeface=""/>
         <a:font script="Jpan" typeface="ＭＳ Ｐゴシック"/>
@@ -3429,21 +3482,21 @@
         </a:gradFill>
       </a:fillStyleLst>
       <a:lnStyleLst>
-        <a:ln w="6350" cap="flat" cmpd="sng" algn="ctr">
+        <a:ln algn="ctr" cap="flat" cmpd="sng" w="6350">
           <a:solidFill>
             <a:schemeClr val="phClr"/>
           </a:solidFill>
           <a:prstDash val="solid"/>
           <a:miter lim="800000"/>
         </a:ln>
-        <a:ln w="12700" cap="flat" cmpd="sng" algn="ctr">
+        <a:ln algn="ctr" cap="flat" cmpd="sng" w="12700">
           <a:solidFill>
             <a:schemeClr val="phClr"/>
           </a:solidFill>
           <a:prstDash val="solid"/>
           <a:miter lim="800000"/>
         </a:ln>
-        <a:ln w="19050" cap="flat" cmpd="sng" algn="ctr">
+        <a:ln algn="ctr" cap="flat" cmpd="sng" w="19050">
           <a:solidFill>
             <a:schemeClr val="phClr"/>
           </a:solidFill>
@@ -3460,7 +3513,7 @@
         </a:effectStyle>
         <a:effectStyle>
           <a:effectLst>
-            <a:outerShdw blurRad="57150" dist="19050" dir="5400000" algn="ctr" rotWithShape="0">
+            <a:outerShdw algn="ctr" blurRad="57150" dir="5400000" dist="19050" rotWithShape="0">
               <a:srgbClr val="000000">
                 <a:alpha val="63000"/>
               </a:srgbClr>
@@ -3512,7 +3565,7 @@
   <a:extraClrSchemeLst/>
   <a:extLst>
     <a:ext uri="{05A4C25C-085E-4340-85A3-A5531E510DB2}">
-      <thm15:themeFamily xmlns:thm15="http://schemas.microsoft.com/office/thememl/2012/main" name="Office Theme" id="{62F939B6-93AF-4DB8-9C6B-D6C7DFDC589F}" vid="{4A3C46E8-61CC-4603-A589-7422A47A8E4A}"/>
+      <thm15:themeFamily xmlns:thm15="http://schemas.microsoft.com/office/thememl/2012/main" id="{62F939B6-93AF-4DB8-9C6B-D6C7DFDC589F}" name="Office Theme" vid="{4A3C46E8-61CC-4603-A589-7422A47A8E4A}"/>
     </a:ext>
   </a:extLst>
 </a:theme>

--- a/기능 정리/project03 - 기능 정리 - 형준.pptx
+++ b/기능 정리/project03 - 기능 정리 - 형준.pptx
@@ -3208,6 +3208,12 @@
             </a:r>
             <a:endParaRPr lang="ko-KR"/>
           </a:p>
+          <a:p>
+            <a:r>
+              <a:rPr/>
+              <a:t>ㄴㅇㅁ</a:t>
+            </a:r>
+          </a:p>
         </p:txBody>
       </p:sp>
     </p:spTree>

--- a/기능 정리/project03 - 기능 정리 - 형준.pptx
+++ b/기능 정리/project03 - 기능 정리 - 형준.pptx
@@ -1,24 +1,119 @@
 
 <file path=ppt/presentation.xml><?xml version="1.0" encoding="utf-8"?>
-<p:presentation xmlns:a="http://schemas.openxmlformats.org/drawingml/2006/main" xmlns:p="http://schemas.openxmlformats.org/presentationml/2006/main" xmlns:r="http://schemas.openxmlformats.org/officeDocument/2006/relationships" xmlns:p14="http://schemas.microsoft.com/office/powerpoint/2010/main" xmlns:p15="http://schemas.microsoft.com/office/powerpoint/2012/main" xmlns:mc="http://schemas.openxmlformats.org/markup-compatibility/2006">
+<p:presentation xmlns:a="http://schemas.openxmlformats.org/drawingml/2006/main" xmlns:r="http://schemas.openxmlformats.org/officeDocument/2006/relationships" xmlns:p="http://schemas.openxmlformats.org/presentationml/2006/main">
   <p:sldMasterIdLst>
-    <p:sldMasterId id="2147483648" r:id="rId2"/>
-    <p:sldMasterId id="2147483661" r:id="rId3"/>
+    <p:sldMasterId id="2147483648" r:id="rId1"/>
+    <p:sldMasterId id="2147483661" r:id="rId2"/>
   </p:sldMasterIdLst>
   <p:sldIdLst>
-    <p:sldId id="256" r:id="rId4"/>
-    <p:sldId id="257" r:id="rId5"/>
-    <p:sldId id="258" r:id="rId6"/>
-    <p:sldId id="259" r:id="rId7"/>
-    <p:sldId id="260" r:id="rId8"/>
+    <p:sldId id="256" r:id="rId3"/>
+    <p:sldId id="257" r:id="rId4"/>
+    <p:sldId id="258" r:id="rId5"/>
+    <p:sldId id="259" r:id="rId6"/>
+    <p:sldId id="260" r:id="rId7"/>
   </p:sldIdLst>
   <p:sldSz cx="12192000" cy="6858000"/>
-  <p:notesSz cx="7559675" cy="10691812"/>
+  <p:notesSz cx="7559675" cy="10691813"/>
+  <p:defaultTextStyle>
+    <a:defPPr>
+      <a:defRPr lang="ko-KR"/>
+    </a:defPPr>
+    <a:lvl1pPr marL="0" algn="l" defTabSz="914400" rtl="0" eaLnBrk="1" latinLnBrk="1" hangingPunct="1">
+      <a:defRPr sz="1800" kern="1200">
+        <a:solidFill>
+          <a:schemeClr val="tx1"/>
+        </a:solidFill>
+        <a:latin typeface="+mn-lt"/>
+        <a:ea typeface="+mn-ea"/>
+        <a:cs typeface="+mn-cs"/>
+      </a:defRPr>
+    </a:lvl1pPr>
+    <a:lvl2pPr marL="457200" algn="l" defTabSz="914400" rtl="0" eaLnBrk="1" latinLnBrk="1" hangingPunct="1">
+      <a:defRPr sz="1800" kern="1200">
+        <a:solidFill>
+          <a:schemeClr val="tx1"/>
+        </a:solidFill>
+        <a:latin typeface="+mn-lt"/>
+        <a:ea typeface="+mn-ea"/>
+        <a:cs typeface="+mn-cs"/>
+      </a:defRPr>
+    </a:lvl2pPr>
+    <a:lvl3pPr marL="914400" algn="l" defTabSz="914400" rtl="0" eaLnBrk="1" latinLnBrk="1" hangingPunct="1">
+      <a:defRPr sz="1800" kern="1200">
+        <a:solidFill>
+          <a:schemeClr val="tx1"/>
+        </a:solidFill>
+        <a:latin typeface="+mn-lt"/>
+        <a:ea typeface="+mn-ea"/>
+        <a:cs typeface="+mn-cs"/>
+      </a:defRPr>
+    </a:lvl3pPr>
+    <a:lvl4pPr marL="1371600" algn="l" defTabSz="914400" rtl="0" eaLnBrk="1" latinLnBrk="1" hangingPunct="1">
+      <a:defRPr sz="1800" kern="1200">
+        <a:solidFill>
+          <a:schemeClr val="tx1"/>
+        </a:solidFill>
+        <a:latin typeface="+mn-lt"/>
+        <a:ea typeface="+mn-ea"/>
+        <a:cs typeface="+mn-cs"/>
+      </a:defRPr>
+    </a:lvl4pPr>
+    <a:lvl5pPr marL="1828800" algn="l" defTabSz="914400" rtl="0" eaLnBrk="1" latinLnBrk="1" hangingPunct="1">
+      <a:defRPr sz="1800" kern="1200">
+        <a:solidFill>
+          <a:schemeClr val="tx1"/>
+        </a:solidFill>
+        <a:latin typeface="+mn-lt"/>
+        <a:ea typeface="+mn-ea"/>
+        <a:cs typeface="+mn-cs"/>
+      </a:defRPr>
+    </a:lvl5pPr>
+    <a:lvl6pPr marL="2286000" algn="l" defTabSz="914400" rtl="0" eaLnBrk="1" latinLnBrk="1" hangingPunct="1">
+      <a:defRPr sz="1800" kern="1200">
+        <a:solidFill>
+          <a:schemeClr val="tx1"/>
+        </a:solidFill>
+        <a:latin typeface="+mn-lt"/>
+        <a:ea typeface="+mn-ea"/>
+        <a:cs typeface="+mn-cs"/>
+      </a:defRPr>
+    </a:lvl6pPr>
+    <a:lvl7pPr marL="2743200" algn="l" defTabSz="914400" rtl="0" eaLnBrk="1" latinLnBrk="1" hangingPunct="1">
+      <a:defRPr sz="1800" kern="1200">
+        <a:solidFill>
+          <a:schemeClr val="tx1"/>
+        </a:solidFill>
+        <a:latin typeface="+mn-lt"/>
+        <a:ea typeface="+mn-ea"/>
+        <a:cs typeface="+mn-cs"/>
+      </a:defRPr>
+    </a:lvl7pPr>
+    <a:lvl8pPr marL="3200400" algn="l" defTabSz="914400" rtl="0" eaLnBrk="1" latinLnBrk="1" hangingPunct="1">
+      <a:defRPr sz="1800" kern="1200">
+        <a:solidFill>
+          <a:schemeClr val="tx1"/>
+        </a:solidFill>
+        <a:latin typeface="+mn-lt"/>
+        <a:ea typeface="+mn-ea"/>
+        <a:cs typeface="+mn-cs"/>
+      </a:defRPr>
+    </a:lvl8pPr>
+    <a:lvl9pPr marL="3657600" algn="l" defTabSz="914400" rtl="0" eaLnBrk="1" latinLnBrk="1" hangingPunct="1">
+      <a:defRPr sz="1800" kern="1200">
+        <a:solidFill>
+          <a:schemeClr val="tx1"/>
+        </a:solidFill>
+        <a:latin typeface="+mn-lt"/>
+        <a:ea typeface="+mn-ea"/>
+        <a:cs typeface="+mn-cs"/>
+      </a:defRPr>
+    </a:lvl9pPr>
+  </p:defaultTextStyle>
 </p:presentation>
 </file>
 
 <file path=ppt/slideLayouts/slideLayout1.xml><?xml version="1.0" encoding="utf-8"?>
-<p:sldLayout xmlns:a="http://schemas.openxmlformats.org/drawingml/2006/main" xmlns:p="http://schemas.openxmlformats.org/presentationml/2006/main" xmlns:r="http://schemas.openxmlformats.org/officeDocument/2006/relationships" xmlns:p14="http://schemas.microsoft.com/office/powerpoint/2010/main" xmlns:p15="http://schemas.microsoft.com/office/powerpoint/2012/main" xmlns:mc="http://schemas.openxmlformats.org/markup-compatibility/2006" type="blank" preserve="1">
+<p:sldLayout xmlns:a="http://schemas.openxmlformats.org/drawingml/2006/main" xmlns:r="http://schemas.openxmlformats.org/officeDocument/2006/relationships" xmlns:p="http://schemas.openxmlformats.org/presentationml/2006/main" type="blank" preserve="1">
   <p:cSld name="Blank Slide">
     <p:spTree>
       <p:nvGrpSpPr>
@@ -36,11 +131,14 @@
       </p:grpSpPr>
     </p:spTree>
   </p:cSld>
+  <p:clrMapOvr>
+    <a:masterClrMapping/>
+  </p:clrMapOvr>
 </p:sldLayout>
 </file>
 
 <file path=ppt/slideLayouts/slideLayout10.xml><?xml version="1.0" encoding="utf-8"?>
-<p:sldLayout xmlns:a="http://schemas.openxmlformats.org/drawingml/2006/main" xmlns:p="http://schemas.openxmlformats.org/presentationml/2006/main" xmlns:r="http://schemas.openxmlformats.org/officeDocument/2006/relationships" xmlns:p14="http://schemas.microsoft.com/office/powerpoint/2010/main" xmlns:p15="http://schemas.microsoft.com/office/powerpoint/2012/main" xmlns:mc="http://schemas.openxmlformats.org/markup-compatibility/2006" type="objOverTx" preserve="1">
+<p:sldLayout xmlns:a="http://schemas.openxmlformats.org/drawingml/2006/main" xmlns:r="http://schemas.openxmlformats.org/officeDocument/2006/relationships" xmlns:p="http://schemas.openxmlformats.org/presentationml/2006/main" type="objOverTx" preserve="1">
   <p:cSld name="Title, Content over Content">
     <p:spTree>
       <p:nvGrpSpPr>
@@ -76,9 +174,10 @@
           </a:prstGeom>
         </p:spPr>
         <p:txBody>
-          <a:bodyPr lIns="0" rIns="0" tIns="0" bIns="0" anchor="ctr"/>
-          <a:p>
-            <a:endParaRPr b="0" lang="en-US" sz="1400" spc="-1" strike="noStrike">
+          <a:bodyPr lIns="0" tIns="0" rIns="0" bIns="0" anchor="ctr"/>
+          <a:lstStyle/>
+          <a:p>
+            <a:endParaRPr lang="en-US" sz="1400" b="0" strike="noStrike" spc="-1">
               <a:solidFill>
                 <a:srgbClr val="000000"/>
               </a:solidFill>
@@ -107,11 +206,12 @@
           </a:prstGeom>
         </p:spPr>
         <p:txBody>
-          <a:bodyPr lIns="0" rIns="0" tIns="0" bIns="0">
+          <a:bodyPr lIns="0" tIns="0" rIns="0" bIns="0">
             <a:normAutofit/>
           </a:bodyPr>
-          <a:p>
-            <a:endParaRPr b="0" lang="en-US" sz="1400" spc="-1" strike="noStrike">
+          <a:lstStyle/>
+          <a:p>
+            <a:endParaRPr lang="en-US" sz="1400" b="0" strike="noStrike" spc="-1">
               <a:solidFill>
                 <a:srgbClr val="000000"/>
               </a:solidFill>
@@ -140,11 +240,12 @@
           </a:prstGeom>
         </p:spPr>
         <p:txBody>
-          <a:bodyPr lIns="0" rIns="0" tIns="0" bIns="0">
+          <a:bodyPr lIns="0" tIns="0" rIns="0" bIns="0">
             <a:normAutofit/>
           </a:bodyPr>
-          <a:p>
-            <a:endParaRPr b="0" lang="en-US" sz="1400" spc="-1" strike="noStrike">
+          <a:lstStyle/>
+          <a:p>
+            <a:endParaRPr lang="en-US" sz="1400" b="0" strike="noStrike" spc="-1">
               <a:solidFill>
                 <a:srgbClr val="000000"/>
               </a:solidFill>
@@ -155,11 +256,14 @@
       </p:sp>
     </p:spTree>
   </p:cSld>
+  <p:clrMapOvr>
+    <a:masterClrMapping/>
+  </p:clrMapOvr>
 </p:sldLayout>
 </file>
 
 <file path=ppt/slideLayouts/slideLayout11.xml><?xml version="1.0" encoding="utf-8"?>
-<p:sldLayout xmlns:a="http://schemas.openxmlformats.org/drawingml/2006/main" xmlns:p="http://schemas.openxmlformats.org/presentationml/2006/main" xmlns:r="http://schemas.openxmlformats.org/officeDocument/2006/relationships" xmlns:p14="http://schemas.microsoft.com/office/powerpoint/2010/main" xmlns:p15="http://schemas.microsoft.com/office/powerpoint/2012/main" xmlns:mc="http://schemas.openxmlformats.org/markup-compatibility/2006" type="fourObj" preserve="1">
+<p:sldLayout xmlns:a="http://schemas.openxmlformats.org/drawingml/2006/main" xmlns:r="http://schemas.openxmlformats.org/officeDocument/2006/relationships" xmlns:p="http://schemas.openxmlformats.org/presentationml/2006/main" type="fourObj" preserve="1">
   <p:cSld name="Title, 4 Content">
     <p:spTree>
       <p:nvGrpSpPr>
@@ -195,9 +299,10 @@
           </a:prstGeom>
         </p:spPr>
         <p:txBody>
-          <a:bodyPr lIns="0" rIns="0" tIns="0" bIns="0" anchor="ctr"/>
-          <a:p>
-            <a:endParaRPr b="0" lang="en-US" sz="1400" spc="-1" strike="noStrike">
+          <a:bodyPr lIns="0" tIns="0" rIns="0" bIns="0" anchor="ctr"/>
+          <a:lstStyle/>
+          <a:p>
+            <a:endParaRPr lang="en-US" sz="1400" b="0" strike="noStrike" spc="-1">
               <a:solidFill>
                 <a:srgbClr val="000000"/>
               </a:solidFill>
@@ -226,11 +331,12 @@
           </a:prstGeom>
         </p:spPr>
         <p:txBody>
-          <a:bodyPr lIns="0" rIns="0" tIns="0" bIns="0">
+          <a:bodyPr lIns="0" tIns="0" rIns="0" bIns="0">
             <a:normAutofit/>
           </a:bodyPr>
-          <a:p>
-            <a:endParaRPr b="0" lang="en-US" sz="1400" spc="-1" strike="noStrike">
+          <a:lstStyle/>
+          <a:p>
+            <a:endParaRPr lang="en-US" sz="1400" b="0" strike="noStrike" spc="-1">
               <a:solidFill>
                 <a:srgbClr val="000000"/>
               </a:solidFill>
@@ -259,11 +365,12 @@
           </a:prstGeom>
         </p:spPr>
         <p:txBody>
-          <a:bodyPr lIns="0" rIns="0" tIns="0" bIns="0">
+          <a:bodyPr lIns="0" tIns="0" rIns="0" bIns="0">
             <a:normAutofit/>
           </a:bodyPr>
-          <a:p>
-            <a:endParaRPr b="0" lang="en-US" sz="1400" spc="-1" strike="noStrike">
+          <a:lstStyle/>
+          <a:p>
+            <a:endParaRPr lang="en-US" sz="1400" b="0" strike="noStrike" spc="-1">
               <a:solidFill>
                 <a:srgbClr val="000000"/>
               </a:solidFill>
@@ -292,11 +399,12 @@
           </a:prstGeom>
         </p:spPr>
         <p:txBody>
-          <a:bodyPr lIns="0" rIns="0" tIns="0" bIns="0">
+          <a:bodyPr lIns="0" tIns="0" rIns="0" bIns="0">
             <a:normAutofit/>
           </a:bodyPr>
-          <a:p>
-            <a:endParaRPr b="0" lang="en-US" sz="1400" spc="-1" strike="noStrike">
+          <a:lstStyle/>
+          <a:p>
+            <a:endParaRPr lang="en-US" sz="1400" b="0" strike="noStrike" spc="-1">
               <a:solidFill>
                 <a:srgbClr val="000000"/>
               </a:solidFill>
@@ -325,11 +433,12 @@
           </a:prstGeom>
         </p:spPr>
         <p:txBody>
-          <a:bodyPr lIns="0" rIns="0" tIns="0" bIns="0">
+          <a:bodyPr lIns="0" tIns="0" rIns="0" bIns="0">
             <a:normAutofit/>
           </a:bodyPr>
-          <a:p>
-            <a:endParaRPr b="0" lang="en-US" sz="1400" spc="-1" strike="noStrike">
+          <a:lstStyle/>
+          <a:p>
+            <a:endParaRPr lang="en-US" sz="1400" b="0" strike="noStrike" spc="-1">
               <a:solidFill>
                 <a:srgbClr val="000000"/>
               </a:solidFill>
@@ -340,11 +449,14 @@
       </p:sp>
     </p:spTree>
   </p:cSld>
+  <p:clrMapOvr>
+    <a:masterClrMapping/>
+  </p:clrMapOvr>
 </p:sldLayout>
 </file>
 
 <file path=ppt/slideLayouts/slideLayout12.xml><?xml version="1.0" encoding="utf-8"?>
-<p:sldLayout xmlns:a="http://schemas.openxmlformats.org/drawingml/2006/main" xmlns:p="http://schemas.openxmlformats.org/presentationml/2006/main" xmlns:r="http://schemas.openxmlformats.org/officeDocument/2006/relationships" xmlns:p14="http://schemas.microsoft.com/office/powerpoint/2010/main" xmlns:p15="http://schemas.microsoft.com/office/powerpoint/2012/main" xmlns:mc="http://schemas.openxmlformats.org/markup-compatibility/2006" type="blank" preserve="1">
+<p:sldLayout xmlns:a="http://schemas.openxmlformats.org/drawingml/2006/main" xmlns:r="http://schemas.openxmlformats.org/officeDocument/2006/relationships" xmlns:p="http://schemas.openxmlformats.org/presentationml/2006/main" type="blank" preserve="1">
   <p:cSld name="Title, 6 Content">
     <p:spTree>
       <p:nvGrpSpPr>
@@ -380,9 +492,10 @@
           </a:prstGeom>
         </p:spPr>
         <p:txBody>
-          <a:bodyPr lIns="0" rIns="0" tIns="0" bIns="0" anchor="ctr"/>
-          <a:p>
-            <a:endParaRPr b="0" lang="en-US" sz="1400" spc="-1" strike="noStrike">
+          <a:bodyPr lIns="0" tIns="0" rIns="0" bIns="0" anchor="ctr"/>
+          <a:lstStyle/>
+          <a:p>
+            <a:endParaRPr lang="en-US" sz="1400" b="0" strike="noStrike" spc="-1">
               <a:solidFill>
                 <a:srgbClr val="000000"/>
               </a:solidFill>
@@ -411,11 +524,12 @@
           </a:prstGeom>
         </p:spPr>
         <p:txBody>
-          <a:bodyPr lIns="0" rIns="0" tIns="0" bIns="0">
+          <a:bodyPr lIns="0" tIns="0" rIns="0" bIns="0">
             <a:normAutofit/>
           </a:bodyPr>
-          <a:p>
-            <a:endParaRPr b="0" lang="en-US" sz="1400" spc="-1" strike="noStrike">
+          <a:lstStyle/>
+          <a:p>
+            <a:endParaRPr lang="en-US" sz="1400" b="0" strike="noStrike" spc="-1">
               <a:solidFill>
                 <a:srgbClr val="000000"/>
               </a:solidFill>
@@ -444,11 +558,12 @@
           </a:prstGeom>
         </p:spPr>
         <p:txBody>
-          <a:bodyPr lIns="0" rIns="0" tIns="0" bIns="0">
+          <a:bodyPr lIns="0" tIns="0" rIns="0" bIns="0">
             <a:normAutofit/>
           </a:bodyPr>
-          <a:p>
-            <a:endParaRPr b="0" lang="en-US" sz="1400" spc="-1" strike="noStrike">
+          <a:lstStyle/>
+          <a:p>
+            <a:endParaRPr lang="en-US" sz="1400" b="0" strike="noStrike" spc="-1">
               <a:solidFill>
                 <a:srgbClr val="000000"/>
               </a:solidFill>
@@ -477,11 +592,12 @@
           </a:prstGeom>
         </p:spPr>
         <p:txBody>
-          <a:bodyPr lIns="0" rIns="0" tIns="0" bIns="0">
+          <a:bodyPr lIns="0" tIns="0" rIns="0" bIns="0">
             <a:normAutofit/>
           </a:bodyPr>
-          <a:p>
-            <a:endParaRPr b="0" lang="en-US" sz="1400" spc="-1" strike="noStrike">
+          <a:lstStyle/>
+          <a:p>
+            <a:endParaRPr lang="en-US" sz="1400" b="0" strike="noStrike" spc="-1">
               <a:solidFill>
                 <a:srgbClr val="000000"/>
               </a:solidFill>
@@ -510,11 +626,12 @@
           </a:prstGeom>
         </p:spPr>
         <p:txBody>
-          <a:bodyPr lIns="0" rIns="0" tIns="0" bIns="0">
+          <a:bodyPr lIns="0" tIns="0" rIns="0" bIns="0">
             <a:normAutofit/>
           </a:bodyPr>
-          <a:p>
-            <a:endParaRPr b="0" lang="en-US" sz="1400" spc="-1" strike="noStrike">
+          <a:lstStyle/>
+          <a:p>
+            <a:endParaRPr lang="en-US" sz="1400" b="0" strike="noStrike" spc="-1">
               <a:solidFill>
                 <a:srgbClr val="000000"/>
               </a:solidFill>
@@ -543,11 +660,12 @@
           </a:prstGeom>
         </p:spPr>
         <p:txBody>
-          <a:bodyPr lIns="0" rIns="0" tIns="0" bIns="0">
+          <a:bodyPr lIns="0" tIns="0" rIns="0" bIns="0">
             <a:normAutofit/>
           </a:bodyPr>
-          <a:p>
-            <a:endParaRPr b="0" lang="en-US" sz="1400" spc="-1" strike="noStrike">
+          <a:lstStyle/>
+          <a:p>
+            <a:endParaRPr lang="en-US" sz="1400" b="0" strike="noStrike" spc="-1">
               <a:solidFill>
                 <a:srgbClr val="000000"/>
               </a:solidFill>
@@ -576,11 +694,12 @@
           </a:prstGeom>
         </p:spPr>
         <p:txBody>
-          <a:bodyPr lIns="0" rIns="0" tIns="0" bIns="0">
+          <a:bodyPr lIns="0" tIns="0" rIns="0" bIns="0">
             <a:normAutofit/>
           </a:bodyPr>
-          <a:p>
-            <a:endParaRPr b="0" lang="en-US" sz="1400" spc="-1" strike="noStrike">
+          <a:lstStyle/>
+          <a:p>
+            <a:endParaRPr lang="en-US" sz="1400" b="0" strike="noStrike" spc="-1">
               <a:solidFill>
                 <a:srgbClr val="000000"/>
               </a:solidFill>
@@ -591,11 +710,14 @@
       </p:sp>
     </p:spTree>
   </p:cSld>
+  <p:clrMapOvr>
+    <a:masterClrMapping/>
+  </p:clrMapOvr>
 </p:sldLayout>
 </file>
 
 <file path=ppt/slideLayouts/slideLayout13.xml><?xml version="1.0" encoding="utf-8"?>
-<p:sldLayout xmlns:a="http://schemas.openxmlformats.org/drawingml/2006/main" xmlns:p="http://schemas.openxmlformats.org/presentationml/2006/main" xmlns:r="http://schemas.openxmlformats.org/officeDocument/2006/relationships" xmlns:p14="http://schemas.microsoft.com/office/powerpoint/2010/main" xmlns:p15="http://schemas.microsoft.com/office/powerpoint/2012/main" xmlns:mc="http://schemas.openxmlformats.org/markup-compatibility/2006" type="blank" preserve="1">
+<p:sldLayout xmlns:a="http://schemas.openxmlformats.org/drawingml/2006/main" xmlns:r="http://schemas.openxmlformats.org/officeDocument/2006/relationships" xmlns:p="http://schemas.openxmlformats.org/presentationml/2006/main" type="blank" preserve="1">
   <p:cSld name="Blank Slide">
     <p:spTree>
       <p:nvGrpSpPr>
@@ -613,11 +735,14 @@
       </p:grpSpPr>
     </p:spTree>
   </p:cSld>
+  <p:clrMapOvr>
+    <a:masterClrMapping/>
+  </p:clrMapOvr>
 </p:sldLayout>
 </file>
 
 <file path=ppt/slideLayouts/slideLayout14.xml><?xml version="1.0" encoding="utf-8"?>
-<p:sldLayout xmlns:a="http://schemas.openxmlformats.org/drawingml/2006/main" xmlns:p="http://schemas.openxmlformats.org/presentationml/2006/main" xmlns:r="http://schemas.openxmlformats.org/officeDocument/2006/relationships" xmlns:p14="http://schemas.microsoft.com/office/powerpoint/2010/main" xmlns:p15="http://schemas.microsoft.com/office/powerpoint/2012/main" xmlns:mc="http://schemas.openxmlformats.org/markup-compatibility/2006" type="tx" preserve="1">
+<p:sldLayout xmlns:a="http://schemas.openxmlformats.org/drawingml/2006/main" xmlns:r="http://schemas.openxmlformats.org/officeDocument/2006/relationships" xmlns:p="http://schemas.openxmlformats.org/presentationml/2006/main" type="tx" preserve="1">
   <p:cSld name="Title Slide">
     <p:spTree>
       <p:nvGrpSpPr>
@@ -653,9 +778,10 @@
           </a:prstGeom>
         </p:spPr>
         <p:txBody>
-          <a:bodyPr lIns="0" rIns="0" tIns="0" bIns="0" anchor="ctr"/>
-          <a:p>
-            <a:endParaRPr b="0" lang="en-US" sz="1400" spc="-1" strike="noStrike">
+          <a:bodyPr lIns="0" tIns="0" rIns="0" bIns="0" anchor="ctr"/>
+          <a:lstStyle/>
+          <a:p>
+            <a:endParaRPr lang="en-US" sz="1400" b="0" strike="noStrike" spc="-1">
               <a:solidFill>
                 <a:srgbClr val="000000"/>
               </a:solidFill>
@@ -684,10 +810,11 @@
           </a:prstGeom>
         </p:spPr>
         <p:txBody>
-          <a:bodyPr lIns="0" rIns="0" tIns="0" bIns="0" anchor="ctr"/>
+          <a:bodyPr lIns="0" tIns="0" rIns="0" bIns="0" anchor="ctr"/>
+          <a:lstStyle/>
           <a:p>
             <a:pPr algn="ctr"/>
-            <a:endParaRPr b="0" lang="en-US" sz="3200" spc="-1" strike="noStrike">
+            <a:endParaRPr lang="en-US" sz="3200" b="0" strike="noStrike" spc="-1">
               <a:latin typeface="Noto Sans CJK JP"/>
             </a:endParaRPr>
           </a:p>
@@ -695,11 +822,14 @@
       </p:sp>
     </p:spTree>
   </p:cSld>
+  <p:clrMapOvr>
+    <a:masterClrMapping/>
+  </p:clrMapOvr>
 </p:sldLayout>
 </file>
 
 <file path=ppt/slideLayouts/slideLayout15.xml><?xml version="1.0" encoding="utf-8"?>
-<p:sldLayout xmlns:a="http://schemas.openxmlformats.org/drawingml/2006/main" xmlns:p="http://schemas.openxmlformats.org/presentationml/2006/main" xmlns:r="http://schemas.openxmlformats.org/officeDocument/2006/relationships" xmlns:p14="http://schemas.microsoft.com/office/powerpoint/2010/main" xmlns:p15="http://schemas.microsoft.com/office/powerpoint/2012/main" xmlns:mc="http://schemas.openxmlformats.org/markup-compatibility/2006" type="obj" preserve="1">
+<p:sldLayout xmlns:a="http://schemas.openxmlformats.org/drawingml/2006/main" xmlns:r="http://schemas.openxmlformats.org/officeDocument/2006/relationships" xmlns:p="http://schemas.openxmlformats.org/presentationml/2006/main" type="obj" preserve="1">
   <p:cSld name="Title, Content">
     <p:spTree>
       <p:nvGrpSpPr>
@@ -735,9 +865,10 @@
           </a:prstGeom>
         </p:spPr>
         <p:txBody>
-          <a:bodyPr lIns="0" rIns="0" tIns="0" bIns="0" anchor="ctr"/>
-          <a:p>
-            <a:endParaRPr b="0" lang="en-US" sz="1400" spc="-1" strike="noStrike">
+          <a:bodyPr lIns="0" tIns="0" rIns="0" bIns="0" anchor="ctr"/>
+          <a:lstStyle/>
+          <a:p>
+            <a:endParaRPr lang="en-US" sz="1400" b="0" strike="noStrike" spc="-1">
               <a:solidFill>
                 <a:srgbClr val="000000"/>
               </a:solidFill>
@@ -766,11 +897,12 @@
           </a:prstGeom>
         </p:spPr>
         <p:txBody>
-          <a:bodyPr lIns="0" rIns="0" tIns="0" bIns="0">
+          <a:bodyPr lIns="0" tIns="0" rIns="0" bIns="0">
             <a:normAutofit/>
           </a:bodyPr>
-          <a:p>
-            <a:endParaRPr b="0" lang="en-US" sz="1400" spc="-1" strike="noStrike">
+          <a:lstStyle/>
+          <a:p>
+            <a:endParaRPr lang="en-US" sz="1400" b="0" strike="noStrike" spc="-1">
               <a:solidFill>
                 <a:srgbClr val="000000"/>
               </a:solidFill>
@@ -781,11 +913,14 @@
       </p:sp>
     </p:spTree>
   </p:cSld>
+  <p:clrMapOvr>
+    <a:masterClrMapping/>
+  </p:clrMapOvr>
 </p:sldLayout>
 </file>
 
 <file path=ppt/slideLayouts/slideLayout16.xml><?xml version="1.0" encoding="utf-8"?>
-<p:sldLayout xmlns:a="http://schemas.openxmlformats.org/drawingml/2006/main" xmlns:p="http://schemas.openxmlformats.org/presentationml/2006/main" xmlns:r="http://schemas.openxmlformats.org/officeDocument/2006/relationships" xmlns:p14="http://schemas.microsoft.com/office/powerpoint/2010/main" xmlns:p15="http://schemas.microsoft.com/office/powerpoint/2012/main" xmlns:mc="http://schemas.openxmlformats.org/markup-compatibility/2006" type="twoObj" preserve="1">
+<p:sldLayout xmlns:a="http://schemas.openxmlformats.org/drawingml/2006/main" xmlns:r="http://schemas.openxmlformats.org/officeDocument/2006/relationships" xmlns:p="http://schemas.openxmlformats.org/presentationml/2006/main" type="twoObj" preserve="1">
   <p:cSld name="Title, 2 Content">
     <p:spTree>
       <p:nvGrpSpPr>
@@ -821,9 +956,10 @@
           </a:prstGeom>
         </p:spPr>
         <p:txBody>
-          <a:bodyPr lIns="0" rIns="0" tIns="0" bIns="0" anchor="ctr"/>
-          <a:p>
-            <a:endParaRPr b="0" lang="en-US" sz="1400" spc="-1" strike="noStrike">
+          <a:bodyPr lIns="0" tIns="0" rIns="0" bIns="0" anchor="ctr"/>
+          <a:lstStyle/>
+          <a:p>
+            <a:endParaRPr lang="en-US" sz="1400" b="0" strike="noStrike" spc="-1">
               <a:solidFill>
                 <a:srgbClr val="000000"/>
               </a:solidFill>
@@ -852,11 +988,12 @@
           </a:prstGeom>
         </p:spPr>
         <p:txBody>
-          <a:bodyPr lIns="0" rIns="0" tIns="0" bIns="0">
+          <a:bodyPr lIns="0" tIns="0" rIns="0" bIns="0">
             <a:normAutofit/>
           </a:bodyPr>
-          <a:p>
-            <a:endParaRPr b="0" lang="en-US" sz="1400" spc="-1" strike="noStrike">
+          <a:lstStyle/>
+          <a:p>
+            <a:endParaRPr lang="en-US" sz="1400" b="0" strike="noStrike" spc="-1">
               <a:solidFill>
                 <a:srgbClr val="000000"/>
               </a:solidFill>
@@ -885,11 +1022,12 @@
           </a:prstGeom>
         </p:spPr>
         <p:txBody>
-          <a:bodyPr lIns="0" rIns="0" tIns="0" bIns="0">
+          <a:bodyPr lIns="0" tIns="0" rIns="0" bIns="0">
             <a:normAutofit/>
           </a:bodyPr>
-          <a:p>
-            <a:endParaRPr b="0" lang="en-US" sz="1400" spc="-1" strike="noStrike">
+          <a:lstStyle/>
+          <a:p>
+            <a:endParaRPr lang="en-US" sz="1400" b="0" strike="noStrike" spc="-1">
               <a:solidFill>
                 <a:srgbClr val="000000"/>
               </a:solidFill>
@@ -900,11 +1038,14 @@
       </p:sp>
     </p:spTree>
   </p:cSld>
+  <p:clrMapOvr>
+    <a:masterClrMapping/>
+  </p:clrMapOvr>
 </p:sldLayout>
 </file>
 
 <file path=ppt/slideLayouts/slideLayout17.xml><?xml version="1.0" encoding="utf-8"?>
-<p:sldLayout xmlns:a="http://schemas.openxmlformats.org/drawingml/2006/main" xmlns:p="http://schemas.openxmlformats.org/presentationml/2006/main" xmlns:r="http://schemas.openxmlformats.org/officeDocument/2006/relationships" xmlns:p14="http://schemas.microsoft.com/office/powerpoint/2010/main" xmlns:p15="http://schemas.microsoft.com/office/powerpoint/2012/main" xmlns:mc="http://schemas.openxmlformats.org/markup-compatibility/2006" type="titleOnly" preserve="1">
+<p:sldLayout xmlns:a="http://schemas.openxmlformats.org/drawingml/2006/main" xmlns:r="http://schemas.openxmlformats.org/officeDocument/2006/relationships" xmlns:p="http://schemas.openxmlformats.org/presentationml/2006/main" type="titleOnly" preserve="1">
   <p:cSld name="Title Only">
     <p:spTree>
       <p:nvGrpSpPr>
@@ -940,9 +1081,10 @@
           </a:prstGeom>
         </p:spPr>
         <p:txBody>
-          <a:bodyPr lIns="0" rIns="0" tIns="0" bIns="0" anchor="ctr"/>
-          <a:p>
-            <a:endParaRPr b="0" lang="en-US" sz="1400" spc="-1" strike="noStrike">
+          <a:bodyPr lIns="0" tIns="0" rIns="0" bIns="0" anchor="ctr"/>
+          <a:lstStyle/>
+          <a:p>
+            <a:endParaRPr lang="en-US" sz="1400" b="0" strike="noStrike" spc="-1">
               <a:solidFill>
                 <a:srgbClr val="000000"/>
               </a:solidFill>
@@ -953,11 +1095,14 @@
       </p:sp>
     </p:spTree>
   </p:cSld>
+  <p:clrMapOvr>
+    <a:masterClrMapping/>
+  </p:clrMapOvr>
 </p:sldLayout>
 </file>
 
 <file path=ppt/slideLayouts/slideLayout18.xml><?xml version="1.0" encoding="utf-8"?>
-<p:sldLayout xmlns:a="http://schemas.openxmlformats.org/drawingml/2006/main" xmlns:p="http://schemas.openxmlformats.org/presentationml/2006/main" xmlns:r="http://schemas.openxmlformats.org/officeDocument/2006/relationships" xmlns:p14="http://schemas.microsoft.com/office/powerpoint/2010/main" xmlns:p15="http://schemas.microsoft.com/office/powerpoint/2012/main" xmlns:mc="http://schemas.openxmlformats.org/markup-compatibility/2006" type="objOnly" preserve="1">
+<p:sldLayout xmlns:a="http://schemas.openxmlformats.org/drawingml/2006/main" xmlns:r="http://schemas.openxmlformats.org/officeDocument/2006/relationships" xmlns:p="http://schemas.openxmlformats.org/presentationml/2006/main" type="objOnly" preserve="1">
   <p:cSld name="Centered Text">
     <p:spTree>
       <p:nvGrpSpPr>
@@ -993,10 +1138,11 @@
           </a:prstGeom>
         </p:spPr>
         <p:txBody>
-          <a:bodyPr lIns="0" rIns="0" tIns="0" bIns="0" anchor="ctr"/>
+          <a:bodyPr lIns="0" tIns="0" rIns="0" bIns="0" anchor="ctr"/>
+          <a:lstStyle/>
           <a:p>
             <a:pPr algn="ctr"/>
-            <a:endParaRPr b="0" lang="en-US" sz="3200" spc="-1" strike="noStrike">
+            <a:endParaRPr lang="en-US" sz="3200" b="0" strike="noStrike" spc="-1">
               <a:latin typeface="Noto Sans CJK JP"/>
             </a:endParaRPr>
           </a:p>
@@ -1004,11 +1150,14 @@
       </p:sp>
     </p:spTree>
   </p:cSld>
+  <p:clrMapOvr>
+    <a:masterClrMapping/>
+  </p:clrMapOvr>
 </p:sldLayout>
 </file>
 
 <file path=ppt/slideLayouts/slideLayout19.xml><?xml version="1.0" encoding="utf-8"?>
-<p:sldLayout xmlns:a="http://schemas.openxmlformats.org/drawingml/2006/main" xmlns:p="http://schemas.openxmlformats.org/presentationml/2006/main" xmlns:r="http://schemas.openxmlformats.org/officeDocument/2006/relationships" xmlns:p14="http://schemas.microsoft.com/office/powerpoint/2010/main" xmlns:p15="http://schemas.microsoft.com/office/powerpoint/2012/main" xmlns:mc="http://schemas.openxmlformats.org/markup-compatibility/2006" type="twoObjAndObj" preserve="1">
+<p:sldLayout xmlns:a="http://schemas.openxmlformats.org/drawingml/2006/main" xmlns:r="http://schemas.openxmlformats.org/officeDocument/2006/relationships" xmlns:p="http://schemas.openxmlformats.org/presentationml/2006/main" type="twoObjAndObj" preserve="1">
   <p:cSld name="Title, 2 Content and Content">
     <p:spTree>
       <p:nvGrpSpPr>
@@ -1044,9 +1193,10 @@
           </a:prstGeom>
         </p:spPr>
         <p:txBody>
-          <a:bodyPr lIns="0" rIns="0" tIns="0" bIns="0" anchor="ctr"/>
-          <a:p>
-            <a:endParaRPr b="0" lang="en-US" sz="1400" spc="-1" strike="noStrike">
+          <a:bodyPr lIns="0" tIns="0" rIns="0" bIns="0" anchor="ctr"/>
+          <a:lstStyle/>
+          <a:p>
+            <a:endParaRPr lang="en-US" sz="1400" b="0" strike="noStrike" spc="-1">
               <a:solidFill>
                 <a:srgbClr val="000000"/>
               </a:solidFill>
@@ -1075,11 +1225,12 @@
           </a:prstGeom>
         </p:spPr>
         <p:txBody>
-          <a:bodyPr lIns="0" rIns="0" tIns="0" bIns="0">
+          <a:bodyPr lIns="0" tIns="0" rIns="0" bIns="0">
             <a:normAutofit/>
           </a:bodyPr>
-          <a:p>
-            <a:endParaRPr b="0" lang="en-US" sz="1400" spc="-1" strike="noStrike">
+          <a:lstStyle/>
+          <a:p>
+            <a:endParaRPr lang="en-US" sz="1400" b="0" strike="noStrike" spc="-1">
               <a:solidFill>
                 <a:srgbClr val="000000"/>
               </a:solidFill>
@@ -1108,11 +1259,12 @@
           </a:prstGeom>
         </p:spPr>
         <p:txBody>
-          <a:bodyPr lIns="0" rIns="0" tIns="0" bIns="0">
+          <a:bodyPr lIns="0" tIns="0" rIns="0" bIns="0">
             <a:normAutofit/>
           </a:bodyPr>
-          <a:p>
-            <a:endParaRPr b="0" lang="en-US" sz="1400" spc="-1" strike="noStrike">
+          <a:lstStyle/>
+          <a:p>
+            <a:endParaRPr lang="en-US" sz="1400" b="0" strike="noStrike" spc="-1">
               <a:solidFill>
                 <a:srgbClr val="000000"/>
               </a:solidFill>
@@ -1141,11 +1293,12 @@
           </a:prstGeom>
         </p:spPr>
         <p:txBody>
-          <a:bodyPr lIns="0" rIns="0" tIns="0" bIns="0">
+          <a:bodyPr lIns="0" tIns="0" rIns="0" bIns="0">
             <a:normAutofit/>
           </a:bodyPr>
-          <a:p>
-            <a:endParaRPr b="0" lang="en-US" sz="1400" spc="-1" strike="noStrike">
+          <a:lstStyle/>
+          <a:p>
+            <a:endParaRPr lang="en-US" sz="1400" b="0" strike="noStrike" spc="-1">
               <a:solidFill>
                 <a:srgbClr val="000000"/>
               </a:solidFill>
@@ -1156,11 +1309,14 @@
       </p:sp>
     </p:spTree>
   </p:cSld>
+  <p:clrMapOvr>
+    <a:masterClrMapping/>
+  </p:clrMapOvr>
 </p:sldLayout>
 </file>
 
 <file path=ppt/slideLayouts/slideLayout2.xml><?xml version="1.0" encoding="utf-8"?>
-<p:sldLayout xmlns:a="http://schemas.openxmlformats.org/drawingml/2006/main" xmlns:p="http://schemas.openxmlformats.org/presentationml/2006/main" xmlns:r="http://schemas.openxmlformats.org/officeDocument/2006/relationships" xmlns:p14="http://schemas.microsoft.com/office/powerpoint/2010/main" xmlns:p15="http://schemas.microsoft.com/office/powerpoint/2012/main" xmlns:mc="http://schemas.openxmlformats.org/markup-compatibility/2006" type="tx" preserve="1">
+<p:sldLayout xmlns:a="http://schemas.openxmlformats.org/drawingml/2006/main" xmlns:r="http://schemas.openxmlformats.org/officeDocument/2006/relationships" xmlns:p="http://schemas.openxmlformats.org/presentationml/2006/main" type="tx" preserve="1">
   <p:cSld name="Title Slide">
     <p:spTree>
       <p:nvGrpSpPr>
@@ -1196,9 +1352,10 @@
           </a:prstGeom>
         </p:spPr>
         <p:txBody>
-          <a:bodyPr lIns="0" rIns="0" tIns="0" bIns="0" anchor="ctr"/>
-          <a:p>
-            <a:endParaRPr b="0" lang="en-US" sz="1400" spc="-1" strike="noStrike">
+          <a:bodyPr lIns="0" tIns="0" rIns="0" bIns="0" anchor="ctr"/>
+          <a:lstStyle/>
+          <a:p>
+            <a:endParaRPr lang="en-US" sz="1400" b="0" strike="noStrike" spc="-1">
               <a:solidFill>
                 <a:srgbClr val="000000"/>
               </a:solidFill>
@@ -1227,10 +1384,11 @@
           </a:prstGeom>
         </p:spPr>
         <p:txBody>
-          <a:bodyPr lIns="0" rIns="0" tIns="0" bIns="0" anchor="ctr"/>
+          <a:bodyPr lIns="0" tIns="0" rIns="0" bIns="0" anchor="ctr"/>
+          <a:lstStyle/>
           <a:p>
             <a:pPr algn="ctr"/>
-            <a:endParaRPr b="0" lang="en-US" sz="3200" spc="-1" strike="noStrike">
+            <a:endParaRPr lang="en-US" sz="3200" b="0" strike="noStrike" spc="-1">
               <a:latin typeface="Noto Sans CJK JP"/>
             </a:endParaRPr>
           </a:p>
@@ -1238,11 +1396,14 @@
       </p:sp>
     </p:spTree>
   </p:cSld>
+  <p:clrMapOvr>
+    <a:masterClrMapping/>
+  </p:clrMapOvr>
 </p:sldLayout>
 </file>
 
 <file path=ppt/slideLayouts/slideLayout20.xml><?xml version="1.0" encoding="utf-8"?>
-<p:sldLayout xmlns:a="http://schemas.openxmlformats.org/drawingml/2006/main" xmlns:p="http://schemas.openxmlformats.org/presentationml/2006/main" xmlns:r="http://schemas.openxmlformats.org/officeDocument/2006/relationships" xmlns:p14="http://schemas.microsoft.com/office/powerpoint/2010/main" xmlns:p15="http://schemas.microsoft.com/office/powerpoint/2012/main" xmlns:mc="http://schemas.openxmlformats.org/markup-compatibility/2006" type="objAndTwoObj" preserve="1">
+<p:sldLayout xmlns:a="http://schemas.openxmlformats.org/drawingml/2006/main" xmlns:r="http://schemas.openxmlformats.org/officeDocument/2006/relationships" xmlns:p="http://schemas.openxmlformats.org/presentationml/2006/main" type="objAndTwoObj" preserve="1">
   <p:cSld name="Title Content and 2 Content">
     <p:spTree>
       <p:nvGrpSpPr>
@@ -1278,9 +1439,10 @@
           </a:prstGeom>
         </p:spPr>
         <p:txBody>
-          <a:bodyPr lIns="0" rIns="0" tIns="0" bIns="0" anchor="ctr"/>
-          <a:p>
-            <a:endParaRPr b="0" lang="en-US" sz="1400" spc="-1" strike="noStrike">
+          <a:bodyPr lIns="0" tIns="0" rIns="0" bIns="0" anchor="ctr"/>
+          <a:lstStyle/>
+          <a:p>
+            <a:endParaRPr lang="en-US" sz="1400" b="0" strike="noStrike" spc="-1">
               <a:solidFill>
                 <a:srgbClr val="000000"/>
               </a:solidFill>
@@ -1309,11 +1471,12 @@
           </a:prstGeom>
         </p:spPr>
         <p:txBody>
-          <a:bodyPr lIns="0" rIns="0" tIns="0" bIns="0">
+          <a:bodyPr lIns="0" tIns="0" rIns="0" bIns="0">
             <a:normAutofit/>
           </a:bodyPr>
-          <a:p>
-            <a:endParaRPr b="0" lang="en-US" sz="1400" spc="-1" strike="noStrike">
+          <a:lstStyle/>
+          <a:p>
+            <a:endParaRPr lang="en-US" sz="1400" b="0" strike="noStrike" spc="-1">
               <a:solidFill>
                 <a:srgbClr val="000000"/>
               </a:solidFill>
@@ -1342,11 +1505,12 @@
           </a:prstGeom>
         </p:spPr>
         <p:txBody>
-          <a:bodyPr lIns="0" rIns="0" tIns="0" bIns="0">
+          <a:bodyPr lIns="0" tIns="0" rIns="0" bIns="0">
             <a:normAutofit/>
           </a:bodyPr>
-          <a:p>
-            <a:endParaRPr b="0" lang="en-US" sz="1400" spc="-1" strike="noStrike">
+          <a:lstStyle/>
+          <a:p>
+            <a:endParaRPr lang="en-US" sz="1400" b="0" strike="noStrike" spc="-1">
               <a:solidFill>
                 <a:srgbClr val="000000"/>
               </a:solidFill>
@@ -1375,11 +1539,12 @@
           </a:prstGeom>
         </p:spPr>
         <p:txBody>
-          <a:bodyPr lIns="0" rIns="0" tIns="0" bIns="0">
+          <a:bodyPr lIns="0" tIns="0" rIns="0" bIns="0">
             <a:normAutofit/>
           </a:bodyPr>
-          <a:p>
-            <a:endParaRPr b="0" lang="en-US" sz="1400" spc="-1" strike="noStrike">
+          <a:lstStyle/>
+          <a:p>
+            <a:endParaRPr lang="en-US" sz="1400" b="0" strike="noStrike" spc="-1">
               <a:solidFill>
                 <a:srgbClr val="000000"/>
               </a:solidFill>
@@ -1390,11 +1555,14 @@
       </p:sp>
     </p:spTree>
   </p:cSld>
+  <p:clrMapOvr>
+    <a:masterClrMapping/>
+  </p:clrMapOvr>
 </p:sldLayout>
 </file>
 
 <file path=ppt/slideLayouts/slideLayout21.xml><?xml version="1.0" encoding="utf-8"?>
-<p:sldLayout xmlns:a="http://schemas.openxmlformats.org/drawingml/2006/main" xmlns:p="http://schemas.openxmlformats.org/presentationml/2006/main" xmlns:r="http://schemas.openxmlformats.org/officeDocument/2006/relationships" xmlns:p14="http://schemas.microsoft.com/office/powerpoint/2010/main" xmlns:p15="http://schemas.microsoft.com/office/powerpoint/2012/main" xmlns:mc="http://schemas.openxmlformats.org/markup-compatibility/2006" type="twoObjOverTx" preserve="1">
+<p:sldLayout xmlns:a="http://schemas.openxmlformats.org/drawingml/2006/main" xmlns:r="http://schemas.openxmlformats.org/officeDocument/2006/relationships" xmlns:p="http://schemas.openxmlformats.org/presentationml/2006/main" type="twoObjOverTx" preserve="1">
   <p:cSld name="Title, 2 Content over Content">
     <p:spTree>
       <p:nvGrpSpPr>
@@ -1430,9 +1598,10 @@
           </a:prstGeom>
         </p:spPr>
         <p:txBody>
-          <a:bodyPr lIns="0" rIns="0" tIns="0" bIns="0" anchor="ctr"/>
-          <a:p>
-            <a:endParaRPr b="0" lang="en-US" sz="1400" spc="-1" strike="noStrike">
+          <a:bodyPr lIns="0" tIns="0" rIns="0" bIns="0" anchor="ctr"/>
+          <a:lstStyle/>
+          <a:p>
+            <a:endParaRPr lang="en-US" sz="1400" b="0" strike="noStrike" spc="-1">
               <a:solidFill>
                 <a:srgbClr val="000000"/>
               </a:solidFill>
@@ -1461,11 +1630,12 @@
           </a:prstGeom>
         </p:spPr>
         <p:txBody>
-          <a:bodyPr lIns="0" rIns="0" tIns="0" bIns="0">
+          <a:bodyPr lIns="0" tIns="0" rIns="0" bIns="0">
             <a:normAutofit/>
           </a:bodyPr>
-          <a:p>
-            <a:endParaRPr b="0" lang="en-US" sz="1400" spc="-1" strike="noStrike">
+          <a:lstStyle/>
+          <a:p>
+            <a:endParaRPr lang="en-US" sz="1400" b="0" strike="noStrike" spc="-1">
               <a:solidFill>
                 <a:srgbClr val="000000"/>
               </a:solidFill>
@@ -1494,11 +1664,12 @@
           </a:prstGeom>
         </p:spPr>
         <p:txBody>
-          <a:bodyPr lIns="0" rIns="0" tIns="0" bIns="0">
+          <a:bodyPr lIns="0" tIns="0" rIns="0" bIns="0">
             <a:normAutofit/>
           </a:bodyPr>
-          <a:p>
-            <a:endParaRPr b="0" lang="en-US" sz="1400" spc="-1" strike="noStrike">
+          <a:lstStyle/>
+          <a:p>
+            <a:endParaRPr lang="en-US" sz="1400" b="0" strike="noStrike" spc="-1">
               <a:solidFill>
                 <a:srgbClr val="000000"/>
               </a:solidFill>
@@ -1527,11 +1698,12 @@
           </a:prstGeom>
         </p:spPr>
         <p:txBody>
-          <a:bodyPr lIns="0" rIns="0" tIns="0" bIns="0">
+          <a:bodyPr lIns="0" tIns="0" rIns="0" bIns="0">
             <a:normAutofit/>
           </a:bodyPr>
-          <a:p>
-            <a:endParaRPr b="0" lang="en-US" sz="1400" spc="-1" strike="noStrike">
+          <a:lstStyle/>
+          <a:p>
+            <a:endParaRPr lang="en-US" sz="1400" b="0" strike="noStrike" spc="-1">
               <a:solidFill>
                 <a:srgbClr val="000000"/>
               </a:solidFill>
@@ -1542,11 +1714,14 @@
       </p:sp>
     </p:spTree>
   </p:cSld>
+  <p:clrMapOvr>
+    <a:masterClrMapping/>
+  </p:clrMapOvr>
 </p:sldLayout>
 </file>
 
 <file path=ppt/slideLayouts/slideLayout22.xml><?xml version="1.0" encoding="utf-8"?>
-<p:sldLayout xmlns:a="http://schemas.openxmlformats.org/drawingml/2006/main" xmlns:p="http://schemas.openxmlformats.org/presentationml/2006/main" xmlns:r="http://schemas.openxmlformats.org/officeDocument/2006/relationships" xmlns:p14="http://schemas.microsoft.com/office/powerpoint/2010/main" xmlns:p15="http://schemas.microsoft.com/office/powerpoint/2012/main" xmlns:mc="http://schemas.openxmlformats.org/markup-compatibility/2006" type="objOverTx" preserve="1">
+<p:sldLayout xmlns:a="http://schemas.openxmlformats.org/drawingml/2006/main" xmlns:r="http://schemas.openxmlformats.org/officeDocument/2006/relationships" xmlns:p="http://schemas.openxmlformats.org/presentationml/2006/main" type="objOverTx" preserve="1">
   <p:cSld name="Title, Content over Content">
     <p:spTree>
       <p:nvGrpSpPr>
@@ -1582,9 +1757,10 @@
           </a:prstGeom>
         </p:spPr>
         <p:txBody>
-          <a:bodyPr lIns="0" rIns="0" tIns="0" bIns="0" anchor="ctr"/>
-          <a:p>
-            <a:endParaRPr b="0" lang="en-US" sz="1400" spc="-1" strike="noStrike">
+          <a:bodyPr lIns="0" tIns="0" rIns="0" bIns="0" anchor="ctr"/>
+          <a:lstStyle/>
+          <a:p>
+            <a:endParaRPr lang="en-US" sz="1400" b="0" strike="noStrike" spc="-1">
               <a:solidFill>
                 <a:srgbClr val="000000"/>
               </a:solidFill>
@@ -1613,11 +1789,12 @@
           </a:prstGeom>
         </p:spPr>
         <p:txBody>
-          <a:bodyPr lIns="0" rIns="0" tIns="0" bIns="0">
+          <a:bodyPr lIns="0" tIns="0" rIns="0" bIns="0">
             <a:normAutofit/>
           </a:bodyPr>
-          <a:p>
-            <a:endParaRPr b="0" lang="en-US" sz="1400" spc="-1" strike="noStrike">
+          <a:lstStyle/>
+          <a:p>
+            <a:endParaRPr lang="en-US" sz="1400" b="0" strike="noStrike" spc="-1">
               <a:solidFill>
                 <a:srgbClr val="000000"/>
               </a:solidFill>
@@ -1646,11 +1823,12 @@
           </a:prstGeom>
         </p:spPr>
         <p:txBody>
-          <a:bodyPr lIns="0" rIns="0" tIns="0" bIns="0">
+          <a:bodyPr lIns="0" tIns="0" rIns="0" bIns="0">
             <a:normAutofit/>
           </a:bodyPr>
-          <a:p>
-            <a:endParaRPr b="0" lang="en-US" sz="1400" spc="-1" strike="noStrike">
+          <a:lstStyle/>
+          <a:p>
+            <a:endParaRPr lang="en-US" sz="1400" b="0" strike="noStrike" spc="-1">
               <a:solidFill>
                 <a:srgbClr val="000000"/>
               </a:solidFill>
@@ -1661,11 +1839,14 @@
       </p:sp>
     </p:spTree>
   </p:cSld>
+  <p:clrMapOvr>
+    <a:masterClrMapping/>
+  </p:clrMapOvr>
 </p:sldLayout>
 </file>
 
 <file path=ppt/slideLayouts/slideLayout23.xml><?xml version="1.0" encoding="utf-8"?>
-<p:sldLayout xmlns:a="http://schemas.openxmlformats.org/drawingml/2006/main" xmlns:p="http://schemas.openxmlformats.org/presentationml/2006/main" xmlns:r="http://schemas.openxmlformats.org/officeDocument/2006/relationships" xmlns:p14="http://schemas.microsoft.com/office/powerpoint/2010/main" xmlns:p15="http://schemas.microsoft.com/office/powerpoint/2012/main" xmlns:mc="http://schemas.openxmlformats.org/markup-compatibility/2006" type="fourObj" preserve="1">
+<p:sldLayout xmlns:a="http://schemas.openxmlformats.org/drawingml/2006/main" xmlns:r="http://schemas.openxmlformats.org/officeDocument/2006/relationships" xmlns:p="http://schemas.openxmlformats.org/presentationml/2006/main" type="fourObj" preserve="1">
   <p:cSld name="Title, 4 Content">
     <p:spTree>
       <p:nvGrpSpPr>
@@ -1701,9 +1882,10 @@
           </a:prstGeom>
         </p:spPr>
         <p:txBody>
-          <a:bodyPr lIns="0" rIns="0" tIns="0" bIns="0" anchor="ctr"/>
-          <a:p>
-            <a:endParaRPr b="0" lang="en-US" sz="1400" spc="-1" strike="noStrike">
+          <a:bodyPr lIns="0" tIns="0" rIns="0" bIns="0" anchor="ctr"/>
+          <a:lstStyle/>
+          <a:p>
+            <a:endParaRPr lang="en-US" sz="1400" b="0" strike="noStrike" spc="-1">
               <a:solidFill>
                 <a:srgbClr val="000000"/>
               </a:solidFill>
@@ -1732,11 +1914,12 @@
           </a:prstGeom>
         </p:spPr>
         <p:txBody>
-          <a:bodyPr lIns="0" rIns="0" tIns="0" bIns="0">
+          <a:bodyPr lIns="0" tIns="0" rIns="0" bIns="0">
             <a:normAutofit/>
           </a:bodyPr>
-          <a:p>
-            <a:endParaRPr b="0" lang="en-US" sz="1400" spc="-1" strike="noStrike">
+          <a:lstStyle/>
+          <a:p>
+            <a:endParaRPr lang="en-US" sz="1400" b="0" strike="noStrike" spc="-1">
               <a:solidFill>
                 <a:srgbClr val="000000"/>
               </a:solidFill>
@@ -1765,11 +1948,12 @@
           </a:prstGeom>
         </p:spPr>
         <p:txBody>
-          <a:bodyPr lIns="0" rIns="0" tIns="0" bIns="0">
+          <a:bodyPr lIns="0" tIns="0" rIns="0" bIns="0">
             <a:normAutofit/>
           </a:bodyPr>
-          <a:p>
-            <a:endParaRPr b="0" lang="en-US" sz="1400" spc="-1" strike="noStrike">
+          <a:lstStyle/>
+          <a:p>
+            <a:endParaRPr lang="en-US" sz="1400" b="0" strike="noStrike" spc="-1">
               <a:solidFill>
                 <a:srgbClr val="000000"/>
               </a:solidFill>
@@ -1798,11 +1982,12 @@
           </a:prstGeom>
         </p:spPr>
         <p:txBody>
-          <a:bodyPr lIns="0" rIns="0" tIns="0" bIns="0">
+          <a:bodyPr lIns="0" tIns="0" rIns="0" bIns="0">
             <a:normAutofit/>
           </a:bodyPr>
-          <a:p>
-            <a:endParaRPr b="0" lang="en-US" sz="1400" spc="-1" strike="noStrike">
+          <a:lstStyle/>
+          <a:p>
+            <a:endParaRPr lang="en-US" sz="1400" b="0" strike="noStrike" spc="-1">
               <a:solidFill>
                 <a:srgbClr val="000000"/>
               </a:solidFill>
@@ -1831,11 +2016,12 @@
           </a:prstGeom>
         </p:spPr>
         <p:txBody>
-          <a:bodyPr lIns="0" rIns="0" tIns="0" bIns="0">
+          <a:bodyPr lIns="0" tIns="0" rIns="0" bIns="0">
             <a:normAutofit/>
           </a:bodyPr>
-          <a:p>
-            <a:endParaRPr b="0" lang="en-US" sz="1400" spc="-1" strike="noStrike">
+          <a:lstStyle/>
+          <a:p>
+            <a:endParaRPr lang="en-US" sz="1400" b="0" strike="noStrike" spc="-1">
               <a:solidFill>
                 <a:srgbClr val="000000"/>
               </a:solidFill>
@@ -1846,11 +2032,14 @@
       </p:sp>
     </p:spTree>
   </p:cSld>
+  <p:clrMapOvr>
+    <a:masterClrMapping/>
+  </p:clrMapOvr>
 </p:sldLayout>
 </file>
 
 <file path=ppt/slideLayouts/slideLayout24.xml><?xml version="1.0" encoding="utf-8"?>
-<p:sldLayout xmlns:a="http://schemas.openxmlformats.org/drawingml/2006/main" xmlns:p="http://schemas.openxmlformats.org/presentationml/2006/main" xmlns:r="http://schemas.openxmlformats.org/officeDocument/2006/relationships" xmlns:p14="http://schemas.microsoft.com/office/powerpoint/2010/main" xmlns:p15="http://schemas.microsoft.com/office/powerpoint/2012/main" xmlns:mc="http://schemas.openxmlformats.org/markup-compatibility/2006" type="blank" preserve="1">
+<p:sldLayout xmlns:a="http://schemas.openxmlformats.org/drawingml/2006/main" xmlns:r="http://schemas.openxmlformats.org/officeDocument/2006/relationships" xmlns:p="http://schemas.openxmlformats.org/presentationml/2006/main" type="blank" preserve="1">
   <p:cSld name="Title, 6 Content">
     <p:spTree>
       <p:nvGrpSpPr>
@@ -1886,9 +2075,10 @@
           </a:prstGeom>
         </p:spPr>
         <p:txBody>
-          <a:bodyPr lIns="0" rIns="0" tIns="0" bIns="0" anchor="ctr"/>
-          <a:p>
-            <a:endParaRPr b="0" lang="en-US" sz="1400" spc="-1" strike="noStrike">
+          <a:bodyPr lIns="0" tIns="0" rIns="0" bIns="0" anchor="ctr"/>
+          <a:lstStyle/>
+          <a:p>
+            <a:endParaRPr lang="en-US" sz="1400" b="0" strike="noStrike" spc="-1">
               <a:solidFill>
                 <a:srgbClr val="000000"/>
               </a:solidFill>
@@ -1917,11 +2107,12 @@
           </a:prstGeom>
         </p:spPr>
         <p:txBody>
-          <a:bodyPr lIns="0" rIns="0" tIns="0" bIns="0">
+          <a:bodyPr lIns="0" tIns="0" rIns="0" bIns="0">
             <a:normAutofit/>
           </a:bodyPr>
-          <a:p>
-            <a:endParaRPr b="0" lang="en-US" sz="1400" spc="-1" strike="noStrike">
+          <a:lstStyle/>
+          <a:p>
+            <a:endParaRPr lang="en-US" sz="1400" b="0" strike="noStrike" spc="-1">
               <a:solidFill>
                 <a:srgbClr val="000000"/>
               </a:solidFill>
@@ -1950,11 +2141,12 @@
           </a:prstGeom>
         </p:spPr>
         <p:txBody>
-          <a:bodyPr lIns="0" rIns="0" tIns="0" bIns="0">
+          <a:bodyPr lIns="0" tIns="0" rIns="0" bIns="0">
             <a:normAutofit/>
           </a:bodyPr>
-          <a:p>
-            <a:endParaRPr b="0" lang="en-US" sz="1400" spc="-1" strike="noStrike">
+          <a:lstStyle/>
+          <a:p>
+            <a:endParaRPr lang="en-US" sz="1400" b="0" strike="noStrike" spc="-1">
               <a:solidFill>
                 <a:srgbClr val="000000"/>
               </a:solidFill>
@@ -1983,11 +2175,12 @@
           </a:prstGeom>
         </p:spPr>
         <p:txBody>
-          <a:bodyPr lIns="0" rIns="0" tIns="0" bIns="0">
+          <a:bodyPr lIns="0" tIns="0" rIns="0" bIns="0">
             <a:normAutofit/>
           </a:bodyPr>
-          <a:p>
-            <a:endParaRPr b="0" lang="en-US" sz="1400" spc="-1" strike="noStrike">
+          <a:lstStyle/>
+          <a:p>
+            <a:endParaRPr lang="en-US" sz="1400" b="0" strike="noStrike" spc="-1">
               <a:solidFill>
                 <a:srgbClr val="000000"/>
               </a:solidFill>
@@ -2016,11 +2209,12 @@
           </a:prstGeom>
         </p:spPr>
         <p:txBody>
-          <a:bodyPr lIns="0" rIns="0" tIns="0" bIns="0">
+          <a:bodyPr lIns="0" tIns="0" rIns="0" bIns="0">
             <a:normAutofit/>
           </a:bodyPr>
-          <a:p>
-            <a:endParaRPr b="0" lang="en-US" sz="1400" spc="-1" strike="noStrike">
+          <a:lstStyle/>
+          <a:p>
+            <a:endParaRPr lang="en-US" sz="1400" b="0" strike="noStrike" spc="-1">
               <a:solidFill>
                 <a:srgbClr val="000000"/>
               </a:solidFill>
@@ -2049,11 +2243,12 @@
           </a:prstGeom>
         </p:spPr>
         <p:txBody>
-          <a:bodyPr lIns="0" rIns="0" tIns="0" bIns="0">
+          <a:bodyPr lIns="0" tIns="0" rIns="0" bIns="0">
             <a:normAutofit/>
           </a:bodyPr>
-          <a:p>
-            <a:endParaRPr b="0" lang="en-US" sz="1400" spc="-1" strike="noStrike">
+          <a:lstStyle/>
+          <a:p>
+            <a:endParaRPr lang="en-US" sz="1400" b="0" strike="noStrike" spc="-1">
               <a:solidFill>
                 <a:srgbClr val="000000"/>
               </a:solidFill>
@@ -2082,11 +2277,12 @@
           </a:prstGeom>
         </p:spPr>
         <p:txBody>
-          <a:bodyPr lIns="0" rIns="0" tIns="0" bIns="0">
+          <a:bodyPr lIns="0" tIns="0" rIns="0" bIns="0">
             <a:normAutofit/>
           </a:bodyPr>
-          <a:p>
-            <a:endParaRPr b="0" lang="en-US" sz="1400" spc="-1" strike="noStrike">
+          <a:lstStyle/>
+          <a:p>
+            <a:endParaRPr lang="en-US" sz="1400" b="0" strike="noStrike" spc="-1">
               <a:solidFill>
                 <a:srgbClr val="000000"/>
               </a:solidFill>
@@ -2097,11 +2293,14 @@
       </p:sp>
     </p:spTree>
   </p:cSld>
+  <p:clrMapOvr>
+    <a:masterClrMapping/>
+  </p:clrMapOvr>
 </p:sldLayout>
 </file>
 
 <file path=ppt/slideLayouts/slideLayout3.xml><?xml version="1.0" encoding="utf-8"?>
-<p:sldLayout xmlns:a="http://schemas.openxmlformats.org/drawingml/2006/main" xmlns:p="http://schemas.openxmlformats.org/presentationml/2006/main" xmlns:r="http://schemas.openxmlformats.org/officeDocument/2006/relationships" xmlns:p14="http://schemas.microsoft.com/office/powerpoint/2010/main" xmlns:p15="http://schemas.microsoft.com/office/powerpoint/2012/main" xmlns:mc="http://schemas.openxmlformats.org/markup-compatibility/2006" type="obj" preserve="1">
+<p:sldLayout xmlns:a="http://schemas.openxmlformats.org/drawingml/2006/main" xmlns:r="http://schemas.openxmlformats.org/officeDocument/2006/relationships" xmlns:p="http://schemas.openxmlformats.org/presentationml/2006/main" type="obj" preserve="1">
   <p:cSld name="Title, Content">
     <p:spTree>
       <p:nvGrpSpPr>
@@ -2137,9 +2336,10 @@
           </a:prstGeom>
         </p:spPr>
         <p:txBody>
-          <a:bodyPr lIns="0" rIns="0" tIns="0" bIns="0" anchor="ctr"/>
-          <a:p>
-            <a:endParaRPr b="0" lang="en-US" sz="1400" spc="-1" strike="noStrike">
+          <a:bodyPr lIns="0" tIns="0" rIns="0" bIns="0" anchor="ctr"/>
+          <a:lstStyle/>
+          <a:p>
+            <a:endParaRPr lang="en-US" sz="1400" b="0" strike="noStrike" spc="-1">
               <a:solidFill>
                 <a:srgbClr val="000000"/>
               </a:solidFill>
@@ -2168,11 +2368,12 @@
           </a:prstGeom>
         </p:spPr>
         <p:txBody>
-          <a:bodyPr lIns="0" rIns="0" tIns="0" bIns="0">
+          <a:bodyPr lIns="0" tIns="0" rIns="0" bIns="0">
             <a:normAutofit/>
           </a:bodyPr>
-          <a:p>
-            <a:endParaRPr b="0" lang="en-US" sz="1400" spc="-1" strike="noStrike">
+          <a:lstStyle/>
+          <a:p>
+            <a:endParaRPr lang="en-US" sz="1400" b="0" strike="noStrike" spc="-1">
               <a:solidFill>
                 <a:srgbClr val="000000"/>
               </a:solidFill>
@@ -2183,11 +2384,14 @@
       </p:sp>
     </p:spTree>
   </p:cSld>
+  <p:clrMapOvr>
+    <a:masterClrMapping/>
+  </p:clrMapOvr>
 </p:sldLayout>
 </file>
 
 <file path=ppt/slideLayouts/slideLayout4.xml><?xml version="1.0" encoding="utf-8"?>
-<p:sldLayout xmlns:a="http://schemas.openxmlformats.org/drawingml/2006/main" xmlns:p="http://schemas.openxmlformats.org/presentationml/2006/main" xmlns:r="http://schemas.openxmlformats.org/officeDocument/2006/relationships" xmlns:p14="http://schemas.microsoft.com/office/powerpoint/2010/main" xmlns:p15="http://schemas.microsoft.com/office/powerpoint/2012/main" xmlns:mc="http://schemas.openxmlformats.org/markup-compatibility/2006" type="twoObj" preserve="1">
+<p:sldLayout xmlns:a="http://schemas.openxmlformats.org/drawingml/2006/main" xmlns:r="http://schemas.openxmlformats.org/officeDocument/2006/relationships" xmlns:p="http://schemas.openxmlformats.org/presentationml/2006/main" type="twoObj" preserve="1">
   <p:cSld name="Title, 2 Content">
     <p:spTree>
       <p:nvGrpSpPr>
@@ -2223,9 +2427,10 @@
           </a:prstGeom>
         </p:spPr>
         <p:txBody>
-          <a:bodyPr lIns="0" rIns="0" tIns="0" bIns="0" anchor="ctr"/>
-          <a:p>
-            <a:endParaRPr b="0" lang="en-US" sz="1400" spc="-1" strike="noStrike">
+          <a:bodyPr lIns="0" tIns="0" rIns="0" bIns="0" anchor="ctr"/>
+          <a:lstStyle/>
+          <a:p>
+            <a:endParaRPr lang="en-US" sz="1400" b="0" strike="noStrike" spc="-1">
               <a:solidFill>
                 <a:srgbClr val="000000"/>
               </a:solidFill>
@@ -2254,11 +2459,12 @@
           </a:prstGeom>
         </p:spPr>
         <p:txBody>
-          <a:bodyPr lIns="0" rIns="0" tIns="0" bIns="0">
+          <a:bodyPr lIns="0" tIns="0" rIns="0" bIns="0">
             <a:normAutofit/>
           </a:bodyPr>
-          <a:p>
-            <a:endParaRPr b="0" lang="en-US" sz="1400" spc="-1" strike="noStrike">
+          <a:lstStyle/>
+          <a:p>
+            <a:endParaRPr lang="en-US" sz="1400" b="0" strike="noStrike" spc="-1">
               <a:solidFill>
                 <a:srgbClr val="000000"/>
               </a:solidFill>
@@ -2287,11 +2493,12 @@
           </a:prstGeom>
         </p:spPr>
         <p:txBody>
-          <a:bodyPr lIns="0" rIns="0" tIns="0" bIns="0">
+          <a:bodyPr lIns="0" tIns="0" rIns="0" bIns="0">
             <a:normAutofit/>
           </a:bodyPr>
-          <a:p>
-            <a:endParaRPr b="0" lang="en-US" sz="1400" spc="-1" strike="noStrike">
+          <a:lstStyle/>
+          <a:p>
+            <a:endParaRPr lang="en-US" sz="1400" b="0" strike="noStrike" spc="-1">
               <a:solidFill>
                 <a:srgbClr val="000000"/>
               </a:solidFill>
@@ -2302,11 +2509,14 @@
       </p:sp>
     </p:spTree>
   </p:cSld>
+  <p:clrMapOvr>
+    <a:masterClrMapping/>
+  </p:clrMapOvr>
 </p:sldLayout>
 </file>
 
 <file path=ppt/slideLayouts/slideLayout5.xml><?xml version="1.0" encoding="utf-8"?>
-<p:sldLayout xmlns:a="http://schemas.openxmlformats.org/drawingml/2006/main" xmlns:p="http://schemas.openxmlformats.org/presentationml/2006/main" xmlns:r="http://schemas.openxmlformats.org/officeDocument/2006/relationships" xmlns:p14="http://schemas.microsoft.com/office/powerpoint/2010/main" xmlns:p15="http://schemas.microsoft.com/office/powerpoint/2012/main" xmlns:mc="http://schemas.openxmlformats.org/markup-compatibility/2006" type="titleOnly" preserve="1">
+<p:sldLayout xmlns:a="http://schemas.openxmlformats.org/drawingml/2006/main" xmlns:r="http://schemas.openxmlformats.org/officeDocument/2006/relationships" xmlns:p="http://schemas.openxmlformats.org/presentationml/2006/main" type="titleOnly" preserve="1">
   <p:cSld name="Title Only">
     <p:spTree>
       <p:nvGrpSpPr>
@@ -2342,9 +2552,10 @@
           </a:prstGeom>
         </p:spPr>
         <p:txBody>
-          <a:bodyPr lIns="0" rIns="0" tIns="0" bIns="0" anchor="ctr"/>
-          <a:p>
-            <a:endParaRPr b="0" lang="en-US" sz="1400" spc="-1" strike="noStrike">
+          <a:bodyPr lIns="0" tIns="0" rIns="0" bIns="0" anchor="ctr"/>
+          <a:lstStyle/>
+          <a:p>
+            <a:endParaRPr lang="en-US" sz="1400" b="0" strike="noStrike" spc="-1">
               <a:solidFill>
                 <a:srgbClr val="000000"/>
               </a:solidFill>
@@ -2355,11 +2566,14 @@
       </p:sp>
     </p:spTree>
   </p:cSld>
+  <p:clrMapOvr>
+    <a:masterClrMapping/>
+  </p:clrMapOvr>
 </p:sldLayout>
 </file>
 
 <file path=ppt/slideLayouts/slideLayout6.xml><?xml version="1.0" encoding="utf-8"?>
-<p:sldLayout xmlns:a="http://schemas.openxmlformats.org/drawingml/2006/main" xmlns:p="http://schemas.openxmlformats.org/presentationml/2006/main" xmlns:r="http://schemas.openxmlformats.org/officeDocument/2006/relationships" xmlns:p14="http://schemas.microsoft.com/office/powerpoint/2010/main" xmlns:p15="http://schemas.microsoft.com/office/powerpoint/2012/main" xmlns:mc="http://schemas.openxmlformats.org/markup-compatibility/2006" type="objOnly" preserve="1">
+<p:sldLayout xmlns:a="http://schemas.openxmlformats.org/drawingml/2006/main" xmlns:r="http://schemas.openxmlformats.org/officeDocument/2006/relationships" xmlns:p="http://schemas.openxmlformats.org/presentationml/2006/main" type="objOnly" preserve="1">
   <p:cSld name="Centered Text">
     <p:spTree>
       <p:nvGrpSpPr>
@@ -2395,10 +2609,11 @@
           </a:prstGeom>
         </p:spPr>
         <p:txBody>
-          <a:bodyPr lIns="0" rIns="0" tIns="0" bIns="0" anchor="ctr"/>
+          <a:bodyPr lIns="0" tIns="0" rIns="0" bIns="0" anchor="ctr"/>
+          <a:lstStyle/>
           <a:p>
             <a:pPr algn="ctr"/>
-            <a:endParaRPr b="0" lang="en-US" sz="3200" spc="-1" strike="noStrike">
+            <a:endParaRPr lang="en-US" sz="3200" b="0" strike="noStrike" spc="-1">
               <a:latin typeface="Noto Sans CJK JP"/>
             </a:endParaRPr>
           </a:p>
@@ -2406,11 +2621,14 @@
       </p:sp>
     </p:spTree>
   </p:cSld>
+  <p:clrMapOvr>
+    <a:masterClrMapping/>
+  </p:clrMapOvr>
 </p:sldLayout>
 </file>
 
 <file path=ppt/slideLayouts/slideLayout7.xml><?xml version="1.0" encoding="utf-8"?>
-<p:sldLayout xmlns:a="http://schemas.openxmlformats.org/drawingml/2006/main" xmlns:p="http://schemas.openxmlformats.org/presentationml/2006/main" xmlns:r="http://schemas.openxmlformats.org/officeDocument/2006/relationships" xmlns:p14="http://schemas.microsoft.com/office/powerpoint/2010/main" xmlns:p15="http://schemas.microsoft.com/office/powerpoint/2012/main" xmlns:mc="http://schemas.openxmlformats.org/markup-compatibility/2006" type="twoObjAndObj" preserve="1">
+<p:sldLayout xmlns:a="http://schemas.openxmlformats.org/drawingml/2006/main" xmlns:r="http://schemas.openxmlformats.org/officeDocument/2006/relationships" xmlns:p="http://schemas.openxmlformats.org/presentationml/2006/main" type="twoObjAndObj" preserve="1">
   <p:cSld name="Title, 2 Content and Content">
     <p:spTree>
       <p:nvGrpSpPr>
@@ -2446,9 +2664,10 @@
           </a:prstGeom>
         </p:spPr>
         <p:txBody>
-          <a:bodyPr lIns="0" rIns="0" tIns="0" bIns="0" anchor="ctr"/>
-          <a:p>
-            <a:endParaRPr b="0" lang="en-US" sz="1400" spc="-1" strike="noStrike">
+          <a:bodyPr lIns="0" tIns="0" rIns="0" bIns="0" anchor="ctr"/>
+          <a:lstStyle/>
+          <a:p>
+            <a:endParaRPr lang="en-US" sz="1400" b="0" strike="noStrike" spc="-1">
               <a:solidFill>
                 <a:srgbClr val="000000"/>
               </a:solidFill>
@@ -2477,11 +2696,12 @@
           </a:prstGeom>
         </p:spPr>
         <p:txBody>
-          <a:bodyPr lIns="0" rIns="0" tIns="0" bIns="0">
+          <a:bodyPr lIns="0" tIns="0" rIns="0" bIns="0">
             <a:normAutofit/>
           </a:bodyPr>
-          <a:p>
-            <a:endParaRPr b="0" lang="en-US" sz="1400" spc="-1" strike="noStrike">
+          <a:lstStyle/>
+          <a:p>
+            <a:endParaRPr lang="en-US" sz="1400" b="0" strike="noStrike" spc="-1">
               <a:solidFill>
                 <a:srgbClr val="000000"/>
               </a:solidFill>
@@ -2510,11 +2730,12 @@
           </a:prstGeom>
         </p:spPr>
         <p:txBody>
-          <a:bodyPr lIns="0" rIns="0" tIns="0" bIns="0">
+          <a:bodyPr lIns="0" tIns="0" rIns="0" bIns="0">
             <a:normAutofit/>
           </a:bodyPr>
-          <a:p>
-            <a:endParaRPr b="0" lang="en-US" sz="1400" spc="-1" strike="noStrike">
+          <a:lstStyle/>
+          <a:p>
+            <a:endParaRPr lang="en-US" sz="1400" b="0" strike="noStrike" spc="-1">
               <a:solidFill>
                 <a:srgbClr val="000000"/>
               </a:solidFill>
@@ -2543,11 +2764,12 @@
           </a:prstGeom>
         </p:spPr>
         <p:txBody>
-          <a:bodyPr lIns="0" rIns="0" tIns="0" bIns="0">
+          <a:bodyPr lIns="0" tIns="0" rIns="0" bIns="0">
             <a:normAutofit/>
           </a:bodyPr>
-          <a:p>
-            <a:endParaRPr b="0" lang="en-US" sz="1400" spc="-1" strike="noStrike">
+          <a:lstStyle/>
+          <a:p>
+            <a:endParaRPr lang="en-US" sz="1400" b="0" strike="noStrike" spc="-1">
               <a:solidFill>
                 <a:srgbClr val="000000"/>
               </a:solidFill>
@@ -2558,11 +2780,14 @@
       </p:sp>
     </p:spTree>
   </p:cSld>
+  <p:clrMapOvr>
+    <a:masterClrMapping/>
+  </p:clrMapOvr>
 </p:sldLayout>
 </file>
 
 <file path=ppt/slideLayouts/slideLayout8.xml><?xml version="1.0" encoding="utf-8"?>
-<p:sldLayout xmlns:a="http://schemas.openxmlformats.org/drawingml/2006/main" xmlns:p="http://schemas.openxmlformats.org/presentationml/2006/main" xmlns:r="http://schemas.openxmlformats.org/officeDocument/2006/relationships" xmlns:p14="http://schemas.microsoft.com/office/powerpoint/2010/main" xmlns:p15="http://schemas.microsoft.com/office/powerpoint/2012/main" xmlns:mc="http://schemas.openxmlformats.org/markup-compatibility/2006" type="objAndTwoObj" preserve="1">
+<p:sldLayout xmlns:a="http://schemas.openxmlformats.org/drawingml/2006/main" xmlns:r="http://schemas.openxmlformats.org/officeDocument/2006/relationships" xmlns:p="http://schemas.openxmlformats.org/presentationml/2006/main" type="objAndTwoObj" preserve="1">
   <p:cSld name="Title Content and 2 Content">
     <p:spTree>
       <p:nvGrpSpPr>
@@ -2598,9 +2823,10 @@
           </a:prstGeom>
         </p:spPr>
         <p:txBody>
-          <a:bodyPr lIns="0" rIns="0" tIns="0" bIns="0" anchor="ctr"/>
-          <a:p>
-            <a:endParaRPr b="0" lang="en-US" sz="1400" spc="-1" strike="noStrike">
+          <a:bodyPr lIns="0" tIns="0" rIns="0" bIns="0" anchor="ctr"/>
+          <a:lstStyle/>
+          <a:p>
+            <a:endParaRPr lang="en-US" sz="1400" b="0" strike="noStrike" spc="-1">
               <a:solidFill>
                 <a:srgbClr val="000000"/>
               </a:solidFill>
@@ -2629,11 +2855,12 @@
           </a:prstGeom>
         </p:spPr>
         <p:txBody>
-          <a:bodyPr lIns="0" rIns="0" tIns="0" bIns="0">
+          <a:bodyPr lIns="0" tIns="0" rIns="0" bIns="0">
             <a:normAutofit/>
           </a:bodyPr>
-          <a:p>
-            <a:endParaRPr b="0" lang="en-US" sz="1400" spc="-1" strike="noStrike">
+          <a:lstStyle/>
+          <a:p>
+            <a:endParaRPr lang="en-US" sz="1400" b="0" strike="noStrike" spc="-1">
               <a:solidFill>
                 <a:srgbClr val="000000"/>
               </a:solidFill>
@@ -2662,11 +2889,12 @@
           </a:prstGeom>
         </p:spPr>
         <p:txBody>
-          <a:bodyPr lIns="0" rIns="0" tIns="0" bIns="0">
+          <a:bodyPr lIns="0" tIns="0" rIns="0" bIns="0">
             <a:normAutofit/>
           </a:bodyPr>
-          <a:p>
-            <a:endParaRPr b="0" lang="en-US" sz="1400" spc="-1" strike="noStrike">
+          <a:lstStyle/>
+          <a:p>
+            <a:endParaRPr lang="en-US" sz="1400" b="0" strike="noStrike" spc="-1">
               <a:solidFill>
                 <a:srgbClr val="000000"/>
               </a:solidFill>
@@ -2695,11 +2923,12 @@
           </a:prstGeom>
         </p:spPr>
         <p:txBody>
-          <a:bodyPr lIns="0" rIns="0" tIns="0" bIns="0">
+          <a:bodyPr lIns="0" tIns="0" rIns="0" bIns="0">
             <a:normAutofit/>
           </a:bodyPr>
-          <a:p>
-            <a:endParaRPr b="0" lang="en-US" sz="1400" spc="-1" strike="noStrike">
+          <a:lstStyle/>
+          <a:p>
+            <a:endParaRPr lang="en-US" sz="1400" b="0" strike="noStrike" spc="-1">
               <a:solidFill>
                 <a:srgbClr val="000000"/>
               </a:solidFill>
@@ -2710,11 +2939,14 @@
       </p:sp>
     </p:spTree>
   </p:cSld>
+  <p:clrMapOvr>
+    <a:masterClrMapping/>
+  </p:clrMapOvr>
 </p:sldLayout>
 </file>
 
 <file path=ppt/slideLayouts/slideLayout9.xml><?xml version="1.0" encoding="utf-8"?>
-<p:sldLayout xmlns:a="http://schemas.openxmlformats.org/drawingml/2006/main" xmlns:p="http://schemas.openxmlformats.org/presentationml/2006/main" xmlns:r="http://schemas.openxmlformats.org/officeDocument/2006/relationships" xmlns:p14="http://schemas.microsoft.com/office/powerpoint/2010/main" xmlns:p15="http://schemas.microsoft.com/office/powerpoint/2012/main" xmlns:mc="http://schemas.openxmlformats.org/markup-compatibility/2006" type="twoObjOverTx" preserve="1">
+<p:sldLayout xmlns:a="http://schemas.openxmlformats.org/drawingml/2006/main" xmlns:r="http://schemas.openxmlformats.org/officeDocument/2006/relationships" xmlns:p="http://schemas.openxmlformats.org/presentationml/2006/main" type="twoObjOverTx" preserve="1">
   <p:cSld name="Title, 2 Content over Content">
     <p:spTree>
       <p:nvGrpSpPr>
@@ -2750,9 +2982,10 @@
           </a:prstGeom>
         </p:spPr>
         <p:txBody>
-          <a:bodyPr lIns="0" rIns="0" tIns="0" bIns="0" anchor="ctr"/>
-          <a:p>
-            <a:endParaRPr b="0" lang="en-US" sz="1400" spc="-1" strike="noStrike">
+          <a:bodyPr lIns="0" tIns="0" rIns="0" bIns="0" anchor="ctr"/>
+          <a:lstStyle/>
+          <a:p>
+            <a:endParaRPr lang="en-US" sz="1400" b="0" strike="noStrike" spc="-1">
               <a:solidFill>
                 <a:srgbClr val="000000"/>
               </a:solidFill>
@@ -2781,11 +3014,12 @@
           </a:prstGeom>
         </p:spPr>
         <p:txBody>
-          <a:bodyPr lIns="0" rIns="0" tIns="0" bIns="0">
+          <a:bodyPr lIns="0" tIns="0" rIns="0" bIns="0">
             <a:normAutofit/>
           </a:bodyPr>
-          <a:p>
-            <a:endParaRPr b="0" lang="en-US" sz="1400" spc="-1" strike="noStrike">
+          <a:lstStyle/>
+          <a:p>
+            <a:endParaRPr lang="en-US" sz="1400" b="0" strike="noStrike" spc="-1">
               <a:solidFill>
                 <a:srgbClr val="000000"/>
               </a:solidFill>
@@ -2814,11 +3048,12 @@
           </a:prstGeom>
         </p:spPr>
         <p:txBody>
-          <a:bodyPr lIns="0" rIns="0" tIns="0" bIns="0">
+          <a:bodyPr lIns="0" tIns="0" rIns="0" bIns="0">
             <a:normAutofit/>
           </a:bodyPr>
-          <a:p>
-            <a:endParaRPr b="0" lang="en-US" sz="1400" spc="-1" strike="noStrike">
+          <a:lstStyle/>
+          <a:p>
+            <a:endParaRPr lang="en-US" sz="1400" b="0" strike="noStrike" spc="-1">
               <a:solidFill>
                 <a:srgbClr val="000000"/>
               </a:solidFill>
@@ -2847,11 +3082,12 @@
           </a:prstGeom>
         </p:spPr>
         <p:txBody>
-          <a:bodyPr lIns="0" rIns="0" tIns="0" bIns="0">
+          <a:bodyPr lIns="0" tIns="0" rIns="0" bIns="0">
             <a:normAutofit/>
           </a:bodyPr>
-          <a:p>
-            <a:endParaRPr b="0" lang="en-US" sz="1400" spc="-1" strike="noStrike">
+          <a:lstStyle/>
+          <a:p>
+            <a:endParaRPr lang="en-US" sz="1400" b="0" strike="noStrike" spc="-1">
               <a:solidFill>
                 <a:srgbClr val="000000"/>
               </a:solidFill>
@@ -2862,17 +3098,21 @@
       </p:sp>
     </p:spTree>
   </p:cSld>
+  <p:clrMapOvr>
+    <a:masterClrMapping/>
+  </p:clrMapOvr>
 </p:sldLayout>
 </file>
 
 <file path=ppt/slideMasters/slideMaster1.xml><?xml version="1.0" encoding="utf-8"?>
-<p:sldMaster xmlns:a="http://schemas.openxmlformats.org/drawingml/2006/main" xmlns:p="http://schemas.openxmlformats.org/presentationml/2006/main" xmlns:r="http://schemas.openxmlformats.org/officeDocument/2006/relationships" xmlns:p14="http://schemas.microsoft.com/office/powerpoint/2010/main" xmlns:p15="http://schemas.microsoft.com/office/powerpoint/2012/main" xmlns:mc="http://schemas.openxmlformats.org/markup-compatibility/2006">
+<p:sldMaster xmlns:a="http://schemas.openxmlformats.org/drawingml/2006/main" xmlns:r="http://schemas.openxmlformats.org/officeDocument/2006/relationships" xmlns:p="http://schemas.openxmlformats.org/presentationml/2006/main">
   <p:cSld>
     <p:bg>
       <p:bgPr>
         <a:solidFill>
-          <a:srgbClr val="ffffff"/>
+          <a:srgbClr val="FFFFFF"/>
         </a:solidFill>
+        <a:effectLst/>
       </p:bgPr>
     </p:bg>
     <p:spTree>
@@ -2891,7 +3131,7 @@
       </p:grpSpPr>
       <p:sp>
         <p:nvSpPr>
-          <p:cNvPr id="0" name="PlaceHolder 1"/>
+          <p:cNvPr id="2" name="PlaceHolder 1"/>
           <p:cNvSpPr>
             <a:spLocks noGrp="1"/>
           </p:cNvSpPr>
@@ -2909,38 +3149,24 @@
           </a:prstGeom>
         </p:spPr>
         <p:txBody>
-          <a:bodyPr lIns="0" rIns="0" tIns="0" bIns="0" anchor="ctr"/>
-          <a:p>
-            <a:r>
-              <a:rPr b="0" lang="en-US" sz="4400" spc="-1" strike="noStrike">
+          <a:bodyPr lIns="0" tIns="0" rIns="0" bIns="0" anchor="ctr"/>
+          <a:lstStyle/>
+          <a:p>
+            <a:r>
+              <a:rPr lang="en-US" sz="4400" b="0" strike="noStrike" spc="-1">
                 <a:solidFill>
                   <a:srgbClr val="000000"/>
                 </a:solidFill>
                 <a:latin typeface="Arial"/>
               </a:rPr>
-              <a:t>제목 텍스트의 서식을 편집하려면 클릭하십시오</a:t>
-            </a:r>
-            <a:r>
-              <a:rPr b="0" lang="en-US" sz="4400" spc="-1" strike="noStrike">
-                <a:solidFill>
-                  <a:srgbClr val="000000"/>
-                </a:solidFill>
-                <a:latin typeface="Arial"/>
-              </a:rPr>
-              <a:t>.</a:t>
-            </a:r>
-            <a:endParaRPr b="0" lang="en-US" sz="4400" spc="-1" strike="noStrike">
-              <a:solidFill>
-                <a:srgbClr val="000000"/>
-              </a:solidFill>
-              <a:latin typeface="Arial"/>
-            </a:endParaRPr>
-          </a:p>
-        </p:txBody>
-      </p:sp>
-      <p:sp>
-        <p:nvSpPr>
-          <p:cNvPr id="1" name="PlaceHolder 2"/>
+              <a:t>제목 텍스트의 서식을 편집하려면 클릭하십시오.</a:t>
+            </a:r>
+          </a:p>
+        </p:txBody>
+      </p:sp>
+      <p:sp>
+        <p:nvSpPr>
+          <p:cNvPr id="3" name="PlaceHolder 2"/>
           <p:cNvSpPr>
             <a:spLocks noGrp="1"/>
           </p:cNvSpPr>
@@ -2958,9 +3184,10 @@
           </a:prstGeom>
         </p:spPr>
         <p:txBody>
-          <a:bodyPr lIns="0" rIns="0" tIns="0" bIns="0">
+          <a:bodyPr lIns="0" tIns="0" rIns="0" bIns="0">
             <a:normAutofit/>
           </a:bodyPr>
+          <a:lstStyle/>
           <a:p>
             <a:pPr marL="432000" indent="-324000">
               <a:spcBef>
@@ -2974,7 +3201,7 @@
               <a:buChar char=""/>
             </a:pPr>
             <a:r>
-              <a:rPr b="0" lang="en-US" sz="1400" spc="-1" strike="noStrike">
+              <a:rPr lang="en-US" sz="1400" b="0" strike="noStrike" spc="-1">
                 <a:solidFill>
                   <a:srgbClr val="000000"/>
                 </a:solidFill>
@@ -2982,15 +3209,9 @@
               </a:rPr>
               <a:t>개요 텍스트의 서식을 편집하려면 클릭하십시오</a:t>
             </a:r>
-            <a:endParaRPr b="0" lang="en-US" sz="1400" spc="-1" strike="noStrike">
-              <a:solidFill>
-                <a:srgbClr val="000000"/>
-              </a:solidFill>
-              <a:latin typeface="Arial"/>
-            </a:endParaRPr>
-          </a:p>
-          <a:p>
-            <a:pPr lvl="1" marL="864000" indent="-324000">
+          </a:p>
+          <a:p>
+            <a:pPr marL="864000" lvl="1" indent="-324000">
               <a:spcBef>
                 <a:spcPts val="1134"/>
               </a:spcBef>
@@ -3002,32 +3223,17 @@
               <a:buChar char=""/>
             </a:pPr>
             <a:r>
-              <a:rPr b="0" lang="en-US" sz="1400" spc="-1" strike="noStrike">
+              <a:rPr lang="en-US" sz="1400" b="0" strike="noStrike" spc="-1">
                 <a:solidFill>
                   <a:srgbClr val="000000"/>
                 </a:solidFill>
                 <a:latin typeface="Arial"/>
               </a:rPr>
-              <a:t>2</a:t>
-            </a:r>
-            <a:r>
-              <a:rPr b="0" lang="en-US" sz="1400" spc="-1" strike="noStrike">
-                <a:solidFill>
-                  <a:srgbClr val="000000"/>
-                </a:solidFill>
-                <a:latin typeface="Arial"/>
-              </a:rPr>
-              <a:t>번째 개요 수준</a:t>
-            </a:r>
-            <a:endParaRPr b="0" lang="en-US" sz="1400" spc="-1" strike="noStrike">
-              <a:solidFill>
-                <a:srgbClr val="000000"/>
-              </a:solidFill>
-              <a:latin typeface="Arial"/>
-            </a:endParaRPr>
-          </a:p>
-          <a:p>
-            <a:pPr lvl="2" marL="1296000" indent="-288000">
+              <a:t>2번째 개요 수준</a:t>
+            </a:r>
+          </a:p>
+          <a:p>
+            <a:pPr marL="1296000" lvl="2" indent="-288000">
               <a:spcBef>
                 <a:spcPts val="850"/>
               </a:spcBef>
@@ -3039,32 +3245,17 @@
               <a:buChar char=""/>
             </a:pPr>
             <a:r>
-              <a:rPr b="0" lang="en-US" sz="1400" spc="-1" strike="noStrike">
+              <a:rPr lang="en-US" sz="1400" b="0" strike="noStrike" spc="-1">
                 <a:solidFill>
                   <a:srgbClr val="000000"/>
                 </a:solidFill>
                 <a:latin typeface="Arial"/>
               </a:rPr>
-              <a:t>3</a:t>
-            </a:r>
-            <a:r>
-              <a:rPr b="0" lang="en-US" sz="1400" spc="-1" strike="noStrike">
-                <a:solidFill>
-                  <a:srgbClr val="000000"/>
-                </a:solidFill>
-                <a:latin typeface="Arial"/>
-              </a:rPr>
-              <a:t>번째 개요 수준</a:t>
-            </a:r>
-            <a:endParaRPr b="0" lang="en-US" sz="1400" spc="-1" strike="noStrike">
-              <a:solidFill>
-                <a:srgbClr val="000000"/>
-              </a:solidFill>
-              <a:latin typeface="Arial"/>
-            </a:endParaRPr>
-          </a:p>
-          <a:p>
-            <a:pPr lvl="3" marL="1728000" indent="-216000">
+              <a:t>3번째 개요 수준</a:t>
+            </a:r>
+          </a:p>
+          <a:p>
+            <a:pPr marL="1728000" lvl="3" indent="-216000">
               <a:spcBef>
                 <a:spcPts val="567"/>
               </a:spcBef>
@@ -3076,32 +3267,17 @@
               <a:buChar char=""/>
             </a:pPr>
             <a:r>
-              <a:rPr b="0" lang="en-US" sz="1400" spc="-1" strike="noStrike">
+              <a:rPr lang="en-US" sz="1400" b="0" strike="noStrike" spc="-1">
                 <a:solidFill>
                   <a:srgbClr val="000000"/>
                 </a:solidFill>
                 <a:latin typeface="Arial"/>
               </a:rPr>
-              <a:t>4</a:t>
-            </a:r>
-            <a:r>
-              <a:rPr b="0" lang="en-US" sz="1400" spc="-1" strike="noStrike">
-                <a:solidFill>
-                  <a:srgbClr val="000000"/>
-                </a:solidFill>
-                <a:latin typeface="Arial"/>
-              </a:rPr>
-              <a:t>번째 개요 수준</a:t>
-            </a:r>
-            <a:endParaRPr b="0" lang="en-US" sz="1400" spc="-1" strike="noStrike">
-              <a:solidFill>
-                <a:srgbClr val="000000"/>
-              </a:solidFill>
-              <a:latin typeface="Arial"/>
-            </a:endParaRPr>
-          </a:p>
-          <a:p>
-            <a:pPr lvl="4" marL="2160000" indent="-216000">
+              <a:t>4번째 개요 수준</a:t>
+            </a:r>
+          </a:p>
+          <a:p>
+            <a:pPr marL="2160000" lvl="4" indent="-216000">
               <a:spcBef>
                 <a:spcPts val="283"/>
               </a:spcBef>
@@ -3113,32 +3289,17 @@
               <a:buChar char=""/>
             </a:pPr>
             <a:r>
-              <a:rPr b="0" lang="en-US" sz="2000" spc="-1" strike="noStrike">
+              <a:rPr lang="en-US" sz="2000" b="0" strike="noStrike" spc="-1">
                 <a:solidFill>
                   <a:srgbClr val="000000"/>
                 </a:solidFill>
                 <a:latin typeface="Arial"/>
               </a:rPr>
-              <a:t>5</a:t>
-            </a:r>
-            <a:r>
-              <a:rPr b="0" lang="en-US" sz="2000" spc="-1" strike="noStrike">
-                <a:solidFill>
-                  <a:srgbClr val="000000"/>
-                </a:solidFill>
-                <a:latin typeface="Arial"/>
-              </a:rPr>
-              <a:t>번째 개요 수준</a:t>
-            </a:r>
-            <a:endParaRPr b="0" lang="en-US" sz="2000" spc="-1" strike="noStrike">
-              <a:solidFill>
-                <a:srgbClr val="000000"/>
-              </a:solidFill>
-              <a:latin typeface="Arial"/>
-            </a:endParaRPr>
-          </a:p>
-          <a:p>
-            <a:pPr lvl="5" marL="2592000" indent="-216000">
+              <a:t>5번째 개요 수준</a:t>
+            </a:r>
+          </a:p>
+          <a:p>
+            <a:pPr marL="2592000" lvl="5" indent="-216000">
               <a:spcBef>
                 <a:spcPts val="283"/>
               </a:spcBef>
@@ -3150,32 +3311,17 @@
               <a:buChar char=""/>
             </a:pPr>
             <a:r>
-              <a:rPr b="0" lang="en-US" sz="2000" spc="-1" strike="noStrike">
+              <a:rPr lang="en-US" sz="2000" b="0" strike="noStrike" spc="-1">
                 <a:solidFill>
                   <a:srgbClr val="000000"/>
                 </a:solidFill>
                 <a:latin typeface="Arial"/>
               </a:rPr>
-              <a:t>6</a:t>
-            </a:r>
-            <a:r>
-              <a:rPr b="0" lang="en-US" sz="2000" spc="-1" strike="noStrike">
-                <a:solidFill>
-                  <a:srgbClr val="000000"/>
-                </a:solidFill>
-                <a:latin typeface="Arial"/>
-              </a:rPr>
-              <a:t>번째 개요 수준</a:t>
-            </a:r>
-            <a:endParaRPr b="0" lang="en-US" sz="2000" spc="-1" strike="noStrike">
-              <a:solidFill>
-                <a:srgbClr val="000000"/>
-              </a:solidFill>
-              <a:latin typeface="Arial"/>
-            </a:endParaRPr>
-          </a:p>
-          <a:p>
-            <a:pPr lvl="6" marL="3024000" indent="-216000">
+              <a:t>6번째 개요 수준</a:t>
+            </a:r>
+          </a:p>
+          <a:p>
+            <a:pPr marL="3024000" lvl="6" indent="-216000">
               <a:spcBef>
                 <a:spcPts val="283"/>
               </a:spcBef>
@@ -3187,60 +3333,51 @@
               <a:buChar char=""/>
             </a:pPr>
             <a:r>
-              <a:rPr b="0" lang="en-US" sz="2000" spc="-1" strike="noStrike">
+              <a:rPr lang="en-US" sz="2000" b="0" strike="noStrike" spc="-1">
                 <a:solidFill>
                   <a:srgbClr val="000000"/>
                 </a:solidFill>
                 <a:latin typeface="Arial"/>
               </a:rPr>
-              <a:t>7</a:t>
-            </a:r>
-            <a:r>
-              <a:rPr b="0" lang="en-US" sz="2000" spc="-1" strike="noStrike">
-                <a:solidFill>
-                  <a:srgbClr val="000000"/>
-                </a:solidFill>
-                <a:latin typeface="Arial"/>
-              </a:rPr>
-              <a:t>번째 개요 수준</a:t>
-            </a:r>
-            <a:endParaRPr b="0" lang="en-US" sz="2000" spc="-1" strike="noStrike">
-              <a:solidFill>
-                <a:srgbClr val="000000"/>
-              </a:solidFill>
-              <a:latin typeface="Arial"/>
-            </a:endParaRPr>
+              <a:t>7번째 개요 수준</a:t>
+            </a:r>
           </a:p>
         </p:txBody>
       </p:sp>
     </p:spTree>
   </p:cSld>
-  <p:clrMap bg1="lt1" bg2="lt2" tx1="dk1" tx2="dk2" accent1="accent1" accent2="accent2" accent3="accent3" accent4="accent4" accent5="accent5" accent6="accent6" hlink="hlink" folHlink="folHlink"/>
+  <p:clrMap bg1="lt1" tx1="dk1" bg2="lt2" tx2="dk2" accent1="accent1" accent2="accent2" accent3="accent3" accent4="accent4" accent5="accent5" accent6="accent6" hlink="hlink" folHlink="folHlink"/>
   <p:sldLayoutIdLst>
-    <p:sldLayoutId id="2147483649" r:id="rId2"/>
-    <p:sldLayoutId id="2147483650" r:id="rId3"/>
-    <p:sldLayoutId id="2147483651" r:id="rId4"/>
-    <p:sldLayoutId id="2147483652" r:id="rId5"/>
-    <p:sldLayoutId id="2147483653" r:id="rId6"/>
-    <p:sldLayoutId id="2147483654" r:id="rId7"/>
-    <p:sldLayoutId id="2147483655" r:id="rId8"/>
-    <p:sldLayoutId id="2147483656" r:id="rId9"/>
-    <p:sldLayoutId id="2147483657" r:id="rId10"/>
-    <p:sldLayoutId id="2147483658" r:id="rId11"/>
-    <p:sldLayoutId id="2147483659" r:id="rId12"/>
-    <p:sldLayoutId id="2147483660" r:id="rId13"/>
+    <p:sldLayoutId id="2147483649" r:id="rId1"/>
+    <p:sldLayoutId id="2147483650" r:id="rId2"/>
+    <p:sldLayoutId id="2147483651" r:id="rId3"/>
+    <p:sldLayoutId id="2147483652" r:id="rId4"/>
+    <p:sldLayoutId id="2147483653" r:id="rId5"/>
+    <p:sldLayoutId id="2147483654" r:id="rId6"/>
+    <p:sldLayoutId id="2147483655" r:id="rId7"/>
+    <p:sldLayoutId id="2147483656" r:id="rId8"/>
+    <p:sldLayoutId id="2147483657" r:id="rId9"/>
+    <p:sldLayoutId id="2147483658" r:id="rId10"/>
+    <p:sldLayoutId id="2147483659" r:id="rId11"/>
+    <p:sldLayoutId id="2147483660" r:id="rId12"/>
   </p:sldLayoutIdLst>
+  <p:txStyles>
+    <p:titleStyle/>
+    <p:bodyStyle/>
+    <p:otherStyle/>
+  </p:txStyles>
 </p:sldMaster>
 </file>
 
 <file path=ppt/slideMasters/slideMaster2.xml><?xml version="1.0" encoding="utf-8"?>
-<p:sldMaster xmlns:a="http://schemas.openxmlformats.org/drawingml/2006/main" xmlns:p="http://schemas.openxmlformats.org/presentationml/2006/main" xmlns:r="http://schemas.openxmlformats.org/officeDocument/2006/relationships" xmlns:p14="http://schemas.microsoft.com/office/powerpoint/2010/main" xmlns:p15="http://schemas.microsoft.com/office/powerpoint/2012/main" xmlns:mc="http://schemas.openxmlformats.org/markup-compatibility/2006">
+<p:sldMaster xmlns:a="http://schemas.openxmlformats.org/drawingml/2006/main" xmlns:r="http://schemas.openxmlformats.org/officeDocument/2006/relationships" xmlns:p="http://schemas.openxmlformats.org/presentationml/2006/main">
   <p:cSld>
     <p:bg>
       <p:bgPr>
         <a:solidFill>
-          <a:srgbClr val="ffffff"/>
+          <a:srgbClr val="FFFFFF"/>
         </a:solidFill>
+        <a:effectLst/>
       </p:bgPr>
     </p:bg>
     <p:spTree>
@@ -3277,32 +3414,18 @@
           </a:prstGeom>
         </p:spPr>
         <p:txBody>
-          <a:bodyPr lIns="0" rIns="0" tIns="0" bIns="0" anchor="ctr"/>
-          <a:p>
-            <a:r>
-              <a:rPr b="0" lang="en-US" sz="1400" spc="-1" strike="noStrike">
+          <a:bodyPr lIns="0" tIns="0" rIns="0" bIns="0" anchor="ctr"/>
+          <a:lstStyle/>
+          <a:p>
+            <a:r>
+              <a:rPr lang="en-US" sz="1400" b="0" strike="noStrike" spc="-1">
                 <a:solidFill>
                   <a:srgbClr val="000000"/>
                 </a:solidFill>
                 <a:latin typeface="Arial"/>
               </a:rPr>
-              <a:t>제목 텍스트의 서식을 편집하려면 클릭하십시오</a:t>
-            </a:r>
-            <a:r>
-              <a:rPr b="0" lang="en-US" sz="1400" spc="-1" strike="noStrike">
-                <a:solidFill>
-                  <a:srgbClr val="000000"/>
-                </a:solidFill>
-                <a:latin typeface="Arial"/>
-              </a:rPr>
-              <a:t>.</a:t>
-            </a:r>
-            <a:endParaRPr b="0" lang="en-US" sz="1400" spc="-1" strike="noStrike">
-              <a:solidFill>
-                <a:srgbClr val="000000"/>
-              </a:solidFill>
-              <a:latin typeface="Arial"/>
-            </a:endParaRPr>
+              <a:t>제목 텍스트의 서식을 편집하려면 클릭하십시오.</a:t>
+            </a:r>
           </a:p>
         </p:txBody>
       </p:sp>
@@ -3326,9 +3449,10 @@
           </a:prstGeom>
         </p:spPr>
         <p:txBody>
-          <a:bodyPr lIns="0" rIns="0" tIns="0" bIns="0">
+          <a:bodyPr lIns="0" tIns="0" rIns="0" bIns="0">
             <a:normAutofit/>
           </a:bodyPr>
+          <a:lstStyle/>
           <a:p>
             <a:pPr marL="432000" indent="-324000">
               <a:spcBef>
@@ -3342,7 +3466,7 @@
               <a:buChar char=""/>
             </a:pPr>
             <a:r>
-              <a:rPr b="0" lang="en-US" sz="1400" spc="-1" strike="noStrike">
+              <a:rPr lang="en-US" sz="1400" b="0" strike="noStrike" spc="-1">
                 <a:solidFill>
                   <a:srgbClr val="000000"/>
                 </a:solidFill>
@@ -3350,15 +3474,9 @@
               </a:rPr>
               <a:t>개요 텍스트의 서식을 편집하려면 클릭하십시오</a:t>
             </a:r>
-            <a:endParaRPr b="0" lang="en-US" sz="1400" spc="-1" strike="noStrike">
-              <a:solidFill>
-                <a:srgbClr val="000000"/>
-              </a:solidFill>
-              <a:latin typeface="Arial"/>
-            </a:endParaRPr>
-          </a:p>
-          <a:p>
-            <a:pPr lvl="1" marL="864000" indent="-324000">
+          </a:p>
+          <a:p>
+            <a:pPr marL="864000" lvl="1" indent="-324000">
               <a:spcBef>
                 <a:spcPts val="1134"/>
               </a:spcBef>
@@ -3370,32 +3488,17 @@
               <a:buChar char=""/>
             </a:pPr>
             <a:r>
-              <a:rPr b="0" lang="en-US" sz="1400" spc="-1" strike="noStrike">
+              <a:rPr lang="en-US" sz="1400" b="0" strike="noStrike" spc="-1">
                 <a:solidFill>
                   <a:srgbClr val="000000"/>
                 </a:solidFill>
                 <a:latin typeface="Arial"/>
               </a:rPr>
-              <a:t>2</a:t>
-            </a:r>
-            <a:r>
-              <a:rPr b="0" lang="en-US" sz="1400" spc="-1" strike="noStrike">
-                <a:solidFill>
-                  <a:srgbClr val="000000"/>
-                </a:solidFill>
-                <a:latin typeface="Arial"/>
-              </a:rPr>
-              <a:t>번째 개요 수준</a:t>
-            </a:r>
-            <a:endParaRPr b="0" lang="en-US" sz="1400" spc="-1" strike="noStrike">
-              <a:solidFill>
-                <a:srgbClr val="000000"/>
-              </a:solidFill>
-              <a:latin typeface="Arial"/>
-            </a:endParaRPr>
-          </a:p>
-          <a:p>
-            <a:pPr lvl="2" marL="1296000" indent="-288000">
+              <a:t>2번째 개요 수준</a:t>
+            </a:r>
+          </a:p>
+          <a:p>
+            <a:pPr marL="1296000" lvl="2" indent="-288000">
               <a:spcBef>
                 <a:spcPts val="850"/>
               </a:spcBef>
@@ -3407,32 +3510,17 @@
               <a:buChar char=""/>
             </a:pPr>
             <a:r>
-              <a:rPr b="0" lang="en-US" sz="1400" spc="-1" strike="noStrike">
+              <a:rPr lang="en-US" sz="1400" b="0" strike="noStrike" spc="-1">
                 <a:solidFill>
                   <a:srgbClr val="000000"/>
                 </a:solidFill>
                 <a:latin typeface="Arial"/>
               </a:rPr>
-              <a:t>3</a:t>
-            </a:r>
-            <a:r>
-              <a:rPr b="0" lang="en-US" sz="1400" spc="-1" strike="noStrike">
-                <a:solidFill>
-                  <a:srgbClr val="000000"/>
-                </a:solidFill>
-                <a:latin typeface="Arial"/>
-              </a:rPr>
-              <a:t>번째 개요 수준</a:t>
-            </a:r>
-            <a:endParaRPr b="0" lang="en-US" sz="1400" spc="-1" strike="noStrike">
-              <a:solidFill>
-                <a:srgbClr val="000000"/>
-              </a:solidFill>
-              <a:latin typeface="Arial"/>
-            </a:endParaRPr>
-          </a:p>
-          <a:p>
-            <a:pPr lvl="3" marL="1728000" indent="-216000">
+              <a:t>3번째 개요 수준</a:t>
+            </a:r>
+          </a:p>
+          <a:p>
+            <a:pPr marL="1728000" lvl="3" indent="-216000">
               <a:spcBef>
                 <a:spcPts val="567"/>
               </a:spcBef>
@@ -3444,32 +3532,17 @@
               <a:buChar char=""/>
             </a:pPr>
             <a:r>
-              <a:rPr b="0" lang="en-US" sz="1400" spc="-1" strike="noStrike">
+              <a:rPr lang="en-US" sz="1400" b="0" strike="noStrike" spc="-1">
                 <a:solidFill>
                   <a:srgbClr val="000000"/>
                 </a:solidFill>
                 <a:latin typeface="Arial"/>
               </a:rPr>
-              <a:t>4</a:t>
-            </a:r>
-            <a:r>
-              <a:rPr b="0" lang="en-US" sz="1400" spc="-1" strike="noStrike">
-                <a:solidFill>
-                  <a:srgbClr val="000000"/>
-                </a:solidFill>
-                <a:latin typeface="Arial"/>
-              </a:rPr>
-              <a:t>번째 개요 수준</a:t>
-            </a:r>
-            <a:endParaRPr b="0" lang="en-US" sz="1400" spc="-1" strike="noStrike">
-              <a:solidFill>
-                <a:srgbClr val="000000"/>
-              </a:solidFill>
-              <a:latin typeface="Arial"/>
-            </a:endParaRPr>
-          </a:p>
-          <a:p>
-            <a:pPr lvl="4" marL="2160000" indent="-216000">
+              <a:t>4번째 개요 수준</a:t>
+            </a:r>
+          </a:p>
+          <a:p>
+            <a:pPr marL="2160000" lvl="4" indent="-216000">
               <a:spcBef>
                 <a:spcPts val="283"/>
               </a:spcBef>
@@ -3481,32 +3554,17 @@
               <a:buChar char=""/>
             </a:pPr>
             <a:r>
-              <a:rPr b="0" lang="en-US" sz="2000" spc="-1" strike="noStrike">
+              <a:rPr lang="en-US" sz="2000" b="0" strike="noStrike" spc="-1">
                 <a:solidFill>
                   <a:srgbClr val="000000"/>
                 </a:solidFill>
                 <a:latin typeface="Arial"/>
               </a:rPr>
-              <a:t>5</a:t>
-            </a:r>
-            <a:r>
-              <a:rPr b="0" lang="en-US" sz="2000" spc="-1" strike="noStrike">
-                <a:solidFill>
-                  <a:srgbClr val="000000"/>
-                </a:solidFill>
-                <a:latin typeface="Arial"/>
-              </a:rPr>
-              <a:t>번째 개요 수준</a:t>
-            </a:r>
-            <a:endParaRPr b="0" lang="en-US" sz="2000" spc="-1" strike="noStrike">
-              <a:solidFill>
-                <a:srgbClr val="000000"/>
-              </a:solidFill>
-              <a:latin typeface="Arial"/>
-            </a:endParaRPr>
-          </a:p>
-          <a:p>
-            <a:pPr lvl="5" marL="2592000" indent="-216000">
+              <a:t>5번째 개요 수준</a:t>
+            </a:r>
+          </a:p>
+          <a:p>
+            <a:pPr marL="2592000" lvl="5" indent="-216000">
               <a:spcBef>
                 <a:spcPts val="283"/>
               </a:spcBef>
@@ -3518,32 +3576,17 @@
               <a:buChar char=""/>
             </a:pPr>
             <a:r>
-              <a:rPr b="0" lang="en-US" sz="2000" spc="-1" strike="noStrike">
+              <a:rPr lang="en-US" sz="2000" b="0" strike="noStrike" spc="-1">
                 <a:solidFill>
                   <a:srgbClr val="000000"/>
                 </a:solidFill>
                 <a:latin typeface="Arial"/>
               </a:rPr>
-              <a:t>6</a:t>
-            </a:r>
-            <a:r>
-              <a:rPr b="0" lang="en-US" sz="2000" spc="-1" strike="noStrike">
-                <a:solidFill>
-                  <a:srgbClr val="000000"/>
-                </a:solidFill>
-                <a:latin typeface="Arial"/>
-              </a:rPr>
-              <a:t>번째 개요 수준</a:t>
-            </a:r>
-            <a:endParaRPr b="0" lang="en-US" sz="2000" spc="-1" strike="noStrike">
-              <a:solidFill>
-                <a:srgbClr val="000000"/>
-              </a:solidFill>
-              <a:latin typeface="Arial"/>
-            </a:endParaRPr>
-          </a:p>
-          <a:p>
-            <a:pPr lvl="6" marL="3024000" indent="-216000">
+              <a:t>6번째 개요 수준</a:t>
+            </a:r>
+          </a:p>
+          <a:p>
+            <a:pPr marL="3024000" lvl="6" indent="-216000">
               <a:spcBef>
                 <a:spcPts val="283"/>
               </a:spcBef>
@@ -3555,54 +3598,44 @@
               <a:buChar char=""/>
             </a:pPr>
             <a:r>
-              <a:rPr b="0" lang="en-US" sz="2000" spc="-1" strike="noStrike">
+              <a:rPr lang="en-US" sz="2000" b="0" strike="noStrike" spc="-1">
                 <a:solidFill>
                   <a:srgbClr val="000000"/>
                 </a:solidFill>
                 <a:latin typeface="Arial"/>
               </a:rPr>
-              <a:t>7</a:t>
-            </a:r>
-            <a:r>
-              <a:rPr b="0" lang="en-US" sz="2000" spc="-1" strike="noStrike">
-                <a:solidFill>
-                  <a:srgbClr val="000000"/>
-                </a:solidFill>
-                <a:latin typeface="Arial"/>
-              </a:rPr>
-              <a:t>번째 개요 수준</a:t>
-            </a:r>
-            <a:endParaRPr b="0" lang="en-US" sz="2000" spc="-1" strike="noStrike">
-              <a:solidFill>
-                <a:srgbClr val="000000"/>
-              </a:solidFill>
-              <a:latin typeface="Arial"/>
-            </a:endParaRPr>
+              <a:t>7번째 개요 수준</a:t>
+            </a:r>
           </a:p>
         </p:txBody>
       </p:sp>
     </p:spTree>
   </p:cSld>
-  <p:clrMap bg1="lt1" bg2="lt2" tx1="dk1" tx2="dk2" accent1="accent1" accent2="accent2" accent3="accent3" accent4="accent4" accent5="accent5" accent6="accent6" hlink="hlink" folHlink="folHlink"/>
+  <p:clrMap bg1="lt1" tx1="dk1" bg2="lt2" tx2="dk2" accent1="accent1" accent2="accent2" accent3="accent3" accent4="accent4" accent5="accent5" accent6="accent6" hlink="hlink" folHlink="folHlink"/>
   <p:sldLayoutIdLst>
-    <p:sldLayoutId id="2147483662" r:id="rId2"/>
-    <p:sldLayoutId id="2147483663" r:id="rId3"/>
-    <p:sldLayoutId id="2147483664" r:id="rId4"/>
-    <p:sldLayoutId id="2147483665" r:id="rId5"/>
-    <p:sldLayoutId id="2147483666" r:id="rId6"/>
-    <p:sldLayoutId id="2147483667" r:id="rId7"/>
-    <p:sldLayoutId id="2147483668" r:id="rId8"/>
-    <p:sldLayoutId id="2147483669" r:id="rId9"/>
-    <p:sldLayoutId id="2147483670" r:id="rId10"/>
-    <p:sldLayoutId id="2147483671" r:id="rId11"/>
-    <p:sldLayoutId id="2147483672" r:id="rId12"/>
-    <p:sldLayoutId id="2147483673" r:id="rId13"/>
+    <p:sldLayoutId id="2147483662" r:id="rId1"/>
+    <p:sldLayoutId id="2147483663" r:id="rId2"/>
+    <p:sldLayoutId id="2147483664" r:id="rId3"/>
+    <p:sldLayoutId id="2147483665" r:id="rId4"/>
+    <p:sldLayoutId id="2147483666" r:id="rId5"/>
+    <p:sldLayoutId id="2147483667" r:id="rId6"/>
+    <p:sldLayoutId id="2147483668" r:id="rId7"/>
+    <p:sldLayoutId id="2147483669" r:id="rId8"/>
+    <p:sldLayoutId id="2147483670" r:id="rId9"/>
+    <p:sldLayoutId id="2147483671" r:id="rId10"/>
+    <p:sldLayoutId id="2147483672" r:id="rId11"/>
+    <p:sldLayoutId id="2147483673" r:id="rId12"/>
   </p:sldLayoutIdLst>
+  <p:txStyles>
+    <p:titleStyle/>
+    <p:bodyStyle/>
+    <p:otherStyle/>
+  </p:txStyles>
 </p:sldMaster>
 </file>
 
 <file path=ppt/slides/slide1.xml><?xml version="1.0" encoding="utf-8"?>
-<p:sld xmlns:a="http://schemas.openxmlformats.org/drawingml/2006/main" xmlns:p="http://schemas.openxmlformats.org/presentationml/2006/main" xmlns:r="http://schemas.openxmlformats.org/officeDocument/2006/relationships" xmlns:p14="http://schemas.microsoft.com/office/powerpoint/2010/main" xmlns:p15="http://schemas.microsoft.com/office/powerpoint/2012/main" xmlns:mc="http://schemas.openxmlformats.org/markup-compatibility/2006">
+<p:sld xmlns:a="http://schemas.openxmlformats.org/drawingml/2006/main" xmlns:r="http://schemas.openxmlformats.org/officeDocument/2006/relationships" xmlns:p="http://schemas.openxmlformats.org/presentationml/2006/main">
   <p:cSld>
     <p:spTree>
       <p:nvGrpSpPr>
@@ -3638,13 +3671,20 @@
           </a:ln>
         </p:spPr>
         <p:style>
-          <a:lnRef idx="0"/>
-          <a:fillRef idx="0"/>
-          <a:effectRef idx="0"/>
+          <a:lnRef idx="0">
+            <a:scrgbClr r="0" g="0" b="0"/>
+          </a:lnRef>
+          <a:fillRef idx="0">
+            <a:scrgbClr r="0" g="0" b="0"/>
+          </a:fillRef>
+          <a:effectRef idx="0">
+            <a:scrgbClr r="0" g="0" b="0"/>
+          </a:effectRef>
           <a:fontRef idx="minor"/>
         </p:style>
         <p:txBody>
           <a:bodyPr anchor="b"/>
+          <a:lstStyle/>
           <a:p>
             <a:pPr algn="ctr">
               <a:lnSpc>
@@ -3652,7 +3692,7 @@
               </a:lnSpc>
             </a:pPr>
             <a:r>
-              <a:rPr b="0" lang="en-US" sz="6000" spc="-1" strike="noStrike">
+              <a:rPr lang="en-US" sz="6000" b="0" strike="noStrike" spc="-1">
                 <a:solidFill>
                   <a:srgbClr val="000000"/>
                 </a:solidFill>
@@ -3661,7 +3701,7 @@
               </a:rPr>
               <a:t>EZEN CROWD FUNDING</a:t>
             </a:r>
-            <a:endParaRPr b="0" lang="en-US" sz="6000" spc="-1" strike="noStrike">
+            <a:endParaRPr lang="en-US" sz="6000" b="0" strike="noStrike" spc="-1">
               <a:latin typeface="Noto Sans CJK JP"/>
             </a:endParaRPr>
           </a:p>
@@ -3687,13 +3727,20 @@
           </a:ln>
         </p:spPr>
         <p:style>
-          <a:lnRef idx="0"/>
-          <a:fillRef idx="0"/>
-          <a:effectRef idx="0"/>
+          <a:lnRef idx="0">
+            <a:scrgbClr r="0" g="0" b="0"/>
+          </a:lnRef>
+          <a:fillRef idx="0">
+            <a:scrgbClr r="0" g="0" b="0"/>
+          </a:fillRef>
+          <a:effectRef idx="0">
+            <a:scrgbClr r="0" g="0" b="0"/>
+          </a:effectRef>
           <a:fontRef idx="minor"/>
         </p:style>
         <p:txBody>
           <a:bodyPr/>
+          <a:lstStyle/>
           <a:p>
             <a:pPr algn="ctr">
               <a:lnSpc>
@@ -3701,7 +3748,7 @@
               </a:lnSpc>
             </a:pPr>
             <a:r>
-              <a:rPr b="0" lang="en-US" sz="2400" spc="-1" strike="noStrike">
+              <a:rPr lang="en-US" sz="2400" b="0" strike="noStrike" spc="-1">
                 <a:solidFill>
                   <a:srgbClr val="000000"/>
                 </a:solidFill>
@@ -3710,7 +3757,7 @@
               </a:rPr>
               <a:t>기능 정리</a:t>
             </a:r>
-            <a:endParaRPr b="0" lang="en-US" sz="2400" spc="-1" strike="noStrike">
+            <a:endParaRPr lang="en-US" sz="2400" b="0" strike="noStrike" spc="-1">
               <a:latin typeface="Noto Sans CJK JP"/>
             </a:endParaRPr>
           </a:p>
@@ -3718,6 +3765,9 @@
       </p:sp>
     </p:spTree>
   </p:cSld>
+  <p:clrMapOvr>
+    <a:masterClrMapping/>
+  </p:clrMapOvr>
   <p:timing>
     <p:tnLst>
       <p:par>
@@ -3726,14 +3776,14 @@
             <p:seq>
               <p:cTn id="2" dur="indefinite" nodeType="mainSeq"/>
               <p:prevCondLst>
-                <p:cond delay="0" evt="onPrev">
+                <p:cond evt="onPrev" delay="0">
                   <p:tgtEl>
                     <p:sldTgt/>
                   </p:tgtEl>
                 </p:cond>
               </p:prevCondLst>
               <p:nextCondLst>
-                <p:cond delay="0" evt="onNext">
+                <p:cond evt="onNext" delay="0">
                   <p:tgtEl>
                     <p:sldTgt/>
                   </p:tgtEl>
@@ -3749,7 +3799,7 @@
 </file>
 
 <file path=ppt/slides/slide2.xml><?xml version="1.0" encoding="utf-8"?>
-<p:sld xmlns:a="http://schemas.openxmlformats.org/drawingml/2006/main" xmlns:p="http://schemas.openxmlformats.org/presentationml/2006/main" xmlns:r="http://schemas.openxmlformats.org/officeDocument/2006/relationships" xmlns:p14="http://schemas.microsoft.com/office/powerpoint/2010/main" xmlns:p15="http://schemas.microsoft.com/office/powerpoint/2012/main" xmlns:mc="http://schemas.openxmlformats.org/markup-compatibility/2006">
+<p:sld xmlns:a="http://schemas.openxmlformats.org/drawingml/2006/main" xmlns:r="http://schemas.openxmlformats.org/officeDocument/2006/relationships" xmlns:p="http://schemas.openxmlformats.org/presentationml/2006/main">
   <p:cSld>
     <p:spTree>
       <p:nvGrpSpPr>
@@ -3785,13 +3835,20 @@
           </a:ln>
         </p:spPr>
         <p:style>
-          <a:lnRef idx="0"/>
-          <a:fillRef idx="0"/>
-          <a:effectRef idx="0"/>
+          <a:lnRef idx="0">
+            <a:scrgbClr r="0" g="0" b="0"/>
+          </a:lnRef>
+          <a:fillRef idx="0">
+            <a:scrgbClr r="0" g="0" b="0"/>
+          </a:fillRef>
+          <a:effectRef idx="0">
+            <a:scrgbClr r="0" g="0" b="0"/>
+          </a:effectRef>
           <a:fontRef idx="minor"/>
         </p:style>
         <p:txBody>
           <a:bodyPr anchor="ctr"/>
+          <a:lstStyle/>
           <a:p>
             <a:pPr>
               <a:lnSpc>
@@ -3799,7 +3856,7 @@
               </a:lnSpc>
             </a:pPr>
             <a:r>
-              <a:rPr b="0" lang="en-US" sz="4400" spc="-1" strike="noStrike">
+              <a:rPr lang="en-US" sz="4400" b="0" strike="noStrike" spc="-1">
                 <a:solidFill>
                   <a:srgbClr val="000000"/>
                 </a:solidFill>
@@ -3808,7 +3865,7 @@
               </a:rPr>
               <a:t>사용자 기능</a:t>
             </a:r>
-            <a:endParaRPr b="0" lang="en-US" sz="4400" spc="-1" strike="noStrike">
+            <a:endParaRPr lang="en-US" sz="4400" b="0" strike="noStrike" spc="-1">
               <a:latin typeface="Noto Sans CJK JP"/>
             </a:endParaRPr>
           </a:p>
@@ -3834,13 +3891,20 @@
           </a:ln>
         </p:spPr>
         <p:style>
-          <a:lnRef idx="0"/>
-          <a:fillRef idx="0"/>
-          <a:effectRef idx="0"/>
+          <a:lnRef idx="0">
+            <a:scrgbClr r="0" g="0" b="0"/>
+          </a:lnRef>
+          <a:fillRef idx="0">
+            <a:scrgbClr r="0" g="0" b="0"/>
+          </a:fillRef>
+          <a:effectRef idx="0">
+            <a:scrgbClr r="0" g="0" b="0"/>
+          </a:effectRef>
           <a:fontRef idx="minor"/>
         </p:style>
         <p:txBody>
           <a:bodyPr/>
+          <a:lstStyle/>
           <a:p>
             <a:pPr marL="228600" indent="-227880">
               <a:lnSpc>
@@ -3853,46 +3917,16 @@
               <a:buChar char="•"/>
             </a:pPr>
             <a:r>
-              <a:rPr b="0" lang="en-US" sz="2800" spc="-1" strike="noStrike">
+              <a:rPr lang="en-US" sz="2800" b="0" strike="noStrike" spc="-1">
                 <a:solidFill>
                   <a:srgbClr val="000000"/>
                 </a:solidFill>
                 <a:latin typeface="Malgun Gothic"/>
                 <a:ea typeface="Malgun Gothic"/>
               </a:rPr>
-              <a:t>상품 등록</a:t>
-            </a:r>
-            <a:r>
-              <a:rPr b="0" lang="en-US" sz="2800" spc="-1" strike="noStrike">
-                <a:solidFill>
-                  <a:srgbClr val="000000"/>
-                </a:solidFill>
-                <a:latin typeface="Malgun Gothic"/>
-                <a:ea typeface="Malgun Gothic"/>
-              </a:rPr>
-              <a:t>(</a:t>
-            </a:r>
-            <a:r>
-              <a:rPr b="0" lang="en-US" sz="2800" spc="-1" strike="noStrike">
-                <a:solidFill>
-                  <a:srgbClr val="000000"/>
-                </a:solidFill>
-                <a:latin typeface="Malgun Gothic"/>
-                <a:ea typeface="Malgun Gothic"/>
-              </a:rPr>
-              <a:t>메이커</a:t>
-            </a:r>
-            <a:r>
-              <a:rPr b="0" lang="en-US" sz="2800" spc="-1" strike="noStrike">
-                <a:solidFill>
-                  <a:srgbClr val="000000"/>
-                </a:solidFill>
-                <a:latin typeface="Malgun Gothic"/>
-                <a:ea typeface="Malgun Gothic"/>
-              </a:rPr>
-              <a:t>)</a:t>
-            </a:r>
-            <a:endParaRPr b="0" lang="en-US" sz="2800" spc="-1" strike="noStrike">
+              <a:t>상품 등록(메이커)</a:t>
+            </a:r>
+            <a:endParaRPr lang="en-US" sz="2800" b="0" strike="noStrike" spc="-1">
               <a:latin typeface="Noto Sans CJK JP"/>
             </a:endParaRPr>
           </a:p>
@@ -3911,46 +3945,16 @@
               <a:buChar char="•"/>
             </a:pPr>
             <a:r>
-              <a:rPr b="0" lang="en-US" sz="2800" spc="-1" strike="noStrike">
+              <a:rPr lang="en-US" sz="2800" b="0" strike="noStrike" spc="-1">
                 <a:solidFill>
                   <a:srgbClr val="000000"/>
                 </a:solidFill>
                 <a:latin typeface="Malgun Gothic"/>
                 <a:ea typeface="Malgun Gothic"/>
               </a:rPr>
-              <a:t>상품 펀딩</a:t>
-            </a:r>
-            <a:r>
-              <a:rPr b="0" lang="en-US" sz="2800" spc="-1" strike="noStrike">
-                <a:solidFill>
-                  <a:srgbClr val="000000"/>
-                </a:solidFill>
-                <a:latin typeface="Malgun Gothic"/>
-                <a:ea typeface="Malgun Gothic"/>
-              </a:rPr>
-              <a:t>(</a:t>
-            </a:r>
-            <a:r>
-              <a:rPr b="0" lang="en-US" sz="2800" spc="-1" strike="noStrike">
-                <a:solidFill>
-                  <a:srgbClr val="000000"/>
-                </a:solidFill>
-                <a:latin typeface="Malgun Gothic"/>
-                <a:ea typeface="Malgun Gothic"/>
-              </a:rPr>
-              <a:t>서포터</a:t>
-            </a:r>
-            <a:r>
-              <a:rPr b="0" lang="en-US" sz="2800" spc="-1" strike="noStrike">
-                <a:solidFill>
-                  <a:srgbClr val="000000"/>
-                </a:solidFill>
-                <a:latin typeface="Malgun Gothic"/>
-                <a:ea typeface="Malgun Gothic"/>
-              </a:rPr>
-              <a:t>)</a:t>
-            </a:r>
-            <a:endParaRPr b="0" lang="en-US" sz="2800" spc="-1" strike="noStrike">
+              <a:t>상품 펀딩(서포터)</a:t>
+            </a:r>
+            <a:endParaRPr lang="en-US" sz="2800" b="0" strike="noStrike" spc="-1">
               <a:latin typeface="Noto Sans CJK JP"/>
             </a:endParaRPr>
           </a:p>
@@ -3969,86 +3973,16 @@
               <a:buChar char="•"/>
             </a:pPr>
             <a:r>
-              <a:rPr b="0" lang="en-US" sz="2800" spc="-1" strike="noStrike">
+              <a:rPr lang="en-US" sz="2800" b="0" strike="noStrike" spc="-1">
                 <a:solidFill>
                   <a:srgbClr val="000000"/>
                 </a:solidFill>
                 <a:latin typeface="Malgun Gothic"/>
                 <a:ea typeface="Malgun Gothic"/>
               </a:rPr>
-              <a:t>펀딩 금액에 따른 다양한 옵션 제공</a:t>
-            </a:r>
-            <a:r>
-              <a:rPr b="0" lang="en-US" sz="2800" spc="-1" strike="noStrike">
-                <a:solidFill>
-                  <a:srgbClr val="000000"/>
-                </a:solidFill>
-                <a:latin typeface="Malgun Gothic"/>
-                <a:ea typeface="Malgun Gothic"/>
-              </a:rPr>
-              <a:t>(</a:t>
-            </a:r>
-            <a:r>
-              <a:rPr b="0" lang="en-US" sz="2800" spc="-1" strike="noStrike">
-                <a:solidFill>
-                  <a:srgbClr val="000000"/>
-                </a:solidFill>
-                <a:latin typeface="Malgun Gothic"/>
-                <a:ea typeface="Malgun Gothic"/>
-              </a:rPr>
-              <a:t>메이커</a:t>
-            </a:r>
-            <a:r>
-              <a:rPr b="0" lang="en-US" sz="2800" spc="-1" strike="noStrike">
-                <a:solidFill>
-                  <a:srgbClr val="000000"/>
-                </a:solidFill>
-                <a:latin typeface="Malgun Gothic"/>
-                <a:ea typeface="Malgun Gothic"/>
-              </a:rPr>
-              <a:t>) </a:t>
-            </a:r>
-            <a:r>
-              <a:rPr b="0" lang="en-US" sz="2800" spc="-1" strike="noStrike">
-                <a:solidFill>
-                  <a:srgbClr val="000000"/>
-                </a:solidFill>
-                <a:latin typeface="Malgun Gothic"/>
-                <a:ea typeface="Malgun Gothic"/>
-              </a:rPr>
-              <a:t>옵션 선택</a:t>
-            </a:r>
-            <a:r>
-              <a:rPr b="0" lang="en-US" sz="2800" spc="-1" strike="noStrike">
-                <a:solidFill>
-                  <a:srgbClr val="000000"/>
-                </a:solidFill>
-                <a:latin typeface="Malgun Gothic"/>
-                <a:ea typeface="Malgun Gothic"/>
-              </a:rPr>
-              <a:t>(</a:t>
-            </a:r>
-            <a:r>
-              <a:rPr b="0" lang="en-US" sz="2800" spc="-1" strike="noStrike">
-                <a:solidFill>
-                  <a:srgbClr val="000000"/>
-                </a:solidFill>
-                <a:latin typeface="Malgun Gothic"/>
-                <a:ea typeface="Malgun Gothic"/>
-              </a:rPr>
-              <a:t>서포터</a:t>
-            </a:r>
-            <a:r>
-              <a:rPr b="0" lang="en-US" sz="2800" spc="-1" strike="noStrike">
-                <a:solidFill>
-                  <a:srgbClr val="000000"/>
-                </a:solidFill>
-                <a:latin typeface="Malgun Gothic"/>
-                <a:ea typeface="Malgun Gothic"/>
-              </a:rPr>
-              <a:t>)</a:t>
-            </a:r>
-            <a:endParaRPr b="0" lang="en-US" sz="2800" spc="-1" strike="noStrike">
+              <a:t>펀딩 금액에 따른 다양한 옵션 제공(메이커) 옵션 선택(서포터)</a:t>
+            </a:r>
+            <a:endParaRPr lang="en-US" sz="2800" b="0" strike="noStrike" spc="-1">
               <a:latin typeface="Noto Sans CJK JP"/>
             </a:endParaRPr>
           </a:p>
@@ -4067,86 +4001,16 @@
               <a:buChar char="•"/>
             </a:pPr>
             <a:r>
-              <a:rPr b="0" lang="en-US" sz="2800" spc="-1" strike="noStrike">
+              <a:rPr lang="en-US" sz="2800" b="0" strike="noStrike" spc="-1">
                 <a:solidFill>
                   <a:srgbClr val="000000"/>
                 </a:solidFill>
                 <a:latin typeface="Malgun Gothic"/>
                 <a:ea typeface="Malgun Gothic"/>
               </a:rPr>
-              <a:t>상품에 대한 문의</a:t>
-            </a:r>
-            <a:r>
-              <a:rPr b="0" lang="en-US" sz="2800" spc="-1" strike="noStrike">
-                <a:solidFill>
-                  <a:srgbClr val="000000"/>
-                </a:solidFill>
-                <a:latin typeface="Malgun Gothic"/>
-                <a:ea typeface="Malgun Gothic"/>
-              </a:rPr>
-              <a:t>(</a:t>
-            </a:r>
-            <a:r>
-              <a:rPr b="0" lang="en-US" sz="2800" spc="-1" strike="noStrike">
-                <a:solidFill>
-                  <a:srgbClr val="000000"/>
-                </a:solidFill>
-                <a:latin typeface="Malgun Gothic"/>
-                <a:ea typeface="Malgun Gothic"/>
-              </a:rPr>
-              <a:t>서포터</a:t>
-            </a:r>
-            <a:r>
-              <a:rPr b="0" lang="en-US" sz="2800" spc="-1" strike="noStrike">
-                <a:solidFill>
-                  <a:srgbClr val="000000"/>
-                </a:solidFill>
-                <a:latin typeface="Malgun Gothic"/>
-                <a:ea typeface="Malgun Gothic"/>
-              </a:rPr>
-              <a:t>), </a:t>
-            </a:r>
-            <a:r>
-              <a:rPr b="0" lang="en-US" sz="2800" spc="-1" strike="noStrike">
-                <a:solidFill>
-                  <a:srgbClr val="000000"/>
-                </a:solidFill>
-                <a:latin typeface="Malgun Gothic"/>
-                <a:ea typeface="Malgun Gothic"/>
-              </a:rPr>
-              <a:t>답변</a:t>
-            </a:r>
-            <a:r>
-              <a:rPr b="0" lang="en-US" sz="2800" spc="-1" strike="noStrike">
-                <a:solidFill>
-                  <a:srgbClr val="000000"/>
-                </a:solidFill>
-                <a:latin typeface="Malgun Gothic"/>
-                <a:ea typeface="Malgun Gothic"/>
-              </a:rPr>
-              <a:t>(</a:t>
-            </a:r>
-            <a:r>
-              <a:rPr b="0" lang="en-US" sz="2800" spc="-1" strike="noStrike">
-                <a:solidFill>
-                  <a:srgbClr val="000000"/>
-                </a:solidFill>
-                <a:latin typeface="Malgun Gothic"/>
-                <a:ea typeface="Malgun Gothic"/>
-              </a:rPr>
-              <a:t>메이커</a:t>
-            </a:r>
-            <a:r>
-              <a:rPr b="0" lang="en-US" sz="2800" spc="-1" strike="noStrike">
-                <a:solidFill>
-                  <a:srgbClr val="000000"/>
-                </a:solidFill>
-                <a:latin typeface="Malgun Gothic"/>
-                <a:ea typeface="Malgun Gothic"/>
-              </a:rPr>
-              <a:t>)</a:t>
-            </a:r>
-            <a:endParaRPr b="0" lang="en-US" sz="2800" spc="-1" strike="noStrike">
+              <a:t>상품에 대한 문의(서포터), 답변(메이커)</a:t>
+            </a:r>
+            <a:endParaRPr lang="en-US" sz="2800" b="0" strike="noStrike" spc="-1">
               <a:latin typeface="Noto Sans CJK JP"/>
             </a:endParaRPr>
           </a:p>
@@ -4165,46 +4029,16 @@
               <a:buChar char="•"/>
             </a:pPr>
             <a:r>
-              <a:rPr b="0" lang="en-US" sz="2800" spc="-1" strike="noStrike">
+              <a:rPr lang="en-US" sz="2800" b="0" strike="noStrike" spc="-1">
                 <a:solidFill>
                   <a:srgbClr val="000000"/>
                 </a:solidFill>
                 <a:latin typeface="Malgun Gothic"/>
                 <a:ea typeface="Malgun Gothic"/>
               </a:rPr>
-              <a:t>상품에 대한 신고기능</a:t>
-            </a:r>
-            <a:r>
-              <a:rPr b="0" lang="en-US" sz="2800" spc="-1" strike="noStrike">
-                <a:solidFill>
-                  <a:srgbClr val="000000"/>
-                </a:solidFill>
-                <a:latin typeface="Malgun Gothic"/>
-                <a:ea typeface="Malgun Gothic"/>
-              </a:rPr>
-              <a:t>(</a:t>
-            </a:r>
-            <a:r>
-              <a:rPr b="0" lang="en-US" sz="2800" spc="-1" strike="noStrike">
-                <a:solidFill>
-                  <a:srgbClr val="000000"/>
-                </a:solidFill>
-                <a:latin typeface="Malgun Gothic"/>
-                <a:ea typeface="Malgun Gothic"/>
-              </a:rPr>
-              <a:t>서포터</a:t>
-            </a:r>
-            <a:r>
-              <a:rPr b="0" lang="en-US" sz="2800" spc="-1" strike="noStrike">
-                <a:solidFill>
-                  <a:srgbClr val="000000"/>
-                </a:solidFill>
-                <a:latin typeface="Malgun Gothic"/>
-                <a:ea typeface="Malgun Gothic"/>
-              </a:rPr>
-              <a:t>)</a:t>
-            </a:r>
-            <a:endParaRPr b="0" lang="en-US" sz="2800" spc="-1" strike="noStrike">
+              <a:t>상품에 대한 신고기능(서포터)</a:t>
+            </a:r>
+            <a:endParaRPr lang="en-US" sz="2800" b="0" strike="noStrike" spc="-1">
               <a:latin typeface="Noto Sans CJK JP"/>
             </a:endParaRPr>
           </a:p>
@@ -4223,7 +4057,7 @@
               <a:buChar char="•"/>
             </a:pPr>
             <a:r>
-              <a:rPr b="0" lang="en-US" sz="2800" spc="-1" strike="noStrike">
+              <a:rPr lang="en-US" sz="2800" b="0" strike="noStrike" spc="-1">
                 <a:solidFill>
                   <a:srgbClr val="000000"/>
                 </a:solidFill>
@@ -4232,7 +4066,7 @@
               </a:rPr>
               <a:t>해당 상품에 대해 토론할 수 있는 커뮤니티</a:t>
             </a:r>
-            <a:endParaRPr b="0" lang="en-US" sz="2800" spc="-1" strike="noStrike">
+            <a:endParaRPr lang="en-US" sz="2800" b="0" strike="noStrike" spc="-1">
               <a:latin typeface="Noto Sans CJK JP"/>
             </a:endParaRPr>
           </a:p>
@@ -4251,7 +4085,7 @@
               <a:buChar char="•"/>
             </a:pPr>
             <a:r>
-              <a:rPr b="0" lang="en-US" sz="2800" spc="-1" strike="noStrike">
+              <a:rPr lang="en-US" sz="2800" b="0" strike="noStrike" spc="-1">
                 <a:solidFill>
                   <a:srgbClr val="000000"/>
                 </a:solidFill>
@@ -4260,7 +4094,7 @@
               </a:rPr>
               <a:t>아쉽게 금액 도달에 실패한 프로젝트들을 보여주는 페이지</a:t>
             </a:r>
-            <a:endParaRPr b="0" lang="en-US" sz="2800" spc="-1" strike="noStrike">
+            <a:endParaRPr lang="en-US" sz="2800" b="0" strike="noStrike" spc="-1">
               <a:latin typeface="Noto Sans CJK JP"/>
             </a:endParaRPr>
           </a:p>
@@ -4279,7 +4113,7 @@
               <a:buChar char="•"/>
             </a:pPr>
             <a:r>
-              <a:rPr b="0" lang="en-US" sz="2800" spc="-1" strike="noStrike">
+              <a:rPr lang="en-US" sz="2800" b="0" strike="noStrike" spc="-1">
                 <a:solidFill>
                   <a:srgbClr val="000000"/>
                 </a:solidFill>
@@ -4288,7 +4122,7 @@
               </a:rPr>
               <a:t>이달의 베스트 베스트프로젝트를 보여주는 페이지</a:t>
             </a:r>
-            <a:endParaRPr b="0" lang="en-US" sz="2800" spc="-1" strike="noStrike">
+            <a:endParaRPr lang="en-US" sz="2800" b="0" strike="noStrike" spc="-1">
               <a:latin typeface="Noto Sans CJK JP"/>
             </a:endParaRPr>
           </a:p>
@@ -4301,7 +4135,7 @@
                 <a:spcPts val="1001"/>
               </a:spcBef>
             </a:pPr>
-            <a:endParaRPr b="0" lang="en-US" sz="2800" spc="-1" strike="noStrike">
+            <a:endParaRPr lang="en-US" sz="2800" b="0" strike="noStrike" spc="-1">
               <a:latin typeface="Noto Sans CJK JP"/>
             </a:endParaRPr>
           </a:p>
@@ -4314,7 +4148,7 @@
                 <a:spcPts val="1001"/>
               </a:spcBef>
             </a:pPr>
-            <a:endParaRPr b="0" lang="en-US" sz="2800" spc="-1" strike="noStrike">
+            <a:endParaRPr lang="en-US" sz="2800" b="0" strike="noStrike" spc="-1">
               <a:latin typeface="Noto Sans CJK JP"/>
             </a:endParaRPr>
           </a:p>
@@ -4327,7 +4161,7 @@
                 <a:spcPts val="1001"/>
               </a:spcBef>
             </a:pPr>
-            <a:endParaRPr b="0" lang="en-US" sz="2800" spc="-1" strike="noStrike">
+            <a:endParaRPr lang="en-US" sz="2800" b="0" strike="noStrike" spc="-1">
               <a:latin typeface="Noto Sans CJK JP"/>
             </a:endParaRPr>
           </a:p>
@@ -4335,22 +4169,25 @@
       </p:sp>
     </p:spTree>
   </p:cSld>
+  <p:clrMapOvr>
+    <a:masterClrMapping/>
+  </p:clrMapOvr>
   <p:timing>
     <p:tnLst>
       <p:par>
-        <p:cTn id="3" dur="indefinite" restart="never" nodeType="tmRoot">
+        <p:cTn id="1" dur="indefinite" restart="never" nodeType="tmRoot">
           <p:childTnLst>
             <p:seq>
-              <p:cTn id="4" dur="indefinite" nodeType="mainSeq"/>
+              <p:cTn id="2" dur="indefinite" nodeType="mainSeq"/>
               <p:prevCondLst>
-                <p:cond delay="0" evt="onPrev">
+                <p:cond evt="onPrev" delay="0">
                   <p:tgtEl>
                     <p:sldTgt/>
                   </p:tgtEl>
                 </p:cond>
               </p:prevCondLst>
               <p:nextCondLst>
-                <p:cond delay="0" evt="onNext">
+                <p:cond evt="onNext" delay="0">
                   <p:tgtEl>
                     <p:sldTgt/>
                   </p:tgtEl>
@@ -4366,7 +4203,7 @@
 </file>
 
 <file path=ppt/slides/slide3.xml><?xml version="1.0" encoding="utf-8"?>
-<p:sld xmlns:a="http://schemas.openxmlformats.org/drawingml/2006/main" xmlns:p="http://schemas.openxmlformats.org/presentationml/2006/main" xmlns:r="http://schemas.openxmlformats.org/officeDocument/2006/relationships" xmlns:p14="http://schemas.microsoft.com/office/powerpoint/2010/main" xmlns:p15="http://schemas.microsoft.com/office/powerpoint/2012/main" xmlns:mc="http://schemas.openxmlformats.org/markup-compatibility/2006">
+<p:sld xmlns:a="http://schemas.openxmlformats.org/drawingml/2006/main" xmlns:r="http://schemas.openxmlformats.org/officeDocument/2006/relationships" xmlns:p="http://schemas.openxmlformats.org/presentationml/2006/main">
   <p:cSld>
     <p:spTree>
       <p:nvGrpSpPr>
@@ -4399,19 +4236,26 @@
           <a:noFill/>
           <a:ln w="25560">
             <a:solidFill>
-              <a:srgbClr val="42719b"/>
+              <a:srgbClr val="42719B"/>
             </a:solidFill>
             <a:round/>
           </a:ln>
         </p:spPr>
         <p:style>
-          <a:lnRef idx="0"/>
-          <a:fillRef idx="0"/>
-          <a:effectRef idx="0"/>
+          <a:lnRef idx="0">
+            <a:scrgbClr r="0" g="0" b="0"/>
+          </a:lnRef>
+          <a:fillRef idx="0">
+            <a:scrgbClr r="0" g="0" b="0"/>
+          </a:fillRef>
+          <a:effectRef idx="0">
+            <a:scrgbClr r="0" g="0" b="0"/>
+          </a:effectRef>
           <a:fontRef idx="minor"/>
         </p:style>
         <p:txBody>
-          <a:bodyPr lIns="90000" rIns="90000" tIns="45000" bIns="45000" anchor="ctr"/>
+          <a:bodyPr lIns="90000" tIns="45000" rIns="90000" bIns="45000" anchor="ctr"/>
+          <a:lstStyle/>
           <a:p>
             <a:pPr>
               <a:lnSpc>
@@ -4419,7 +4263,7 @@
               </a:lnSpc>
             </a:pPr>
             <a:r>
-              <a:rPr b="0" lang="en-US" sz="1800" spc="-1" strike="noStrike">
+              <a:rPr lang="en-US" sz="1800" b="0" strike="noStrike" spc="-1">
                 <a:solidFill>
                   <a:srgbClr val="000000"/>
                 </a:solidFill>
@@ -4428,7 +4272,7 @@
               </a:rPr>
               <a:t>상품 </a:t>
             </a:r>
-            <a:endParaRPr b="0" lang="en-US" sz="1800" spc="-1" strike="noStrike">
+            <a:endParaRPr lang="en-US" sz="1800" b="0" strike="noStrike" spc="-1">
               <a:latin typeface="Noto Sans CJK JP"/>
             </a:endParaRPr>
           </a:p>
@@ -4439,7 +4283,7 @@
               </a:lnSpc>
             </a:pPr>
             <a:r>
-              <a:rPr b="0" lang="en-US" sz="1800" spc="-1" strike="noStrike">
+              <a:rPr lang="en-US" sz="1800" b="0" strike="noStrike" spc="-1">
                 <a:solidFill>
                   <a:srgbClr val="000000"/>
                 </a:solidFill>
@@ -4448,7 +4292,7 @@
               </a:rPr>
               <a:t>---------------------------</a:t>
             </a:r>
-            <a:endParaRPr b="0" lang="en-US" sz="1800" spc="-1" strike="noStrike">
+            <a:endParaRPr lang="en-US" sz="1800" b="0" strike="noStrike" spc="-1">
               <a:latin typeface="Noto Sans CJK JP"/>
             </a:endParaRPr>
           </a:p>
@@ -4459,26 +4303,16 @@
               </a:lnSpc>
             </a:pPr>
             <a:r>
-              <a:rPr b="0" lang="en-US" sz="1800" spc="-1" strike="noStrike">
+              <a:rPr lang="en-US" sz="1800" b="0" strike="noStrike" spc="-1">
                 <a:solidFill>
                   <a:srgbClr val="000000"/>
                 </a:solidFill>
                 <a:latin typeface="Arial"/>
                 <a:ea typeface="Arial"/>
               </a:rPr>
-              <a:t>상품 번호</a:t>
-            </a:r>
-            <a:r>
-              <a:rPr b="0" lang="en-US" sz="1800" spc="-1" strike="noStrike">
-                <a:solidFill>
-                  <a:srgbClr val="000000"/>
-                </a:solidFill>
-                <a:latin typeface="Arial"/>
-                <a:ea typeface="Arial"/>
-              </a:rPr>
-              <a:t>(pk)</a:t>
-            </a:r>
-            <a:endParaRPr b="0" lang="en-US" sz="1800" spc="-1" strike="noStrike">
+              <a:t>상품 번호(pk)</a:t>
+            </a:r>
+            <a:endParaRPr lang="en-US" sz="1800" b="0" strike="noStrike" spc="-1">
               <a:latin typeface="Noto Sans CJK JP"/>
             </a:endParaRPr>
           </a:p>
@@ -4489,37 +4323,30 @@
               </a:lnSpc>
             </a:pPr>
             <a:r>
-              <a:rPr b="0" lang="en-US" sz="1800" spc="-1" strike="noStrike">
+              <a:rPr lang="en-US" sz="1800" b="0" strike="noStrike" spc="-1">
                 <a:solidFill>
                   <a:srgbClr val="000000"/>
                 </a:solidFill>
                 <a:latin typeface="Arial"/>
                 <a:ea typeface="Arial"/>
               </a:rPr>
-              <a:t>메이커 </a:t>
-            </a:r>
-            <a:r>
-              <a:rPr b="0" lang="en-US" sz="1800" spc="-1" strike="noStrike">
+              <a:t>메이커 ID</a:t>
+            </a:r>
+            <a:r>
+              <a:t/>
+            </a:r>
+            <a:br/>
+            <a:r>
+              <a:rPr lang="en-US" sz="1800" b="0" strike="noStrike" spc="-1">
                 <a:solidFill>
                   <a:srgbClr val="000000"/>
                 </a:solidFill>
                 <a:latin typeface="Arial"/>
                 <a:ea typeface="Arial"/>
               </a:rPr>
-              <a:t>ID</a:t>
-            </a:r>
-            <a:br/>
-            <a:r>
-              <a:rPr b="0" lang="en-US" sz="1800" spc="-1" strike="noStrike">
-                <a:solidFill>
-                  <a:srgbClr val="000000"/>
-                </a:solidFill>
-                <a:latin typeface="Arial"/>
-                <a:ea typeface="Arial"/>
-              </a:rPr>
               <a:t>상품 내용</a:t>
             </a:r>
-            <a:endParaRPr b="0" lang="en-US" sz="1800" spc="-1" strike="noStrike">
+            <a:endParaRPr lang="en-US" sz="1800" b="0" strike="noStrike" spc="-1">
               <a:latin typeface="Noto Sans CJK JP"/>
             </a:endParaRPr>
           </a:p>
@@ -4530,7 +4357,7 @@
               </a:lnSpc>
             </a:pPr>
             <a:r>
-              <a:rPr b="0" lang="en-US" sz="1800" spc="-1" strike="noStrike">
+              <a:rPr lang="en-US" sz="1800" b="0" strike="noStrike" spc="-1">
                 <a:solidFill>
                   <a:srgbClr val="000000"/>
                 </a:solidFill>
@@ -4539,7 +4366,7 @@
               </a:rPr>
               <a:t>목표 모금액</a:t>
             </a:r>
-            <a:endParaRPr b="0" lang="en-US" sz="1800" spc="-1" strike="noStrike">
+            <a:endParaRPr lang="en-US" sz="1800" b="0" strike="noStrike" spc="-1">
               <a:latin typeface="Noto Sans CJK JP"/>
             </a:endParaRPr>
           </a:p>
@@ -4550,7 +4377,7 @@
               </a:lnSpc>
             </a:pPr>
             <a:r>
-              <a:rPr b="0" lang="en-US" sz="1800" spc="-1" strike="noStrike">
+              <a:rPr lang="en-US" sz="1800" b="0" strike="noStrike" spc="-1">
                 <a:solidFill>
                   <a:srgbClr val="000000"/>
                 </a:solidFill>
@@ -4559,7 +4386,7 @@
               </a:rPr>
               <a:t>달성 모금액</a:t>
             </a:r>
-            <a:endParaRPr b="0" lang="en-US" sz="1800" spc="-1" strike="noStrike">
+            <a:endParaRPr lang="en-US" sz="1800" b="0" strike="noStrike" spc="-1">
               <a:latin typeface="Noto Sans CJK JP"/>
             </a:endParaRPr>
           </a:p>
@@ -4570,7 +4397,7 @@
               </a:lnSpc>
             </a:pPr>
             <a:r>
-              <a:rPr b="0" lang="en-US" sz="1800" spc="-1" strike="noStrike">
+              <a:rPr lang="en-US" sz="1800" b="0" strike="noStrike" spc="-1">
                 <a:solidFill>
                   <a:srgbClr val="000000"/>
                 </a:solidFill>
@@ -4579,7 +4406,7 @@
               </a:rPr>
               <a:t>메이커 사업자번호</a:t>
             </a:r>
-            <a:endParaRPr b="0" lang="en-US" sz="1800" spc="-1" strike="noStrike">
+            <a:endParaRPr lang="en-US" sz="1800" b="0" strike="noStrike" spc="-1">
               <a:latin typeface="Noto Sans CJK JP"/>
             </a:endParaRPr>
           </a:p>
@@ -4590,7 +4417,7 @@
               </a:lnSpc>
             </a:pPr>
             <a:r>
-              <a:rPr b="0" lang="en-US" sz="1800" spc="-1" strike="noStrike">
+              <a:rPr lang="en-US" sz="1800" b="0" strike="noStrike" spc="-1">
                 <a:solidFill>
                   <a:srgbClr val="000000"/>
                 </a:solidFill>
@@ -4599,7 +4426,7 @@
               </a:rPr>
               <a:t>펀딩 금액에 따른 옵션</a:t>
             </a:r>
-            <a:endParaRPr b="0" lang="en-US" sz="1800" spc="-1" strike="noStrike">
+            <a:endParaRPr lang="en-US" sz="1800" b="0" strike="noStrike" spc="-1">
               <a:latin typeface="Noto Sans CJK JP"/>
             </a:endParaRPr>
           </a:p>
@@ -4622,19 +4449,26 @@
           <a:noFill/>
           <a:ln w="25560">
             <a:solidFill>
-              <a:srgbClr val="42719b"/>
+              <a:srgbClr val="42719B"/>
             </a:solidFill>
             <a:round/>
           </a:ln>
         </p:spPr>
         <p:style>
-          <a:lnRef idx="0"/>
-          <a:fillRef idx="0"/>
-          <a:effectRef idx="0"/>
+          <a:lnRef idx="0">
+            <a:scrgbClr r="0" g="0" b="0"/>
+          </a:lnRef>
+          <a:fillRef idx="0">
+            <a:scrgbClr r="0" g="0" b="0"/>
+          </a:fillRef>
+          <a:effectRef idx="0">
+            <a:scrgbClr r="0" g="0" b="0"/>
+          </a:effectRef>
           <a:fontRef idx="minor"/>
         </p:style>
         <p:txBody>
-          <a:bodyPr lIns="90000" rIns="90000" tIns="45000" bIns="45000" anchor="ctr"/>
+          <a:bodyPr lIns="90000" tIns="45000" rIns="90000" bIns="45000" anchor="ctr"/>
+          <a:lstStyle/>
           <a:p>
             <a:pPr>
               <a:lnSpc>
@@ -4642,7 +4476,7 @@
               </a:lnSpc>
             </a:pPr>
             <a:r>
-              <a:rPr b="0" lang="en-US" sz="1800" spc="-1" strike="noStrike">
+              <a:rPr lang="en-US" sz="1800" b="0" strike="noStrike" spc="-1">
                 <a:solidFill>
                   <a:srgbClr val="000000"/>
                 </a:solidFill>
@@ -4651,7 +4485,7 @@
               </a:rPr>
               <a:t>메이커 </a:t>
             </a:r>
-            <a:endParaRPr b="0" lang="en-US" sz="1800" spc="-1" strike="noStrike">
+            <a:endParaRPr lang="en-US" sz="1800" b="0" strike="noStrike" spc="-1">
               <a:latin typeface="Noto Sans CJK JP"/>
             </a:endParaRPr>
           </a:p>
@@ -4662,7 +4496,7 @@
               </a:lnSpc>
             </a:pPr>
             <a:r>
-              <a:rPr b="0" lang="en-US" sz="1800" spc="-1" strike="noStrike">
+              <a:rPr lang="en-US" sz="1800" b="0" strike="noStrike" spc="-1">
                 <a:solidFill>
                   <a:srgbClr val="000000"/>
                 </a:solidFill>
@@ -4671,7 +4505,7 @@
               </a:rPr>
               <a:t>---------------------------</a:t>
             </a:r>
-            <a:endParaRPr b="0" lang="en-US" sz="1800" spc="-1" strike="noStrike">
+            <a:endParaRPr lang="en-US" sz="1800" b="0" strike="noStrike" spc="-1">
               <a:latin typeface="Noto Sans CJK JP"/>
             </a:endParaRPr>
           </a:p>
@@ -4682,7 +4516,7 @@
               </a:lnSpc>
             </a:pPr>
             <a:r>
-              <a:rPr b="0" lang="en-US" sz="1800" spc="-1" strike="noStrike">
+              <a:rPr lang="en-US" sz="1800" b="0" strike="noStrike" spc="-1">
                 <a:solidFill>
                   <a:srgbClr val="000000"/>
                 </a:solidFill>
@@ -4691,7 +4525,7 @@
               </a:rPr>
               <a:t>ID(PK)</a:t>
             </a:r>
-            <a:endParaRPr b="0" lang="en-US" sz="1800" spc="-1" strike="noStrike">
+            <a:endParaRPr lang="en-US" sz="1800" b="0" strike="noStrike" spc="-1">
               <a:latin typeface="Noto Sans CJK JP"/>
             </a:endParaRPr>
           </a:p>
@@ -4702,7 +4536,7 @@
               </a:lnSpc>
             </a:pPr>
             <a:r>
-              <a:rPr b="0" lang="en-US" sz="1800" spc="-1" strike="noStrike">
+              <a:rPr lang="en-US" sz="1800" b="0" strike="noStrike" spc="-1">
                 <a:solidFill>
                   <a:srgbClr val="000000"/>
                 </a:solidFill>
@@ -4711,7 +4545,7 @@
               </a:rPr>
               <a:t>패스워드</a:t>
             </a:r>
-            <a:endParaRPr b="0" lang="en-US" sz="1800" spc="-1" strike="noStrike">
+            <a:endParaRPr lang="en-US" sz="1800" b="0" strike="noStrike" spc="-1">
               <a:latin typeface="Noto Sans CJK JP"/>
             </a:endParaRPr>
           </a:p>
@@ -4722,7 +4556,7 @@
               </a:lnSpc>
             </a:pPr>
             <a:r>
-              <a:rPr b="0" lang="en-US" sz="1800" spc="-1" strike="noStrike">
+              <a:rPr lang="en-US" sz="1800" b="0" strike="noStrike" spc="-1">
                 <a:solidFill>
                   <a:srgbClr val="000000"/>
                 </a:solidFill>
@@ -4731,7 +4565,7 @@
               </a:rPr>
               <a:t>주소</a:t>
             </a:r>
-            <a:endParaRPr b="0" lang="en-US" sz="1800" spc="-1" strike="noStrike">
+            <a:endParaRPr lang="en-US" sz="1800" b="0" strike="noStrike" spc="-1">
               <a:latin typeface="Noto Sans CJK JP"/>
             </a:endParaRPr>
           </a:p>
@@ -4742,7 +4576,7 @@
               </a:lnSpc>
             </a:pPr>
             <a:r>
-              <a:rPr b="0" lang="en-US" sz="1800" spc="-1" strike="noStrike">
+              <a:rPr lang="en-US" sz="1800" b="0" strike="noStrike" spc="-1">
                 <a:solidFill>
                   <a:srgbClr val="000000"/>
                 </a:solidFill>
@@ -4751,9 +4585,12 @@
               </a:rPr>
               <a:t>결제 정보</a:t>
             </a:r>
+            <a:r>
+              <a:t/>
+            </a:r>
             <a:br/>
             <a:r>
-              <a:rPr b="0" lang="en-US" sz="1800" spc="-1" strike="noStrike">
+              <a:rPr lang="en-US" sz="1800" b="0" strike="noStrike" spc="-1">
                 <a:solidFill>
                   <a:srgbClr val="000000"/>
                 </a:solidFill>
@@ -4762,7 +4599,7 @@
               </a:rPr>
               <a:t>이메일</a:t>
             </a:r>
-            <a:endParaRPr b="0" lang="en-US" sz="1800" spc="-1" strike="noStrike">
+            <a:endParaRPr lang="en-US" sz="1800" b="0" strike="noStrike" spc="-1">
               <a:latin typeface="Noto Sans CJK JP"/>
             </a:endParaRPr>
           </a:p>
@@ -4773,7 +4610,7 @@
               </a:lnSpc>
             </a:pPr>
             <a:r>
-              <a:rPr b="0" lang="en-US" sz="1800" spc="-1" strike="noStrike">
+              <a:rPr lang="en-US" sz="1800" b="0" strike="noStrike" spc="-1">
                 <a:solidFill>
                   <a:srgbClr val="000000"/>
                 </a:solidFill>
@@ -4782,7 +4619,7 @@
               </a:rPr>
               <a:t>전화번호</a:t>
             </a:r>
-            <a:endParaRPr b="0" lang="en-US" sz="1800" spc="-1" strike="noStrike">
+            <a:endParaRPr lang="en-US" sz="1800" b="0" strike="noStrike" spc="-1">
               <a:latin typeface="Noto Sans CJK JP"/>
             </a:endParaRPr>
           </a:p>
@@ -4793,7 +4630,7 @@
               </a:lnSpc>
             </a:pPr>
             <a:r>
-              <a:rPr b="0" lang="en-US" sz="1800" spc="-1" strike="noStrike">
+              <a:rPr lang="en-US" sz="1800" b="0" strike="noStrike" spc="-1">
                 <a:solidFill>
                   <a:srgbClr val="000000"/>
                 </a:solidFill>
@@ -4802,7 +4639,7 @@
               </a:rPr>
               <a:t>사업자등록번호</a:t>
             </a:r>
-            <a:endParaRPr b="0" lang="en-US" sz="1800" spc="-1" strike="noStrike">
+            <a:endParaRPr lang="en-US" sz="1800" b="0" strike="noStrike" spc="-1">
               <a:latin typeface="Noto Sans CJK JP"/>
             </a:endParaRPr>
           </a:p>
@@ -4823,6 +4660,7 @@
             <a:avLst/>
             <a:gdLst/>
             <a:ahLst/>
+            <a:cxnLst/>
             <a:rect l="l" t="t" r="r" b="b"/>
             <a:pathLst>
               <a:path w="21600" h="21600">
@@ -4838,15 +4676,21 @@
           <a:noFill/>
           <a:ln w="9360">
             <a:solidFill>
-              <a:srgbClr val="3465a4"/>
+              <a:srgbClr val="3465A4"/>
             </a:solidFill>
             <a:round/>
           </a:ln>
         </p:spPr>
         <p:style>
-          <a:lnRef idx="0"/>
-          <a:fillRef idx="0"/>
-          <a:effectRef idx="0"/>
+          <a:lnRef idx="0">
+            <a:scrgbClr r="0" g="0" b="0"/>
+          </a:lnRef>
+          <a:fillRef idx="0">
+            <a:scrgbClr r="0" g="0" b="0"/>
+          </a:fillRef>
+          <a:effectRef idx="0">
+            <a:scrgbClr r="0" g="0" b="0"/>
+          </a:effectRef>
           <a:fontRef idx="minor"/>
         </p:style>
       </p:sp>
@@ -4867,19 +4711,26 @@
           <a:noFill/>
           <a:ln w="25560">
             <a:solidFill>
-              <a:srgbClr val="42719b"/>
+              <a:srgbClr val="42719B"/>
             </a:solidFill>
             <a:round/>
           </a:ln>
         </p:spPr>
         <p:style>
-          <a:lnRef idx="0"/>
-          <a:fillRef idx="0"/>
-          <a:effectRef idx="0"/>
+          <a:lnRef idx="0">
+            <a:scrgbClr r="0" g="0" b="0"/>
+          </a:lnRef>
+          <a:fillRef idx="0">
+            <a:scrgbClr r="0" g="0" b="0"/>
+          </a:fillRef>
+          <a:effectRef idx="0">
+            <a:scrgbClr r="0" g="0" b="0"/>
+          </a:effectRef>
           <a:fontRef idx="minor"/>
         </p:style>
         <p:txBody>
-          <a:bodyPr lIns="90000" rIns="90000" tIns="45000" bIns="45000" anchor="ctr"/>
+          <a:bodyPr lIns="90000" tIns="45000" rIns="90000" bIns="45000" anchor="ctr"/>
+          <a:lstStyle/>
           <a:p>
             <a:pPr>
               <a:lnSpc>
@@ -4887,7 +4738,7 @@
               </a:lnSpc>
             </a:pPr>
             <a:r>
-              <a:rPr b="0" lang="en-US" sz="1800" spc="-1" strike="noStrike">
+              <a:rPr lang="en-US" sz="1800" b="0" strike="noStrike" spc="-1">
                 <a:solidFill>
                   <a:srgbClr val="000000"/>
                 </a:solidFill>
@@ -4896,7 +4747,7 @@
               </a:rPr>
               <a:t>펀딩 </a:t>
             </a:r>
-            <a:endParaRPr b="0" lang="en-US" sz="1800" spc="-1" strike="noStrike">
+            <a:endParaRPr lang="en-US" sz="1800" b="0" strike="noStrike" spc="-1">
               <a:latin typeface="Noto Sans CJK JP"/>
             </a:endParaRPr>
           </a:p>
@@ -4907,7 +4758,7 @@
               </a:lnSpc>
             </a:pPr>
             <a:r>
-              <a:rPr b="0" lang="en-US" sz="1800" spc="-1" strike="noStrike">
+              <a:rPr lang="en-US" sz="1800" b="0" strike="noStrike" spc="-1">
                 <a:solidFill>
                   <a:srgbClr val="000000"/>
                 </a:solidFill>
@@ -4916,7 +4767,7 @@
               </a:rPr>
               <a:t>---------------------------</a:t>
             </a:r>
-            <a:endParaRPr b="0" lang="en-US" sz="1800" spc="-1" strike="noStrike">
+            <a:endParaRPr lang="en-US" sz="1800" b="0" strike="noStrike" spc="-1">
               <a:latin typeface="Noto Sans CJK JP"/>
             </a:endParaRPr>
           </a:p>
@@ -4927,26 +4778,16 @@
               </a:lnSpc>
             </a:pPr>
             <a:r>
-              <a:rPr b="0" lang="en-US" sz="1800" spc="-1" strike="noStrike">
+              <a:rPr lang="en-US" sz="1800" b="0" strike="noStrike" spc="-1">
                 <a:solidFill>
                   <a:srgbClr val="000000"/>
                 </a:solidFill>
                 <a:latin typeface="Arial"/>
                 <a:ea typeface="Arial"/>
               </a:rPr>
-              <a:t>펀딩주문번호</a:t>
-            </a:r>
-            <a:r>
-              <a:rPr b="0" lang="en-US" sz="1800" spc="-1" strike="noStrike">
-                <a:solidFill>
-                  <a:srgbClr val="000000"/>
-                </a:solidFill>
-                <a:latin typeface="Arial"/>
-                <a:ea typeface="Arial"/>
-              </a:rPr>
-              <a:t>(PK)</a:t>
-            </a:r>
-            <a:endParaRPr b="0" lang="en-US" sz="1800" spc="-1" strike="noStrike">
+              <a:t>펀딩주문번호(PK)</a:t>
+            </a:r>
+            <a:endParaRPr lang="en-US" sz="1800" b="0" strike="noStrike" spc="-1">
               <a:latin typeface="Noto Sans CJK JP"/>
             </a:endParaRPr>
           </a:p>
@@ -4957,7 +4798,7 @@
               </a:lnSpc>
             </a:pPr>
             <a:r>
-              <a:rPr b="0" lang="en-US" sz="1800" spc="-1" strike="noStrike">
+              <a:rPr lang="en-US" sz="1800" b="0" strike="noStrike" spc="-1">
                 <a:solidFill>
                   <a:srgbClr val="000000"/>
                 </a:solidFill>
@@ -4966,7 +4807,7 @@
               </a:rPr>
               <a:t>상품번호</a:t>
             </a:r>
-            <a:endParaRPr b="0" lang="en-US" sz="1800" spc="-1" strike="noStrike">
+            <a:endParaRPr lang="en-US" sz="1800" b="0" strike="noStrike" spc="-1">
               <a:latin typeface="Noto Sans CJK JP"/>
             </a:endParaRPr>
           </a:p>
@@ -4977,26 +4818,16 @@
               </a:lnSpc>
             </a:pPr>
             <a:r>
-              <a:rPr b="0" lang="en-US" sz="1800" spc="-1" strike="noStrike">
+              <a:rPr lang="en-US" sz="1800" b="0" strike="noStrike" spc="-1">
                 <a:solidFill>
                   <a:srgbClr val="000000"/>
                 </a:solidFill>
                 <a:latin typeface="Arial"/>
                 <a:ea typeface="Arial"/>
               </a:rPr>
-              <a:t>메이커 </a:t>
-            </a:r>
-            <a:r>
-              <a:rPr b="0" lang="en-US" sz="1800" spc="-1" strike="noStrike">
-                <a:solidFill>
-                  <a:srgbClr val="000000"/>
-                </a:solidFill>
-                <a:latin typeface="Arial"/>
-                <a:ea typeface="Arial"/>
-              </a:rPr>
-              <a:t>ID</a:t>
-            </a:r>
-            <a:endParaRPr b="0" lang="en-US" sz="1800" spc="-1" strike="noStrike">
+              <a:t>메이커 ID</a:t>
+            </a:r>
+            <a:endParaRPr lang="en-US" sz="1800" b="0" strike="noStrike" spc="-1">
               <a:latin typeface="Noto Sans CJK JP"/>
             </a:endParaRPr>
           </a:p>
@@ -5007,37 +4838,30 @@
               </a:lnSpc>
             </a:pPr>
             <a:r>
-              <a:rPr b="0" lang="en-US" sz="1800" spc="-1" strike="noStrike">
+              <a:rPr lang="en-US" sz="1800" b="0" strike="noStrike" spc="-1">
                 <a:solidFill>
                   <a:srgbClr val="000000"/>
                 </a:solidFill>
                 <a:latin typeface="Arial"/>
                 <a:ea typeface="Arial"/>
               </a:rPr>
-              <a:t>서포터 </a:t>
-            </a:r>
-            <a:r>
-              <a:rPr b="0" lang="en-US" sz="1800" spc="-1" strike="noStrike">
+              <a:t>서포터 ID</a:t>
+            </a:r>
+            <a:r>
+              <a:t/>
+            </a:r>
+            <a:br/>
+            <a:r>
+              <a:rPr lang="en-US" sz="1800" b="0" strike="noStrike" spc="-1">
                 <a:solidFill>
                   <a:srgbClr val="000000"/>
                 </a:solidFill>
                 <a:latin typeface="Arial"/>
                 <a:ea typeface="Arial"/>
               </a:rPr>
-              <a:t>ID</a:t>
-            </a:r>
-            <a:br/>
-            <a:r>
-              <a:rPr b="0" lang="en-US" sz="1800" spc="-1" strike="noStrike">
-                <a:solidFill>
-                  <a:srgbClr val="000000"/>
-                </a:solidFill>
-                <a:latin typeface="Arial"/>
-                <a:ea typeface="Arial"/>
-              </a:rPr>
               <a:t>펀딩일자</a:t>
             </a:r>
-            <a:endParaRPr b="0" lang="en-US" sz="1800" spc="-1" strike="noStrike">
+            <a:endParaRPr lang="en-US" sz="1800" b="0" strike="noStrike" spc="-1">
               <a:latin typeface="Noto Sans CJK JP"/>
             </a:endParaRPr>
           </a:p>
@@ -5048,7 +4872,7 @@
               </a:lnSpc>
             </a:pPr>
             <a:r>
-              <a:rPr b="0" lang="en-US" sz="1800" spc="-1" strike="noStrike">
+              <a:rPr lang="en-US" sz="1800" b="0" strike="noStrike" spc="-1">
                 <a:solidFill>
                   <a:srgbClr val="000000"/>
                 </a:solidFill>
@@ -5057,7 +4881,7 @@
               </a:rPr>
               <a:t>선택옵션ㅡ</a:t>
             </a:r>
-            <a:endParaRPr b="0" lang="en-US" sz="1800" spc="-1" strike="noStrike">
+            <a:endParaRPr lang="en-US" sz="1800" b="0" strike="noStrike" spc="-1">
               <a:latin typeface="Noto Sans CJK JP"/>
             </a:endParaRPr>
           </a:p>
@@ -5068,7 +4892,7 @@
               </a:lnSpc>
             </a:pPr>
             <a:r>
-              <a:rPr b="0" lang="en-US" sz="1800" spc="-1" strike="noStrike">
+              <a:rPr lang="en-US" sz="1800" b="0" strike="noStrike" spc="-1">
                 <a:solidFill>
                   <a:srgbClr val="000000"/>
                 </a:solidFill>
@@ -5077,7 +4901,7 @@
               </a:rPr>
               <a:t>배송지주소</a:t>
             </a:r>
-            <a:endParaRPr b="0" lang="en-US" sz="1800" spc="-1" strike="noStrike">
+            <a:endParaRPr lang="en-US" sz="1800" b="0" strike="noStrike" spc="-1">
               <a:latin typeface="Noto Sans CJK JP"/>
             </a:endParaRPr>
           </a:p>
@@ -5088,7 +4912,7 @@
               </a:lnSpc>
             </a:pPr>
             <a:r>
-              <a:rPr b="0" lang="en-US" sz="1800" spc="-1" strike="noStrike">
+              <a:rPr lang="en-US" sz="1800" b="0" strike="noStrike" spc="-1">
                 <a:solidFill>
                   <a:srgbClr val="000000"/>
                 </a:solidFill>
@@ -5097,7 +4921,7 @@
               </a:rPr>
               <a:t>결제정보</a:t>
             </a:r>
-            <a:endParaRPr b="0" lang="en-US" sz="1800" spc="-1" strike="noStrike">
+            <a:endParaRPr lang="en-US" sz="1800" b="0" strike="noStrike" spc="-1">
               <a:latin typeface="Noto Sans CJK JP"/>
             </a:endParaRPr>
           </a:p>
@@ -5120,19 +4944,26 @@
           <a:noFill/>
           <a:ln w="25560">
             <a:solidFill>
-              <a:srgbClr val="42719b"/>
+              <a:srgbClr val="42719B"/>
             </a:solidFill>
             <a:round/>
           </a:ln>
         </p:spPr>
         <p:style>
-          <a:lnRef idx="0"/>
-          <a:fillRef idx="0"/>
-          <a:effectRef idx="0"/>
+          <a:lnRef idx="0">
+            <a:scrgbClr r="0" g="0" b="0"/>
+          </a:lnRef>
+          <a:fillRef idx="0">
+            <a:scrgbClr r="0" g="0" b="0"/>
+          </a:fillRef>
+          <a:effectRef idx="0">
+            <a:scrgbClr r="0" g="0" b="0"/>
+          </a:effectRef>
           <a:fontRef idx="minor"/>
         </p:style>
         <p:txBody>
-          <a:bodyPr lIns="90000" rIns="90000" tIns="45000" bIns="45000" anchor="ctr"/>
+          <a:bodyPr lIns="90000" tIns="45000" rIns="90000" bIns="45000" anchor="ctr"/>
+          <a:lstStyle/>
           <a:p>
             <a:pPr>
               <a:lnSpc>
@@ -5140,7 +4971,7 @@
               </a:lnSpc>
             </a:pPr>
             <a:r>
-              <a:rPr b="0" lang="en-US" sz="1800" spc="-1" strike="noStrike">
+              <a:rPr lang="en-US" sz="1800" b="0" strike="noStrike" spc="-1">
                 <a:solidFill>
                   <a:srgbClr val="000000"/>
                 </a:solidFill>
@@ -5149,7 +4980,7 @@
               </a:rPr>
               <a:t>서포터</a:t>
             </a:r>
-            <a:endParaRPr b="0" lang="en-US" sz="1800" spc="-1" strike="noStrike">
+            <a:endParaRPr lang="en-US" sz="1800" b="0" strike="noStrike" spc="-1">
               <a:latin typeface="Noto Sans CJK JP"/>
             </a:endParaRPr>
           </a:p>
@@ -5160,7 +4991,7 @@
               </a:lnSpc>
             </a:pPr>
             <a:r>
-              <a:rPr b="0" lang="en-US" sz="1800" spc="-1" strike="noStrike">
+              <a:rPr lang="en-US" sz="1800" b="0" strike="noStrike" spc="-1">
                 <a:solidFill>
                   <a:srgbClr val="000000"/>
                 </a:solidFill>
@@ -5169,7 +5000,7 @@
               </a:rPr>
               <a:t>---------------------------</a:t>
             </a:r>
-            <a:endParaRPr b="0" lang="en-US" sz="1800" spc="-1" strike="noStrike">
+            <a:endParaRPr lang="en-US" sz="1800" b="0" strike="noStrike" spc="-1">
               <a:latin typeface="Noto Sans CJK JP"/>
             </a:endParaRPr>
           </a:p>
@@ -5180,7 +5011,7 @@
               </a:lnSpc>
             </a:pPr>
             <a:r>
-              <a:rPr b="0" lang="en-US" sz="1800" spc="-1" strike="noStrike">
+              <a:rPr lang="en-US" sz="1800" b="0" strike="noStrike" spc="-1">
                 <a:solidFill>
                   <a:srgbClr val="000000"/>
                 </a:solidFill>
@@ -5189,7 +5020,7 @@
               </a:rPr>
               <a:t>ID(PK)</a:t>
             </a:r>
-            <a:endParaRPr b="0" lang="en-US" sz="1800" spc="-1" strike="noStrike">
+            <a:endParaRPr lang="en-US" sz="1800" b="0" strike="noStrike" spc="-1">
               <a:latin typeface="Noto Sans CJK JP"/>
             </a:endParaRPr>
           </a:p>
@@ -5200,7 +5031,7 @@
               </a:lnSpc>
             </a:pPr>
             <a:r>
-              <a:rPr b="0" lang="en-US" sz="1800" spc="-1" strike="noStrike">
+              <a:rPr lang="en-US" sz="1800" b="0" strike="noStrike" spc="-1">
                 <a:solidFill>
                   <a:srgbClr val="000000"/>
                 </a:solidFill>
@@ -5209,7 +5040,7 @@
               </a:rPr>
               <a:t>패스워드</a:t>
             </a:r>
-            <a:endParaRPr b="0" lang="en-US" sz="1800" spc="-1" strike="noStrike">
+            <a:endParaRPr lang="en-US" sz="1800" b="0" strike="noStrike" spc="-1">
               <a:latin typeface="Noto Sans CJK JP"/>
             </a:endParaRPr>
           </a:p>
@@ -5220,7 +5051,7 @@
               </a:lnSpc>
             </a:pPr>
             <a:r>
-              <a:rPr b="0" lang="en-US" sz="1800" spc="-1" strike="noStrike">
+              <a:rPr lang="en-US" sz="1800" b="0" strike="noStrike" spc="-1">
                 <a:solidFill>
                   <a:srgbClr val="000000"/>
                 </a:solidFill>
@@ -5229,7 +5060,7 @@
               </a:rPr>
               <a:t>주소</a:t>
             </a:r>
-            <a:endParaRPr b="0" lang="en-US" sz="1800" spc="-1" strike="noStrike">
+            <a:endParaRPr lang="en-US" sz="1800" b="0" strike="noStrike" spc="-1">
               <a:latin typeface="Noto Sans CJK JP"/>
             </a:endParaRPr>
           </a:p>
@@ -5240,7 +5071,7 @@
               </a:lnSpc>
             </a:pPr>
             <a:r>
-              <a:rPr b="0" lang="en-US" sz="1800" spc="-1" strike="noStrike">
+              <a:rPr lang="en-US" sz="1800" b="0" strike="noStrike" spc="-1">
                 <a:solidFill>
                   <a:srgbClr val="000000"/>
                 </a:solidFill>
@@ -5249,9 +5080,12 @@
               </a:rPr>
               <a:t>결제 정보</a:t>
             </a:r>
+            <a:r>
+              <a:t/>
+            </a:r>
             <a:br/>
             <a:r>
-              <a:rPr b="0" lang="en-US" sz="1800" spc="-1" strike="noStrike">
+              <a:rPr lang="en-US" sz="1800" b="0" strike="noStrike" spc="-1">
                 <a:solidFill>
                   <a:srgbClr val="000000"/>
                 </a:solidFill>
@@ -5260,7 +5094,7 @@
               </a:rPr>
               <a:t>이메일</a:t>
             </a:r>
-            <a:endParaRPr b="0" lang="en-US" sz="1800" spc="-1" strike="noStrike">
+            <a:endParaRPr lang="en-US" sz="1800" b="0" strike="noStrike" spc="-1">
               <a:latin typeface="Noto Sans CJK JP"/>
             </a:endParaRPr>
           </a:p>
@@ -5271,7 +5105,7 @@
               </a:lnSpc>
             </a:pPr>
             <a:r>
-              <a:rPr b="0" lang="en-US" sz="1800" spc="-1" strike="noStrike">
+              <a:rPr lang="en-US" sz="1800" b="0" strike="noStrike" spc="-1">
                 <a:solidFill>
                   <a:srgbClr val="000000"/>
                 </a:solidFill>
@@ -5280,7 +5114,7 @@
               </a:rPr>
               <a:t>전화번호</a:t>
             </a:r>
-            <a:endParaRPr b="0" lang="en-US" sz="1800" spc="-1" strike="noStrike">
+            <a:endParaRPr lang="en-US" sz="1800" b="0" strike="noStrike" spc="-1">
               <a:latin typeface="Noto Sans CJK JP"/>
             </a:endParaRPr>
           </a:p>
@@ -5303,19 +5137,26 @@
           <a:noFill/>
           <a:ln w="25560">
             <a:solidFill>
-              <a:srgbClr val="42719b"/>
+              <a:srgbClr val="42719B"/>
             </a:solidFill>
             <a:round/>
           </a:ln>
         </p:spPr>
         <p:style>
-          <a:lnRef idx="0"/>
-          <a:fillRef idx="0"/>
-          <a:effectRef idx="0"/>
+          <a:lnRef idx="0">
+            <a:scrgbClr r="0" g="0" b="0"/>
+          </a:lnRef>
+          <a:fillRef idx="0">
+            <a:scrgbClr r="0" g="0" b="0"/>
+          </a:fillRef>
+          <a:effectRef idx="0">
+            <a:scrgbClr r="0" g="0" b="0"/>
+          </a:effectRef>
           <a:fontRef idx="minor"/>
         </p:style>
         <p:txBody>
-          <a:bodyPr lIns="90000" rIns="90000" tIns="45000" bIns="45000" anchor="ctr"/>
+          <a:bodyPr lIns="90000" tIns="45000" rIns="90000" bIns="45000" anchor="ctr"/>
+          <a:lstStyle/>
           <a:p>
             <a:pPr>
               <a:lnSpc>
@@ -5323,7 +5164,7 @@
               </a:lnSpc>
             </a:pPr>
             <a:r>
-              <a:rPr b="0" lang="en-US" sz="1800" spc="-1" strike="noStrike">
+              <a:rPr lang="en-US" sz="1800" b="0" strike="noStrike" spc="-1">
                 <a:solidFill>
                   <a:srgbClr val="000000"/>
                 </a:solidFill>
@@ -5332,7 +5173,7 @@
               </a:rPr>
               <a:t>커뮤니티</a:t>
             </a:r>
-            <a:endParaRPr b="0" lang="en-US" sz="1800" spc="-1" strike="noStrike">
+            <a:endParaRPr lang="en-US" sz="1800" b="0" strike="noStrike" spc="-1">
               <a:latin typeface="Noto Sans CJK JP"/>
             </a:endParaRPr>
           </a:p>
@@ -5343,7 +5184,7 @@
               </a:lnSpc>
             </a:pPr>
             <a:r>
-              <a:rPr b="0" lang="en-US" sz="1800" spc="-1" strike="noStrike">
+              <a:rPr lang="en-US" sz="1800" b="0" strike="noStrike" spc="-1">
                 <a:solidFill>
                   <a:srgbClr val="000000"/>
                 </a:solidFill>
@@ -5352,7 +5193,7 @@
               </a:rPr>
               <a:t>---------------------------</a:t>
             </a:r>
-            <a:endParaRPr b="0" lang="en-US" sz="1800" spc="-1" strike="noStrike">
+            <a:endParaRPr lang="en-US" sz="1800" b="0" strike="noStrike" spc="-1">
               <a:latin typeface="Noto Sans CJK JP"/>
             </a:endParaRPr>
           </a:p>
@@ -5363,26 +5204,16 @@
               </a:lnSpc>
             </a:pPr>
             <a:r>
-              <a:rPr b="0" lang="en-US" sz="1800" spc="-1" strike="noStrike">
+              <a:rPr lang="en-US" sz="1800" b="0" strike="noStrike" spc="-1">
                 <a:solidFill>
                   <a:srgbClr val="000000"/>
                 </a:solidFill>
                 <a:latin typeface="Arial"/>
                 <a:ea typeface="Arial"/>
               </a:rPr>
-              <a:t>글번호</a:t>
-            </a:r>
-            <a:r>
-              <a:rPr b="0" lang="en-US" sz="1800" spc="-1" strike="noStrike">
-                <a:solidFill>
-                  <a:srgbClr val="000000"/>
-                </a:solidFill>
-                <a:latin typeface="Arial"/>
-                <a:ea typeface="Arial"/>
-              </a:rPr>
-              <a:t>(pk)</a:t>
-            </a:r>
-            <a:endParaRPr b="0" lang="en-US" sz="1800" spc="-1" strike="noStrike">
+              <a:t>글번호(pk)</a:t>
+            </a:r>
+            <a:endParaRPr lang="en-US" sz="1800" b="0" strike="noStrike" spc="-1">
               <a:latin typeface="Noto Sans CJK JP"/>
             </a:endParaRPr>
           </a:p>
@@ -5393,7 +5224,7 @@
               </a:lnSpc>
             </a:pPr>
             <a:r>
-              <a:rPr b="0" lang="en-US" sz="1800" spc="-1" strike="noStrike">
+              <a:rPr lang="en-US" sz="1800" b="0" strike="noStrike" spc="-1">
                 <a:solidFill>
                   <a:srgbClr val="000000"/>
                 </a:solidFill>
@@ -5402,7 +5233,7 @@
               </a:rPr>
               <a:t>상품 번호</a:t>
             </a:r>
-            <a:endParaRPr b="0" lang="en-US" sz="1800" spc="-1" strike="noStrike">
+            <a:endParaRPr lang="en-US" sz="1800" b="0" strike="noStrike" spc="-1">
               <a:latin typeface="Noto Sans CJK JP"/>
             </a:endParaRPr>
           </a:p>
@@ -5413,26 +5244,16 @@
               </a:lnSpc>
             </a:pPr>
             <a:r>
-              <a:rPr b="0" lang="en-US" sz="1800" spc="-1" strike="noStrike">
+              <a:rPr lang="en-US" sz="1800" b="0" strike="noStrike" spc="-1">
                 <a:solidFill>
                   <a:srgbClr val="000000"/>
                 </a:solidFill>
                 <a:latin typeface="Arial"/>
                 <a:ea typeface="Arial"/>
               </a:rPr>
-              <a:t>게시자</a:t>
-            </a:r>
-            <a:r>
-              <a:rPr b="0" lang="en-US" sz="1800" spc="-1" strike="noStrike">
-                <a:solidFill>
-                  <a:srgbClr val="000000"/>
-                </a:solidFill>
-                <a:latin typeface="Arial"/>
-                <a:ea typeface="Arial"/>
-              </a:rPr>
-              <a:t>ID</a:t>
-            </a:r>
-            <a:endParaRPr b="0" lang="en-US" sz="1800" spc="-1" strike="noStrike">
+              <a:t>게시자ID</a:t>
+            </a:r>
+            <a:endParaRPr lang="en-US" sz="1800" b="0" strike="noStrike" spc="-1">
               <a:latin typeface="Noto Sans CJK JP"/>
             </a:endParaRPr>
           </a:p>
@@ -5443,7 +5264,7 @@
               </a:lnSpc>
             </a:pPr>
             <a:r>
-              <a:rPr b="0" lang="en-US" sz="1800" spc="-1" strike="noStrike">
+              <a:rPr lang="en-US" sz="1800" b="0" strike="noStrike" spc="-1">
                 <a:solidFill>
                   <a:srgbClr val="000000"/>
                 </a:solidFill>
@@ -5452,7 +5273,7 @@
               </a:rPr>
               <a:t>게시일자</a:t>
             </a:r>
-            <a:endParaRPr b="0" lang="en-US" sz="1800" spc="-1" strike="noStrike">
+            <a:endParaRPr lang="en-US" sz="1800" b="0" strike="noStrike" spc="-1">
               <a:latin typeface="Noto Sans CJK JP"/>
             </a:endParaRPr>
           </a:p>
@@ -5463,7 +5284,7 @@
               </a:lnSpc>
             </a:pPr>
             <a:r>
-              <a:rPr b="0" lang="en-US" sz="1800" spc="-1" strike="noStrike">
+              <a:rPr lang="en-US" sz="1800" b="0" strike="noStrike" spc="-1">
                 <a:solidFill>
                   <a:srgbClr val="000000"/>
                 </a:solidFill>
@@ -5472,7 +5293,7 @@
               </a:rPr>
               <a:t>글내용</a:t>
             </a:r>
-            <a:endParaRPr b="0" lang="en-US" sz="1800" spc="-1" strike="noStrike">
+            <a:endParaRPr lang="en-US" sz="1800" b="0" strike="noStrike" spc="-1">
               <a:latin typeface="Noto Sans CJK JP"/>
             </a:endParaRPr>
           </a:p>
@@ -5483,7 +5304,7 @@
               </a:lnSpc>
             </a:pPr>
             <a:r>
-              <a:rPr b="0" lang="en-US" sz="1800" spc="-1" strike="noStrike">
+              <a:rPr lang="en-US" sz="1800" b="0" strike="noStrike" spc="-1">
                 <a:solidFill>
                   <a:srgbClr val="000000"/>
                 </a:solidFill>
@@ -5492,7 +5313,7 @@
               </a:rPr>
               <a:t>답변내용</a:t>
             </a:r>
-            <a:endParaRPr b="0" lang="en-US" sz="1800" spc="-1" strike="noStrike">
+            <a:endParaRPr lang="en-US" sz="1800" b="0" strike="noStrike" spc="-1">
               <a:latin typeface="Noto Sans CJK JP"/>
             </a:endParaRPr>
           </a:p>
@@ -5503,26 +5324,16 @@
               </a:lnSpc>
             </a:pPr>
             <a:r>
-              <a:rPr b="0" lang="en-US" sz="1800" spc="-1" strike="noStrike">
+              <a:rPr lang="en-US" sz="1800" b="0" strike="noStrike" spc="-1">
                 <a:solidFill>
                   <a:srgbClr val="000000"/>
                 </a:solidFill>
                 <a:latin typeface="Arial"/>
                 <a:ea typeface="Arial"/>
               </a:rPr>
-              <a:t>답변자</a:t>
-            </a:r>
-            <a:r>
-              <a:rPr b="0" lang="en-US" sz="1800" spc="-1" strike="noStrike">
-                <a:solidFill>
-                  <a:srgbClr val="000000"/>
-                </a:solidFill>
-                <a:latin typeface="Arial"/>
-                <a:ea typeface="Arial"/>
-              </a:rPr>
-              <a:t>ID</a:t>
-            </a:r>
-            <a:endParaRPr b="0" lang="en-US" sz="1800" spc="-1" strike="noStrike">
+              <a:t>답변자ID</a:t>
+            </a:r>
+            <a:endParaRPr lang="en-US" sz="1800" b="0" strike="noStrike" spc="-1">
               <a:latin typeface="Noto Sans CJK JP"/>
             </a:endParaRPr>
           </a:p>
@@ -5543,6 +5354,7 @@
             <a:avLst/>
             <a:gdLst/>
             <a:ahLst/>
+            <a:cxnLst/>
             <a:rect l="l" t="t" r="r" b="b"/>
             <a:pathLst>
               <a:path w="21600" h="21600">
@@ -5564,9 +5376,15 @@
           </a:ln>
         </p:spPr>
         <p:style>
-          <a:lnRef idx="0"/>
-          <a:fillRef idx="0"/>
-          <a:effectRef idx="0"/>
+          <a:lnRef idx="0">
+            <a:scrgbClr r="0" g="0" b="0"/>
+          </a:lnRef>
+          <a:fillRef idx="0">
+            <a:scrgbClr r="0" g="0" b="0"/>
+          </a:fillRef>
+          <a:effectRef idx="0">
+            <a:scrgbClr r="0" g="0" b="0"/>
+          </a:effectRef>
           <a:fontRef idx="minor"/>
         </p:style>
       </p:sp>
@@ -5585,6 +5403,7 @@
             <a:avLst/>
             <a:gdLst/>
             <a:ahLst/>
+            <a:cxnLst/>
             <a:rect l="l" t="t" r="r" b="b"/>
             <a:pathLst>
               <a:path w="21600" h="21600">
@@ -5606,9 +5425,15 @@
           </a:ln>
         </p:spPr>
         <p:style>
-          <a:lnRef idx="0"/>
-          <a:fillRef idx="0"/>
-          <a:effectRef idx="0"/>
+          <a:lnRef idx="0">
+            <a:scrgbClr r="0" g="0" b="0"/>
+          </a:lnRef>
+          <a:fillRef idx="0">
+            <a:scrgbClr r="0" g="0" b="0"/>
+          </a:fillRef>
+          <a:effectRef idx="0">
+            <a:scrgbClr r="0" g="0" b="0"/>
+          </a:effectRef>
           <a:fontRef idx="minor"/>
         </p:style>
       </p:sp>
@@ -5627,6 +5452,7 @@
             <a:avLst/>
             <a:gdLst/>
             <a:ahLst/>
+            <a:cxnLst/>
             <a:rect l="l" t="t" r="r" b="b"/>
             <a:pathLst>
               <a:path w="21600" h="21600">
@@ -5648,9 +5474,15 @@
           </a:ln>
         </p:spPr>
         <p:style>
-          <a:lnRef idx="0"/>
-          <a:fillRef idx="0"/>
-          <a:effectRef idx="0"/>
+          <a:lnRef idx="0">
+            <a:scrgbClr r="0" g="0" b="0"/>
+          </a:lnRef>
+          <a:fillRef idx="0">
+            <a:scrgbClr r="0" g="0" b="0"/>
+          </a:fillRef>
+          <a:effectRef idx="0">
+            <a:scrgbClr r="0" g="0" b="0"/>
+          </a:effectRef>
           <a:fontRef idx="minor"/>
         </p:style>
       </p:sp>
@@ -5661,14 +5493,15 @@
           <p:nvPr/>
         </p:nvSpPr>
         <p:spPr>
-          <a:xfrm flipH="1" rot="10800000">
-            <a:off x="8292960" y="5308200"/>
-            <a:ext cx="2981520" cy="3600"/>
+          <a:xfrm rot="10800000" flipH="1">
+            <a:off x="5204966" y="5270596"/>
+            <a:ext cx="3087994" cy="45719"/>
           </a:xfrm>
           <a:custGeom>
             <a:avLst/>
             <a:gdLst/>
             <a:ahLst/>
+            <a:cxnLst/>
             <a:rect l="l" t="t" r="r" b="b"/>
             <a:pathLst>
               <a:path w="21600" h="21600">
@@ -5690,9 +5523,15 @@
           </a:ln>
         </p:spPr>
         <p:style>
-          <a:lnRef idx="0"/>
-          <a:fillRef idx="0"/>
-          <a:effectRef idx="0"/>
+          <a:lnRef idx="0">
+            <a:scrgbClr r="0" g="0" b="0"/>
+          </a:lnRef>
+          <a:fillRef idx="0">
+            <a:scrgbClr r="0" g="0" b="0"/>
+          </a:fillRef>
+          <a:effectRef idx="0">
+            <a:scrgbClr r="0" g="0" b="0"/>
+          </a:effectRef>
           <a:fontRef idx="minor"/>
         </p:style>
       </p:sp>
@@ -5703,7 +5542,7 @@
           <p:nvPr/>
         </p:nvSpPr>
         <p:spPr>
-          <a:xfrm flipH="1" rot="16200000">
+          <a:xfrm rot="16200000" flipH="1">
             <a:off x="1205280" y="3666600"/>
             <a:ext cx="1932840" cy="1350000"/>
           </a:xfrm>
@@ -5719,30 +5558,39 @@
           </a:ln>
         </p:spPr>
         <p:style>
-          <a:lnRef idx="0"/>
-          <a:fillRef idx="0"/>
-          <a:effectRef idx="0"/>
+          <a:lnRef idx="0">
+            <a:scrgbClr r="0" g="0" b="0"/>
+          </a:lnRef>
+          <a:fillRef idx="0">
+            <a:scrgbClr r="0" g="0" b="0"/>
+          </a:fillRef>
+          <a:effectRef idx="0">
+            <a:scrgbClr r="0" g="0" b="0"/>
+          </a:effectRef>
           <a:fontRef idx="minor"/>
         </p:style>
       </p:sp>
     </p:spTree>
   </p:cSld>
+  <p:clrMapOvr>
+    <a:masterClrMapping/>
+  </p:clrMapOvr>
   <p:timing>
     <p:tnLst>
       <p:par>
-        <p:cTn id="5" dur="indefinite" restart="never" nodeType="tmRoot">
+        <p:cTn id="1" dur="indefinite" restart="never" nodeType="tmRoot">
           <p:childTnLst>
             <p:seq>
-              <p:cTn id="6" dur="indefinite" nodeType="mainSeq"/>
+              <p:cTn id="2" dur="indefinite" nodeType="mainSeq"/>
               <p:prevCondLst>
-                <p:cond delay="0" evt="onPrev">
+                <p:cond evt="onPrev" delay="0">
                   <p:tgtEl>
                     <p:sldTgt/>
                   </p:tgtEl>
                 </p:cond>
               </p:prevCondLst>
               <p:nextCondLst>
-                <p:cond delay="0" evt="onNext">
+                <p:cond evt="onNext" delay="0">
                   <p:tgtEl>
                     <p:sldTgt/>
                   </p:tgtEl>
@@ -5758,7 +5606,7 @@
 </file>
 
 <file path=ppt/slides/slide4.xml><?xml version="1.0" encoding="utf-8"?>
-<p:sld xmlns:a="http://schemas.openxmlformats.org/drawingml/2006/main" xmlns:p="http://schemas.openxmlformats.org/presentationml/2006/main" xmlns:r="http://schemas.openxmlformats.org/officeDocument/2006/relationships" xmlns:p14="http://schemas.microsoft.com/office/powerpoint/2010/main" xmlns:p15="http://schemas.microsoft.com/office/powerpoint/2012/main" xmlns:mc="http://schemas.openxmlformats.org/markup-compatibility/2006">
+<p:sld xmlns:a="http://schemas.openxmlformats.org/drawingml/2006/main" xmlns:r="http://schemas.openxmlformats.org/officeDocument/2006/relationships" xmlns:p="http://schemas.openxmlformats.org/presentationml/2006/main">
   <p:cSld>
     <p:spTree>
       <p:nvGrpSpPr>
@@ -5794,13 +5642,20 @@
           </a:ln>
         </p:spPr>
         <p:style>
-          <a:lnRef idx="0"/>
-          <a:fillRef idx="0"/>
-          <a:effectRef idx="0"/>
+          <a:lnRef idx="0">
+            <a:scrgbClr r="0" g="0" b="0"/>
+          </a:lnRef>
+          <a:fillRef idx="0">
+            <a:scrgbClr r="0" g="0" b="0"/>
+          </a:fillRef>
+          <a:effectRef idx="0">
+            <a:scrgbClr r="0" g="0" b="0"/>
+          </a:effectRef>
           <a:fontRef idx="minor"/>
         </p:style>
         <p:txBody>
           <a:bodyPr anchor="ctr"/>
+          <a:lstStyle/>
           <a:p>
             <a:pPr>
               <a:lnSpc>
@@ -5808,7 +5663,7 @@
               </a:lnSpc>
             </a:pPr>
             <a:r>
-              <a:rPr b="0" lang="en-US" sz="4400" spc="-1" strike="noStrike">
+              <a:rPr lang="en-US" sz="4400" b="0" strike="noStrike" spc="-1">
                 <a:solidFill>
                   <a:srgbClr val="000000"/>
                 </a:solidFill>
@@ -5817,7 +5672,7 @@
               </a:rPr>
               <a:t>관리자 기능</a:t>
             </a:r>
-            <a:endParaRPr b="0" lang="en-US" sz="4400" spc="-1" strike="noStrike">
+            <a:endParaRPr lang="en-US" sz="4400" b="0" strike="noStrike" spc="-1">
               <a:latin typeface="Noto Sans CJK JP"/>
             </a:endParaRPr>
           </a:p>
@@ -5843,13 +5698,20 @@
           </a:ln>
         </p:spPr>
         <p:style>
-          <a:lnRef idx="0"/>
-          <a:fillRef idx="0"/>
-          <a:effectRef idx="0"/>
+          <a:lnRef idx="0">
+            <a:scrgbClr r="0" g="0" b="0"/>
+          </a:lnRef>
+          <a:fillRef idx="0">
+            <a:scrgbClr r="0" g="0" b="0"/>
+          </a:fillRef>
+          <a:effectRef idx="0">
+            <a:scrgbClr r="0" g="0" b="0"/>
+          </a:effectRef>
           <a:fontRef idx="minor"/>
         </p:style>
         <p:txBody>
           <a:bodyPr/>
+          <a:lstStyle/>
           <a:p>
             <a:pPr marL="228600" indent="-227880">
               <a:lnSpc>
@@ -5862,76 +5724,16 @@
               <a:buChar char="•"/>
             </a:pPr>
             <a:r>
-              <a:rPr b="0" lang="en-US" sz="2800" spc="-1" strike="noStrike">
+              <a:rPr lang="en-US" sz="2800" b="0" strike="noStrike" spc="-1">
                 <a:solidFill>
                   <a:srgbClr val="000000"/>
                 </a:solidFill>
                 <a:latin typeface="Malgun Gothic"/>
                 <a:ea typeface="Malgun Gothic"/>
               </a:rPr>
-              <a:t> </a:t>
-            </a:r>
-            <a:r>
-              <a:rPr b="0" lang="en-US" sz="2800" spc="-1" strike="noStrike">
-                <a:solidFill>
-                  <a:srgbClr val="000000"/>
-                </a:solidFill>
-                <a:latin typeface="Malgun Gothic"/>
-                <a:ea typeface="Malgun Gothic"/>
-              </a:rPr>
-              <a:t>회원관리 기능</a:t>
-            </a:r>
-            <a:r>
-              <a:rPr b="0" lang="en-US" sz="2800" spc="-1" strike="noStrike">
-                <a:solidFill>
-                  <a:srgbClr val="000000"/>
-                </a:solidFill>
-                <a:latin typeface="Malgun Gothic"/>
-                <a:ea typeface="Malgun Gothic"/>
-              </a:rPr>
-              <a:t>(</a:t>
-            </a:r>
-            <a:r>
-              <a:rPr b="0" lang="en-US" sz="2800" spc="-1" strike="noStrike">
-                <a:solidFill>
-                  <a:srgbClr val="000000"/>
-                </a:solidFill>
-                <a:latin typeface="Malgun Gothic"/>
-                <a:ea typeface="Malgun Gothic"/>
-              </a:rPr>
-              <a:t>서포터</a:t>
-            </a:r>
-            <a:r>
-              <a:rPr b="0" lang="en-US" sz="2800" spc="-1" strike="noStrike">
-                <a:solidFill>
-                  <a:srgbClr val="000000"/>
-                </a:solidFill>
-                <a:latin typeface="Malgun Gothic"/>
-                <a:ea typeface="Malgun Gothic"/>
-              </a:rPr>
-              <a:t>, </a:t>
-            </a:r>
-            <a:r>
-              <a:rPr b="0" lang="en-US" sz="2800" spc="-1" strike="noStrike">
-                <a:solidFill>
-                  <a:srgbClr val="000000"/>
-                </a:solidFill>
-                <a:latin typeface="Malgun Gothic"/>
-                <a:ea typeface="Malgun Gothic"/>
-              </a:rPr>
-              <a:t>메이커</a:t>
-            </a:r>
-            <a:r>
-              <a:rPr b="0" lang="en-US" sz="2800" spc="-1" strike="noStrike">
-                <a:solidFill>
-                  <a:srgbClr val="000000"/>
-                </a:solidFill>
-                <a:latin typeface="Malgun Gothic"/>
-                <a:ea typeface="Malgun Gothic"/>
-              </a:rPr>
-              <a:t>)</a:t>
-            </a:r>
-            <a:endParaRPr b="0" lang="en-US" sz="2800" spc="-1" strike="noStrike">
+              <a:t> 회원관리 기능(서포터, 메이커)</a:t>
+            </a:r>
+            <a:endParaRPr lang="en-US" sz="2800" b="0" strike="noStrike" spc="-1">
               <a:latin typeface="Noto Sans CJK JP"/>
             </a:endParaRPr>
           </a:p>
@@ -5950,26 +5752,16 @@
               <a:buChar char="•"/>
             </a:pPr>
             <a:r>
-              <a:rPr b="0" lang="en-US" sz="2800" spc="-1" strike="noStrike">
+              <a:rPr lang="en-US" sz="2800" b="0" strike="noStrike" spc="-1">
                 <a:solidFill>
                   <a:srgbClr val="000000"/>
                 </a:solidFill>
                 <a:latin typeface="Malgun Gothic"/>
                 <a:ea typeface="Malgun Gothic"/>
               </a:rPr>
-              <a:t> </a:t>
-            </a:r>
-            <a:r>
-              <a:rPr b="0" lang="en-US" sz="2800" spc="-1" strike="noStrike">
-                <a:solidFill>
-                  <a:srgbClr val="000000"/>
-                </a:solidFill>
-                <a:latin typeface="Malgun Gothic"/>
-                <a:ea typeface="Malgun Gothic"/>
-              </a:rPr>
-              <a:t>상품관리 기능</a:t>
-            </a:r>
-            <a:endParaRPr b="0" lang="en-US" sz="2800" spc="-1" strike="noStrike">
+              <a:t> 상품관리 기능</a:t>
+            </a:r>
+            <a:endParaRPr lang="en-US" sz="2800" b="0" strike="noStrike" spc="-1">
               <a:latin typeface="Noto Sans CJK JP"/>
             </a:endParaRPr>
           </a:p>
@@ -5988,26 +5780,16 @@
               <a:buChar char="•"/>
             </a:pPr>
             <a:r>
-              <a:rPr b="0" lang="en-US" sz="2800" spc="-1" strike="noStrike">
+              <a:rPr lang="en-US" sz="2800" b="0" strike="noStrike" spc="-1">
                 <a:solidFill>
                   <a:srgbClr val="000000"/>
                 </a:solidFill>
                 <a:latin typeface="Malgun Gothic"/>
                 <a:ea typeface="Malgun Gothic"/>
               </a:rPr>
-              <a:t> </a:t>
-            </a:r>
-            <a:r>
-              <a:rPr b="0" lang="en-US" sz="2800" spc="-1" strike="noStrike">
-                <a:solidFill>
-                  <a:srgbClr val="000000"/>
-                </a:solidFill>
-                <a:latin typeface="Malgun Gothic"/>
-                <a:ea typeface="Malgun Gothic"/>
-              </a:rPr>
-              <a:t>고객 센터</a:t>
-            </a:r>
-            <a:endParaRPr b="0" lang="en-US" sz="2800" spc="-1" strike="noStrike">
+              <a:t> 고객 센터</a:t>
+            </a:r>
+            <a:endParaRPr lang="en-US" sz="2800" b="0" strike="noStrike" spc="-1">
               <a:latin typeface="Noto Sans CJK JP"/>
             </a:endParaRPr>
           </a:p>
@@ -6020,7 +5802,7 @@
                 <a:spcPts val="1001"/>
               </a:spcBef>
             </a:pPr>
-            <a:endParaRPr b="0" lang="en-US" sz="2800" spc="-1" strike="noStrike">
+            <a:endParaRPr lang="en-US" sz="2800" b="0" strike="noStrike" spc="-1">
               <a:latin typeface="Noto Sans CJK JP"/>
             </a:endParaRPr>
           </a:p>
@@ -6033,7 +5815,7 @@
                 <a:spcPts val="1001"/>
               </a:spcBef>
             </a:pPr>
-            <a:endParaRPr b="0" lang="en-US" sz="2800" spc="-1" strike="noStrike">
+            <a:endParaRPr lang="en-US" sz="2800" b="0" strike="noStrike" spc="-1">
               <a:latin typeface="Noto Sans CJK JP"/>
             </a:endParaRPr>
           </a:p>
@@ -6046,7 +5828,7 @@
                 <a:spcPts val="1001"/>
               </a:spcBef>
             </a:pPr>
-            <a:endParaRPr b="0" lang="en-US" sz="2800" spc="-1" strike="noStrike">
+            <a:endParaRPr lang="en-US" sz="2800" b="0" strike="noStrike" spc="-1">
               <a:latin typeface="Noto Sans CJK JP"/>
             </a:endParaRPr>
           </a:p>
@@ -6054,22 +5836,25 @@
       </p:sp>
     </p:spTree>
   </p:cSld>
+  <p:clrMapOvr>
+    <a:masterClrMapping/>
+  </p:clrMapOvr>
   <p:timing>
     <p:tnLst>
       <p:par>
-        <p:cTn id="7" dur="indefinite" restart="never" nodeType="tmRoot">
+        <p:cTn id="1" dur="indefinite" restart="never" nodeType="tmRoot">
           <p:childTnLst>
             <p:seq>
-              <p:cTn id="8" dur="indefinite" nodeType="mainSeq"/>
+              <p:cTn id="2" dur="indefinite" nodeType="mainSeq"/>
               <p:prevCondLst>
-                <p:cond delay="0" evt="onPrev">
+                <p:cond evt="onPrev" delay="0">
                   <p:tgtEl>
                     <p:sldTgt/>
                   </p:tgtEl>
                 </p:cond>
               </p:prevCondLst>
               <p:nextCondLst>
-                <p:cond delay="0" evt="onNext">
+                <p:cond evt="onNext" delay="0">
                   <p:tgtEl>
                     <p:sldTgt/>
                   </p:tgtEl>
@@ -6085,7 +5870,7 @@
 </file>
 
 <file path=ppt/slides/slide5.xml><?xml version="1.0" encoding="utf-8"?>
-<p:sld xmlns:a="http://schemas.openxmlformats.org/drawingml/2006/main" xmlns:p="http://schemas.openxmlformats.org/presentationml/2006/main" xmlns:r="http://schemas.openxmlformats.org/officeDocument/2006/relationships" xmlns:p14="http://schemas.microsoft.com/office/powerpoint/2010/main" xmlns:p15="http://schemas.microsoft.com/office/powerpoint/2012/main" xmlns:mc="http://schemas.openxmlformats.org/markup-compatibility/2006">
+<p:sld xmlns:a="http://schemas.openxmlformats.org/drawingml/2006/main" xmlns:r="http://schemas.openxmlformats.org/officeDocument/2006/relationships" xmlns:p="http://schemas.openxmlformats.org/presentationml/2006/main">
   <p:cSld>
     <p:spTree>
       <p:nvGrpSpPr>
@@ -6121,13 +5906,20 @@
           </a:ln>
         </p:spPr>
         <p:style>
-          <a:lnRef idx="0"/>
-          <a:fillRef idx="0"/>
-          <a:effectRef idx="0"/>
+          <a:lnRef idx="0">
+            <a:scrgbClr r="0" g="0" b="0"/>
+          </a:lnRef>
+          <a:fillRef idx="0">
+            <a:scrgbClr r="0" g="0" b="0"/>
+          </a:fillRef>
+          <a:effectRef idx="0">
+            <a:scrgbClr r="0" g="0" b="0"/>
+          </a:effectRef>
           <a:fontRef idx="minor"/>
         </p:style>
         <p:txBody>
           <a:bodyPr anchor="ctr"/>
+          <a:lstStyle/>
           <a:p>
             <a:pPr>
               <a:lnSpc>
@@ -6135,37 +5927,30 @@
               </a:lnSpc>
             </a:pPr>
             <a:r>
-              <a:rPr b="0" lang="en-US" sz="4400" spc="-1" strike="noStrike">
+              <a:rPr lang="en-US" sz="4400" b="0" strike="noStrike" spc="-1">
                 <a:solidFill>
                   <a:srgbClr val="000000"/>
                 </a:solidFill>
                 <a:latin typeface="Malgun Gothic"/>
                 <a:ea typeface="Malgun Gothic"/>
               </a:rPr>
-              <a:t>기타 아무거나 넣고 싶은 기능</a:t>
-            </a:r>
-            <a:r>
-              <a:rPr b="0" lang="en-US" sz="4400" spc="-1" strike="noStrike">
+              <a:t>기타 아무거나 넣고 싶은 기능???</a:t>
+            </a:r>
+            <a:r>
+              <a:t/>
+            </a:r>
+            <a:br/>
+            <a:r>
+              <a:rPr lang="en-US" sz="4400" b="0" strike="noStrike" spc="-1">
                 <a:solidFill>
                   <a:srgbClr val="000000"/>
                 </a:solidFill>
                 <a:latin typeface="Malgun Gothic"/>
                 <a:ea typeface="Malgun Gothic"/>
               </a:rPr>
-              <a:t>???</a:t>
-            </a:r>
-            <a:br/>
-            <a:r>
-              <a:rPr b="0" lang="en-US" sz="4400" spc="-1" strike="noStrike">
-                <a:solidFill>
-                  <a:srgbClr val="000000"/>
-                </a:solidFill>
-                <a:latin typeface="Malgun Gothic"/>
-                <a:ea typeface="Malgun Gothic"/>
-              </a:rPr>
               <a:t>기브미 아이디어</a:t>
             </a:r>
-            <a:endParaRPr b="0" lang="en-US" sz="4400" spc="-1" strike="noStrike">
+            <a:endParaRPr lang="en-US" sz="4400" b="0" strike="noStrike" spc="-1">
               <a:latin typeface="Noto Sans CJK JP"/>
             </a:endParaRPr>
           </a:p>
@@ -6191,30 +5976,39 @@
           </a:ln>
         </p:spPr>
         <p:style>
-          <a:lnRef idx="0"/>
-          <a:fillRef idx="0"/>
-          <a:effectRef idx="0"/>
+          <a:lnRef idx="0">
+            <a:scrgbClr r="0" g="0" b="0"/>
+          </a:lnRef>
+          <a:fillRef idx="0">
+            <a:scrgbClr r="0" g="0" b="0"/>
+          </a:fillRef>
+          <a:effectRef idx="0">
+            <a:scrgbClr r="0" g="0" b="0"/>
+          </a:effectRef>
           <a:fontRef idx="minor"/>
         </p:style>
       </p:sp>
     </p:spTree>
   </p:cSld>
+  <p:clrMapOvr>
+    <a:masterClrMapping/>
+  </p:clrMapOvr>
   <p:timing>
     <p:tnLst>
       <p:par>
-        <p:cTn id="9" dur="indefinite" restart="never" nodeType="tmRoot">
+        <p:cTn id="1" dur="indefinite" restart="never" nodeType="tmRoot">
           <p:childTnLst>
             <p:seq>
-              <p:cTn id="10" dur="indefinite" nodeType="mainSeq"/>
+              <p:cTn id="2" dur="indefinite" nodeType="mainSeq"/>
               <p:prevCondLst>
-                <p:cond delay="0" evt="onPrev">
+                <p:cond evt="onPrev" delay="0">
                   <p:tgtEl>
                     <p:sldTgt/>
                   </p:tgtEl>
                 </p:cond>
               </p:prevCondLst>
               <p:nextCondLst>
-                <p:cond delay="0" evt="onNext">
+                <p:cond evt="onNext" delay="0">
                   <p:tgtEl>
                     <p:sldTgt/>
                   </p:tgtEl>
@@ -6240,34 +6034,34 @@
         <a:sysClr val="window" lastClr="FFFFFF"/>
       </a:lt1>
       <a:dk2>
-        <a:srgbClr val="44546a"/>
+        <a:srgbClr val="44546A"/>
       </a:dk2>
       <a:lt2>
-        <a:srgbClr val="e7e6e6"/>
+        <a:srgbClr val="E7E6E6"/>
       </a:lt2>
       <a:accent1>
-        <a:srgbClr val="5b9bd5"/>
+        <a:srgbClr val="5B9BD5"/>
       </a:accent1>
       <a:accent2>
-        <a:srgbClr val="ed7d31"/>
+        <a:srgbClr val="ED7D31"/>
       </a:accent2>
       <a:accent3>
-        <a:srgbClr val="a5a5a5"/>
+        <a:srgbClr val="A5A5A5"/>
       </a:accent3>
       <a:accent4>
-        <a:srgbClr val="ffc000"/>
+        <a:srgbClr val="FFC000"/>
       </a:accent4>
       <a:accent5>
-        <a:srgbClr val="4472c4"/>
+        <a:srgbClr val="4472C4"/>
       </a:accent5>
       <a:accent6>
-        <a:srgbClr val="70ad47"/>
+        <a:srgbClr val="70AD47"/>
       </a:accent6>
       <a:hlink>
-        <a:srgbClr val="0563c1"/>
+        <a:srgbClr val="0563C1"/>
       </a:hlink>
       <a:folHlink>
-        <a:srgbClr val="954f72"/>
+        <a:srgbClr val="954F72"/>
       </a:folHlink>
     </a:clrScheme>
     <a:fontScheme name="Office">
@@ -6449,6 +6243,8 @@
       </a:bgFillStyleLst>
     </a:fmtScheme>
   </a:themeElements>
+  <a:objectDefaults/>
+  <a:extraClrSchemeLst/>
 </a:theme>
 </file>
 
@@ -6463,34 +6259,34 @@
         <a:sysClr val="window" lastClr="FFFFFF"/>
       </a:lt1>
       <a:dk2>
-        <a:srgbClr val="44546a"/>
+        <a:srgbClr val="44546A"/>
       </a:dk2>
       <a:lt2>
-        <a:srgbClr val="e7e6e6"/>
+        <a:srgbClr val="E7E6E6"/>
       </a:lt2>
       <a:accent1>
-        <a:srgbClr val="5b9bd5"/>
+        <a:srgbClr val="5B9BD5"/>
       </a:accent1>
       <a:accent2>
-        <a:srgbClr val="ed7d31"/>
+        <a:srgbClr val="ED7D31"/>
       </a:accent2>
       <a:accent3>
-        <a:srgbClr val="a5a5a5"/>
+        <a:srgbClr val="A5A5A5"/>
       </a:accent3>
       <a:accent4>
-        <a:srgbClr val="ffc000"/>
+        <a:srgbClr val="FFC000"/>
       </a:accent4>
       <a:accent5>
-        <a:srgbClr val="4472c4"/>
+        <a:srgbClr val="4472C4"/>
       </a:accent5>
       <a:accent6>
-        <a:srgbClr val="70ad47"/>
+        <a:srgbClr val="70AD47"/>
       </a:accent6>
       <a:hlink>
-        <a:srgbClr val="0563c1"/>
+        <a:srgbClr val="0563C1"/>
       </a:hlink>
       <a:folHlink>
-        <a:srgbClr val="954f72"/>
+        <a:srgbClr val="954F72"/>
       </a:folHlink>
     </a:clrScheme>
     <a:fontScheme name="Office">
@@ -6672,5 +6468,7 @@
       </a:bgFillStyleLst>
     </a:fmtScheme>
   </a:themeElements>
+  <a:objectDefaults/>
+  <a:extraClrSchemeLst/>
 </a:theme>
 </file>